--- a/3º Semestre/Programação em Banco de Dados/Projeto/Apresentação.pptx
+++ b/3º Semestre/Programação em Banco de Dados/Projeto/Apresentação.pptx
@@ -5,7 +5,7 @@
     <p:sldMasterId id="2147483648" r:id="rId1"/>
   </p:sldMasterIdLst>
   <p:notesMasterIdLst>
-    <p:notesMasterId r:id="rId23"/>
+    <p:notesMasterId r:id="rId24"/>
   </p:notesMasterIdLst>
   <p:sldIdLst>
     <p:sldId id="256" r:id="rId2"/>
@@ -23,12 +23,13 @@
     <p:sldId id="264" r:id="rId14"/>
     <p:sldId id="270" r:id="rId15"/>
     <p:sldId id="275" r:id="rId16"/>
-    <p:sldId id="277" r:id="rId17"/>
-    <p:sldId id="276" r:id="rId18"/>
-    <p:sldId id="274" r:id="rId19"/>
-    <p:sldId id="268" r:id="rId20"/>
-    <p:sldId id="273" r:id="rId21"/>
-    <p:sldId id="259" r:id="rId22"/>
+    <p:sldId id="278" r:id="rId17"/>
+    <p:sldId id="277" r:id="rId18"/>
+    <p:sldId id="276" r:id="rId19"/>
+    <p:sldId id="279" r:id="rId20"/>
+    <p:sldId id="259" r:id="rId21"/>
+    <p:sldId id="280" r:id="rId22"/>
+    <p:sldId id="274" r:id="rId23"/>
   </p:sldIdLst>
   <p:sldSz cx="12192000" cy="6858000"/>
   <p:notesSz cx="6858000" cy="9144000"/>
@@ -229,7 +230,7 @@
           <a:p>
             <a:fld id="{42E64E69-AB36-4ED5-9FE5-0E304ABA64BE}" type="datetimeFigureOut">
               <a:rPr lang="pt-BR" smtClean="0"/>
-              <a:t>29/05/2019</a:t>
+              <a:t>30/05/2019</a:t>
             </a:fld>
             <a:endParaRPr lang="pt-BR"/>
           </a:p>
@@ -496,6 +497,594 @@
 </p:notesMaster>
 </file>
 
+<file path=ppt/notesSlides/notesSlide1.xml><?xml version="1.0" encoding="utf-8"?>
+<p:notes xmlns:a="http://schemas.openxmlformats.org/drawingml/2006/main" xmlns:r="http://schemas.openxmlformats.org/officeDocument/2006/relationships" xmlns:p="http://schemas.openxmlformats.org/presentationml/2006/main">
+  <p:cSld>
+    <p:spTree>
+      <p:nvGrpSpPr>
+        <p:cNvPr id="1" name=""/>
+        <p:cNvGrpSpPr/>
+        <p:nvPr/>
+      </p:nvGrpSpPr>
+      <p:grpSpPr>
+        <a:xfrm>
+          <a:off x="0" y="0"/>
+          <a:ext cx="0" cy="0"/>
+          <a:chOff x="0" y="0"/>
+          <a:chExt cx="0" cy="0"/>
+        </a:xfrm>
+      </p:grpSpPr>
+      <p:sp>
+        <p:nvSpPr>
+          <p:cNvPr id="2" name="Espaço Reservado para Imagem de Slide 1"/>
+          <p:cNvSpPr>
+            <a:spLocks noGrp="1" noRot="1" noChangeAspect="1"/>
+          </p:cNvSpPr>
+          <p:nvPr>
+            <p:ph type="sldImg"/>
+          </p:nvPr>
+        </p:nvSpPr>
+        <p:spPr/>
+      </p:sp>
+      <p:sp>
+        <p:nvSpPr>
+          <p:cNvPr id="3" name="Espaço Reservado para Anotações 2"/>
+          <p:cNvSpPr>
+            <a:spLocks noGrp="1"/>
+          </p:cNvSpPr>
+          <p:nvPr>
+            <p:ph type="body" idx="1"/>
+          </p:nvPr>
+        </p:nvSpPr>
+        <p:spPr/>
+        <p:txBody>
+          <a:bodyPr/>
+          <a:lstStyle/>
+          <a:p>
+            <a:endParaRPr lang="pt-BR" dirty="0"/>
+          </a:p>
+        </p:txBody>
+      </p:sp>
+      <p:sp>
+        <p:nvSpPr>
+          <p:cNvPr id="4" name="Espaço Reservado para Número de Slide 3"/>
+          <p:cNvSpPr>
+            <a:spLocks noGrp="1"/>
+          </p:cNvSpPr>
+          <p:nvPr>
+            <p:ph type="sldNum" sz="quarter" idx="5"/>
+          </p:nvPr>
+        </p:nvSpPr>
+        <p:spPr/>
+        <p:txBody>
+          <a:bodyPr/>
+          <a:lstStyle/>
+          <a:p>
+            <a:fld id="{CC85C75B-A51A-4BB7-9521-66362B2D4920}" type="slidenum">
+              <a:rPr lang="pt-BR" smtClean="0"/>
+              <a:t>6</a:t>
+            </a:fld>
+            <a:endParaRPr lang="pt-BR"/>
+          </a:p>
+        </p:txBody>
+      </p:sp>
+    </p:spTree>
+    <p:extLst>
+      <p:ext uri="{BB962C8B-B14F-4D97-AF65-F5344CB8AC3E}">
+        <p14:creationId xmlns:p14="http://schemas.microsoft.com/office/powerpoint/2010/main" val="1656858478"/>
+      </p:ext>
+    </p:extLst>
+  </p:cSld>
+  <p:clrMapOvr>
+    <a:masterClrMapping/>
+  </p:clrMapOvr>
+</p:notes>
+</file>
+
+<file path=ppt/notesSlides/notesSlide2.xml><?xml version="1.0" encoding="utf-8"?>
+<p:notes xmlns:a="http://schemas.openxmlformats.org/drawingml/2006/main" xmlns:r="http://schemas.openxmlformats.org/officeDocument/2006/relationships" xmlns:p="http://schemas.openxmlformats.org/presentationml/2006/main">
+  <p:cSld>
+    <p:spTree>
+      <p:nvGrpSpPr>
+        <p:cNvPr id="1" name=""/>
+        <p:cNvGrpSpPr/>
+        <p:nvPr/>
+      </p:nvGrpSpPr>
+      <p:grpSpPr>
+        <a:xfrm>
+          <a:off x="0" y="0"/>
+          <a:ext cx="0" cy="0"/>
+          <a:chOff x="0" y="0"/>
+          <a:chExt cx="0" cy="0"/>
+        </a:xfrm>
+      </p:grpSpPr>
+      <p:sp>
+        <p:nvSpPr>
+          <p:cNvPr id="2" name="Espaço Reservado para Imagem de Slide 1"/>
+          <p:cNvSpPr>
+            <a:spLocks noGrp="1" noRot="1" noChangeAspect="1"/>
+          </p:cNvSpPr>
+          <p:nvPr>
+            <p:ph type="sldImg"/>
+          </p:nvPr>
+        </p:nvSpPr>
+        <p:spPr/>
+      </p:sp>
+      <p:sp>
+        <p:nvSpPr>
+          <p:cNvPr id="3" name="Espaço Reservado para Anotações 2"/>
+          <p:cNvSpPr>
+            <a:spLocks noGrp="1"/>
+          </p:cNvSpPr>
+          <p:nvPr>
+            <p:ph type="body" idx="1"/>
+          </p:nvPr>
+        </p:nvSpPr>
+        <p:spPr/>
+        <p:txBody>
+          <a:bodyPr/>
+          <a:lstStyle/>
+          <a:p>
+            <a:endParaRPr lang="pt-BR" dirty="0"/>
+          </a:p>
+        </p:txBody>
+      </p:sp>
+      <p:sp>
+        <p:nvSpPr>
+          <p:cNvPr id="4" name="Espaço Reservado para Número de Slide 3"/>
+          <p:cNvSpPr>
+            <a:spLocks noGrp="1"/>
+          </p:cNvSpPr>
+          <p:nvPr>
+            <p:ph type="sldNum" sz="quarter" idx="5"/>
+          </p:nvPr>
+        </p:nvSpPr>
+        <p:spPr/>
+        <p:txBody>
+          <a:bodyPr/>
+          <a:lstStyle/>
+          <a:p>
+            <a:fld id="{CC85C75B-A51A-4BB7-9521-66362B2D4920}" type="slidenum">
+              <a:rPr lang="pt-BR" smtClean="0"/>
+              <a:t>11</a:t>
+            </a:fld>
+            <a:endParaRPr lang="pt-BR"/>
+          </a:p>
+        </p:txBody>
+      </p:sp>
+    </p:spTree>
+    <p:extLst>
+      <p:ext uri="{BB962C8B-B14F-4D97-AF65-F5344CB8AC3E}">
+        <p14:creationId xmlns:p14="http://schemas.microsoft.com/office/powerpoint/2010/main" val="551998052"/>
+      </p:ext>
+    </p:extLst>
+  </p:cSld>
+  <p:clrMapOvr>
+    <a:masterClrMapping/>
+  </p:clrMapOvr>
+</p:notes>
+</file>
+
+<file path=ppt/notesSlides/notesSlide3.xml><?xml version="1.0" encoding="utf-8"?>
+<p:notes xmlns:a="http://schemas.openxmlformats.org/drawingml/2006/main" xmlns:r="http://schemas.openxmlformats.org/officeDocument/2006/relationships" xmlns:p="http://schemas.openxmlformats.org/presentationml/2006/main">
+  <p:cSld>
+    <p:spTree>
+      <p:nvGrpSpPr>
+        <p:cNvPr id="1" name=""/>
+        <p:cNvGrpSpPr/>
+        <p:nvPr/>
+      </p:nvGrpSpPr>
+      <p:grpSpPr>
+        <a:xfrm>
+          <a:off x="0" y="0"/>
+          <a:ext cx="0" cy="0"/>
+          <a:chOff x="0" y="0"/>
+          <a:chExt cx="0" cy="0"/>
+        </a:xfrm>
+      </p:grpSpPr>
+      <p:sp>
+        <p:nvSpPr>
+          <p:cNvPr id="2" name="Espaço Reservado para Imagem de Slide 1"/>
+          <p:cNvSpPr>
+            <a:spLocks noGrp="1" noRot="1" noChangeAspect="1"/>
+          </p:cNvSpPr>
+          <p:nvPr>
+            <p:ph type="sldImg"/>
+          </p:nvPr>
+        </p:nvSpPr>
+        <p:spPr/>
+      </p:sp>
+      <p:sp>
+        <p:nvSpPr>
+          <p:cNvPr id="3" name="Espaço Reservado para Anotações 2"/>
+          <p:cNvSpPr>
+            <a:spLocks noGrp="1"/>
+          </p:cNvSpPr>
+          <p:nvPr>
+            <p:ph type="body" idx="1"/>
+          </p:nvPr>
+        </p:nvSpPr>
+        <p:spPr/>
+        <p:txBody>
+          <a:bodyPr/>
+          <a:lstStyle/>
+          <a:p>
+            <a:endParaRPr lang="pt-BR" dirty="0"/>
+          </a:p>
+        </p:txBody>
+      </p:sp>
+      <p:sp>
+        <p:nvSpPr>
+          <p:cNvPr id="4" name="Espaço Reservado para Número de Slide 3"/>
+          <p:cNvSpPr>
+            <a:spLocks noGrp="1"/>
+          </p:cNvSpPr>
+          <p:nvPr>
+            <p:ph type="sldNum" sz="quarter" idx="5"/>
+          </p:nvPr>
+        </p:nvSpPr>
+        <p:spPr/>
+        <p:txBody>
+          <a:bodyPr/>
+          <a:lstStyle/>
+          <a:p>
+            <a:fld id="{CC85C75B-A51A-4BB7-9521-66362B2D4920}" type="slidenum">
+              <a:rPr lang="pt-BR" smtClean="0"/>
+              <a:t>12</a:t>
+            </a:fld>
+            <a:endParaRPr lang="pt-BR"/>
+          </a:p>
+        </p:txBody>
+      </p:sp>
+    </p:spTree>
+    <p:extLst>
+      <p:ext uri="{BB962C8B-B14F-4D97-AF65-F5344CB8AC3E}">
+        <p14:creationId xmlns:p14="http://schemas.microsoft.com/office/powerpoint/2010/main" val="187386086"/>
+      </p:ext>
+    </p:extLst>
+  </p:cSld>
+  <p:clrMapOvr>
+    <a:masterClrMapping/>
+  </p:clrMapOvr>
+</p:notes>
+</file>
+
+<file path=ppt/notesSlides/notesSlide4.xml><?xml version="1.0" encoding="utf-8"?>
+<p:notes xmlns:a="http://schemas.openxmlformats.org/drawingml/2006/main" xmlns:r="http://schemas.openxmlformats.org/officeDocument/2006/relationships" xmlns:p="http://schemas.openxmlformats.org/presentationml/2006/main">
+  <p:cSld>
+    <p:spTree>
+      <p:nvGrpSpPr>
+        <p:cNvPr id="1" name=""/>
+        <p:cNvGrpSpPr/>
+        <p:nvPr/>
+      </p:nvGrpSpPr>
+      <p:grpSpPr>
+        <a:xfrm>
+          <a:off x="0" y="0"/>
+          <a:ext cx="0" cy="0"/>
+          <a:chOff x="0" y="0"/>
+          <a:chExt cx="0" cy="0"/>
+        </a:xfrm>
+      </p:grpSpPr>
+      <p:sp>
+        <p:nvSpPr>
+          <p:cNvPr id="2" name="Espaço Reservado para Imagem de Slide 1"/>
+          <p:cNvSpPr>
+            <a:spLocks noGrp="1" noRot="1" noChangeAspect="1"/>
+          </p:cNvSpPr>
+          <p:nvPr>
+            <p:ph type="sldImg"/>
+          </p:nvPr>
+        </p:nvSpPr>
+        <p:spPr/>
+      </p:sp>
+      <p:sp>
+        <p:nvSpPr>
+          <p:cNvPr id="3" name="Espaço Reservado para Anotações 2"/>
+          <p:cNvSpPr>
+            <a:spLocks noGrp="1"/>
+          </p:cNvSpPr>
+          <p:nvPr>
+            <p:ph type="body" idx="1"/>
+          </p:nvPr>
+        </p:nvSpPr>
+        <p:spPr/>
+        <p:txBody>
+          <a:bodyPr/>
+          <a:lstStyle/>
+          <a:p>
+            <a:endParaRPr lang="pt-BR" dirty="0"/>
+          </a:p>
+        </p:txBody>
+      </p:sp>
+      <p:sp>
+        <p:nvSpPr>
+          <p:cNvPr id="4" name="Espaço Reservado para Número de Slide 3"/>
+          <p:cNvSpPr>
+            <a:spLocks noGrp="1"/>
+          </p:cNvSpPr>
+          <p:nvPr>
+            <p:ph type="sldNum" sz="quarter" idx="5"/>
+          </p:nvPr>
+        </p:nvSpPr>
+        <p:spPr/>
+        <p:txBody>
+          <a:bodyPr/>
+          <a:lstStyle/>
+          <a:p>
+            <a:fld id="{CC85C75B-A51A-4BB7-9521-66362B2D4920}" type="slidenum">
+              <a:rPr lang="pt-BR" smtClean="0"/>
+              <a:t>14</a:t>
+            </a:fld>
+            <a:endParaRPr lang="pt-BR"/>
+          </a:p>
+        </p:txBody>
+      </p:sp>
+    </p:spTree>
+    <p:extLst>
+      <p:ext uri="{BB962C8B-B14F-4D97-AF65-F5344CB8AC3E}">
+        <p14:creationId xmlns:p14="http://schemas.microsoft.com/office/powerpoint/2010/main" val="2426602861"/>
+      </p:ext>
+    </p:extLst>
+  </p:cSld>
+  <p:clrMapOvr>
+    <a:masterClrMapping/>
+  </p:clrMapOvr>
+</p:notes>
+</file>
+
+<file path=ppt/notesSlides/notesSlide5.xml><?xml version="1.0" encoding="utf-8"?>
+<p:notes xmlns:a="http://schemas.openxmlformats.org/drawingml/2006/main" xmlns:r="http://schemas.openxmlformats.org/officeDocument/2006/relationships" xmlns:p="http://schemas.openxmlformats.org/presentationml/2006/main">
+  <p:cSld>
+    <p:spTree>
+      <p:nvGrpSpPr>
+        <p:cNvPr id="1" name=""/>
+        <p:cNvGrpSpPr/>
+        <p:nvPr/>
+      </p:nvGrpSpPr>
+      <p:grpSpPr>
+        <a:xfrm>
+          <a:off x="0" y="0"/>
+          <a:ext cx="0" cy="0"/>
+          <a:chOff x="0" y="0"/>
+          <a:chExt cx="0" cy="0"/>
+        </a:xfrm>
+      </p:grpSpPr>
+      <p:sp>
+        <p:nvSpPr>
+          <p:cNvPr id="2" name="Espaço Reservado para Imagem de Slide 1"/>
+          <p:cNvSpPr>
+            <a:spLocks noGrp="1" noRot="1" noChangeAspect="1"/>
+          </p:cNvSpPr>
+          <p:nvPr>
+            <p:ph type="sldImg"/>
+          </p:nvPr>
+        </p:nvSpPr>
+        <p:spPr/>
+      </p:sp>
+      <p:sp>
+        <p:nvSpPr>
+          <p:cNvPr id="3" name="Espaço Reservado para Anotações 2"/>
+          <p:cNvSpPr>
+            <a:spLocks noGrp="1"/>
+          </p:cNvSpPr>
+          <p:nvPr>
+            <p:ph type="body" idx="1"/>
+          </p:nvPr>
+        </p:nvSpPr>
+        <p:spPr/>
+        <p:txBody>
+          <a:bodyPr/>
+          <a:lstStyle/>
+          <a:p>
+            <a:endParaRPr lang="pt-BR" dirty="0"/>
+          </a:p>
+        </p:txBody>
+      </p:sp>
+      <p:sp>
+        <p:nvSpPr>
+          <p:cNvPr id="4" name="Espaço Reservado para Número de Slide 3"/>
+          <p:cNvSpPr>
+            <a:spLocks noGrp="1"/>
+          </p:cNvSpPr>
+          <p:nvPr>
+            <p:ph type="sldNum" sz="quarter" idx="5"/>
+          </p:nvPr>
+        </p:nvSpPr>
+        <p:spPr/>
+        <p:txBody>
+          <a:bodyPr/>
+          <a:lstStyle/>
+          <a:p>
+            <a:fld id="{CC85C75B-A51A-4BB7-9521-66362B2D4920}" type="slidenum">
+              <a:rPr lang="pt-BR" smtClean="0"/>
+              <a:t>15</a:t>
+            </a:fld>
+            <a:endParaRPr lang="pt-BR"/>
+          </a:p>
+        </p:txBody>
+      </p:sp>
+    </p:spTree>
+    <p:extLst>
+      <p:ext uri="{BB962C8B-B14F-4D97-AF65-F5344CB8AC3E}">
+        <p14:creationId xmlns:p14="http://schemas.microsoft.com/office/powerpoint/2010/main" val="2034653021"/>
+      </p:ext>
+    </p:extLst>
+  </p:cSld>
+  <p:clrMapOvr>
+    <a:masterClrMapping/>
+  </p:clrMapOvr>
+</p:notes>
+</file>
+
+<file path=ppt/notesSlides/notesSlide6.xml><?xml version="1.0" encoding="utf-8"?>
+<p:notes xmlns:a="http://schemas.openxmlformats.org/drawingml/2006/main" xmlns:r="http://schemas.openxmlformats.org/officeDocument/2006/relationships" xmlns:p="http://schemas.openxmlformats.org/presentationml/2006/main">
+  <p:cSld>
+    <p:spTree>
+      <p:nvGrpSpPr>
+        <p:cNvPr id="1" name=""/>
+        <p:cNvGrpSpPr/>
+        <p:nvPr/>
+      </p:nvGrpSpPr>
+      <p:grpSpPr>
+        <a:xfrm>
+          <a:off x="0" y="0"/>
+          <a:ext cx="0" cy="0"/>
+          <a:chOff x="0" y="0"/>
+          <a:chExt cx="0" cy="0"/>
+        </a:xfrm>
+      </p:grpSpPr>
+      <p:sp>
+        <p:nvSpPr>
+          <p:cNvPr id="2" name="Espaço Reservado para Imagem de Slide 1"/>
+          <p:cNvSpPr>
+            <a:spLocks noGrp="1" noRot="1" noChangeAspect="1"/>
+          </p:cNvSpPr>
+          <p:nvPr>
+            <p:ph type="sldImg"/>
+          </p:nvPr>
+        </p:nvSpPr>
+        <p:spPr/>
+      </p:sp>
+      <p:sp>
+        <p:nvSpPr>
+          <p:cNvPr id="3" name="Espaço Reservado para Anotações 2"/>
+          <p:cNvSpPr>
+            <a:spLocks noGrp="1"/>
+          </p:cNvSpPr>
+          <p:nvPr>
+            <p:ph type="body" idx="1"/>
+          </p:nvPr>
+        </p:nvSpPr>
+        <p:spPr/>
+        <p:txBody>
+          <a:bodyPr/>
+          <a:lstStyle/>
+          <a:p>
+            <a:endParaRPr lang="pt-BR" dirty="0"/>
+          </a:p>
+        </p:txBody>
+      </p:sp>
+      <p:sp>
+        <p:nvSpPr>
+          <p:cNvPr id="4" name="Espaço Reservado para Número de Slide 3"/>
+          <p:cNvSpPr>
+            <a:spLocks noGrp="1"/>
+          </p:cNvSpPr>
+          <p:nvPr>
+            <p:ph type="sldNum" sz="quarter" idx="5"/>
+          </p:nvPr>
+        </p:nvSpPr>
+        <p:spPr/>
+        <p:txBody>
+          <a:bodyPr/>
+          <a:lstStyle/>
+          <a:p>
+            <a:fld id="{CC85C75B-A51A-4BB7-9521-66362B2D4920}" type="slidenum">
+              <a:rPr lang="pt-BR" smtClean="0"/>
+              <a:t>16</a:t>
+            </a:fld>
+            <a:endParaRPr lang="pt-BR"/>
+          </a:p>
+        </p:txBody>
+      </p:sp>
+    </p:spTree>
+    <p:extLst>
+      <p:ext uri="{BB962C8B-B14F-4D97-AF65-F5344CB8AC3E}">
+        <p14:creationId xmlns:p14="http://schemas.microsoft.com/office/powerpoint/2010/main" val="1238585715"/>
+      </p:ext>
+    </p:extLst>
+  </p:cSld>
+  <p:clrMapOvr>
+    <a:masterClrMapping/>
+  </p:clrMapOvr>
+</p:notes>
+</file>
+
+<file path=ppt/notesSlides/notesSlide7.xml><?xml version="1.0" encoding="utf-8"?>
+<p:notes xmlns:a="http://schemas.openxmlformats.org/drawingml/2006/main" xmlns:r="http://schemas.openxmlformats.org/officeDocument/2006/relationships" xmlns:p="http://schemas.openxmlformats.org/presentationml/2006/main">
+  <p:cSld>
+    <p:spTree>
+      <p:nvGrpSpPr>
+        <p:cNvPr id="1" name=""/>
+        <p:cNvGrpSpPr/>
+        <p:nvPr/>
+      </p:nvGrpSpPr>
+      <p:grpSpPr>
+        <a:xfrm>
+          <a:off x="0" y="0"/>
+          <a:ext cx="0" cy="0"/>
+          <a:chOff x="0" y="0"/>
+          <a:chExt cx="0" cy="0"/>
+        </a:xfrm>
+      </p:grpSpPr>
+      <p:sp>
+        <p:nvSpPr>
+          <p:cNvPr id="2" name="Espaço Reservado para Imagem de Slide 1"/>
+          <p:cNvSpPr>
+            <a:spLocks noGrp="1" noRot="1" noChangeAspect="1"/>
+          </p:cNvSpPr>
+          <p:nvPr>
+            <p:ph type="sldImg"/>
+          </p:nvPr>
+        </p:nvSpPr>
+        <p:spPr/>
+      </p:sp>
+      <p:sp>
+        <p:nvSpPr>
+          <p:cNvPr id="3" name="Espaço Reservado para Anotações 2"/>
+          <p:cNvSpPr>
+            <a:spLocks noGrp="1"/>
+          </p:cNvSpPr>
+          <p:nvPr>
+            <p:ph type="body" idx="1"/>
+          </p:nvPr>
+        </p:nvSpPr>
+        <p:spPr/>
+        <p:txBody>
+          <a:bodyPr/>
+          <a:lstStyle/>
+          <a:p>
+            <a:endParaRPr lang="pt-BR" dirty="0"/>
+          </a:p>
+        </p:txBody>
+      </p:sp>
+      <p:sp>
+        <p:nvSpPr>
+          <p:cNvPr id="4" name="Espaço Reservado para Número de Slide 3"/>
+          <p:cNvSpPr>
+            <a:spLocks noGrp="1"/>
+          </p:cNvSpPr>
+          <p:nvPr>
+            <p:ph type="sldNum" sz="quarter" idx="5"/>
+          </p:nvPr>
+        </p:nvSpPr>
+        <p:spPr/>
+        <p:txBody>
+          <a:bodyPr/>
+          <a:lstStyle/>
+          <a:p>
+            <a:fld id="{CC85C75B-A51A-4BB7-9521-66362B2D4920}" type="slidenum">
+              <a:rPr lang="pt-BR" smtClean="0"/>
+              <a:t>21</a:t>
+            </a:fld>
+            <a:endParaRPr lang="pt-BR"/>
+          </a:p>
+        </p:txBody>
+      </p:sp>
+    </p:spTree>
+    <p:extLst>
+      <p:ext uri="{BB962C8B-B14F-4D97-AF65-F5344CB8AC3E}">
+        <p14:creationId xmlns:p14="http://schemas.microsoft.com/office/powerpoint/2010/main" val="3997511170"/>
+      </p:ext>
+    </p:extLst>
+  </p:cSld>
+  <p:clrMapOvr>
+    <a:masterClrMapping/>
+  </p:clrMapOvr>
+</p:notes>
+</file>
+
 <file path=ppt/slideLayouts/slideLayout1.xml><?xml version="1.0" encoding="utf-8"?>
 <p:sldLayout xmlns:a="http://schemas.openxmlformats.org/drawingml/2006/main" xmlns:r="http://schemas.openxmlformats.org/officeDocument/2006/relationships" xmlns:p="http://schemas.openxmlformats.org/presentationml/2006/main" type="title" preserve="1">
   <p:cSld name="Slide de Título">
@@ -643,7 +1232,7 @@
           <a:p>
             <a:fld id="{372EE6C8-D507-47FC-B932-52EEF7233B7C}" type="datetimeFigureOut">
               <a:rPr lang="pt-BR" smtClean="0"/>
-              <a:t>29/05/2019</a:t>
+              <a:t>30/05/2019</a:t>
             </a:fld>
             <a:endParaRPr lang="pt-BR"/>
           </a:p>
@@ -841,7 +1430,7 @@
           <a:p>
             <a:fld id="{372EE6C8-D507-47FC-B932-52EEF7233B7C}" type="datetimeFigureOut">
               <a:rPr lang="pt-BR" smtClean="0"/>
-              <a:t>29/05/2019</a:t>
+              <a:t>30/05/2019</a:t>
             </a:fld>
             <a:endParaRPr lang="pt-BR"/>
           </a:p>
@@ -1049,7 +1638,7 @@
           <a:p>
             <a:fld id="{372EE6C8-D507-47FC-B932-52EEF7233B7C}" type="datetimeFigureOut">
               <a:rPr lang="pt-BR" smtClean="0"/>
-              <a:t>29/05/2019</a:t>
+              <a:t>30/05/2019</a:t>
             </a:fld>
             <a:endParaRPr lang="pt-BR"/>
           </a:p>
@@ -1247,7 +1836,7 @@
           <a:p>
             <a:fld id="{372EE6C8-D507-47FC-B932-52EEF7233B7C}" type="datetimeFigureOut">
               <a:rPr lang="pt-BR" smtClean="0"/>
-              <a:t>29/05/2019</a:t>
+              <a:t>30/05/2019</a:t>
             </a:fld>
             <a:endParaRPr lang="pt-BR"/>
           </a:p>
@@ -1522,7 +2111,7 @@
           <a:p>
             <a:fld id="{372EE6C8-D507-47FC-B932-52EEF7233B7C}" type="datetimeFigureOut">
               <a:rPr lang="pt-BR" smtClean="0"/>
-              <a:t>29/05/2019</a:t>
+              <a:t>30/05/2019</a:t>
             </a:fld>
             <a:endParaRPr lang="pt-BR"/>
           </a:p>
@@ -1787,7 +2376,7 @@
           <a:p>
             <a:fld id="{372EE6C8-D507-47FC-B932-52EEF7233B7C}" type="datetimeFigureOut">
               <a:rPr lang="pt-BR" smtClean="0"/>
-              <a:t>29/05/2019</a:t>
+              <a:t>30/05/2019</a:t>
             </a:fld>
             <a:endParaRPr lang="pt-BR"/>
           </a:p>
@@ -2199,7 +2788,7 @@
           <a:p>
             <a:fld id="{372EE6C8-D507-47FC-B932-52EEF7233B7C}" type="datetimeFigureOut">
               <a:rPr lang="pt-BR" smtClean="0"/>
-              <a:t>29/05/2019</a:t>
+              <a:t>30/05/2019</a:t>
             </a:fld>
             <a:endParaRPr lang="pt-BR"/>
           </a:p>
@@ -2340,7 +2929,7 @@
           <a:p>
             <a:fld id="{372EE6C8-D507-47FC-B932-52EEF7233B7C}" type="datetimeFigureOut">
               <a:rPr lang="pt-BR" smtClean="0"/>
-              <a:t>29/05/2019</a:t>
+              <a:t>30/05/2019</a:t>
             </a:fld>
             <a:endParaRPr lang="pt-BR"/>
           </a:p>
@@ -2453,7 +3042,7 @@
           <a:p>
             <a:fld id="{372EE6C8-D507-47FC-B932-52EEF7233B7C}" type="datetimeFigureOut">
               <a:rPr lang="pt-BR" smtClean="0"/>
-              <a:t>29/05/2019</a:t>
+              <a:t>30/05/2019</a:t>
             </a:fld>
             <a:endParaRPr lang="pt-BR"/>
           </a:p>
@@ -2764,7 +3353,7 @@
           <a:p>
             <a:fld id="{372EE6C8-D507-47FC-B932-52EEF7233B7C}" type="datetimeFigureOut">
               <a:rPr lang="pt-BR" smtClean="0"/>
-              <a:t>29/05/2019</a:t>
+              <a:t>30/05/2019</a:t>
             </a:fld>
             <a:endParaRPr lang="pt-BR"/>
           </a:p>
@@ -3052,7 +3641,7 @@
           <a:p>
             <a:fld id="{372EE6C8-D507-47FC-B932-52EEF7233B7C}" type="datetimeFigureOut">
               <a:rPr lang="pt-BR" smtClean="0"/>
-              <a:t>29/05/2019</a:t>
+              <a:t>30/05/2019</a:t>
             </a:fld>
             <a:endParaRPr lang="pt-BR"/>
           </a:p>
@@ -3293,7 +3882,7 @@
           <a:p>
             <a:fld id="{372EE6C8-D507-47FC-B932-52EEF7233B7C}" type="datetimeFigureOut">
               <a:rPr lang="pt-BR" smtClean="0"/>
-              <a:t>29/05/2019</a:t>
+              <a:t>30/05/2019</a:t>
             </a:fld>
             <a:endParaRPr lang="pt-BR"/>
           </a:p>
@@ -3755,7 +4344,7 @@
         <p:spPr>
           <a:xfrm>
             <a:off x="427047" y="1356765"/>
-            <a:ext cx="4548893" cy="461665"/>
+            <a:ext cx="4548893" cy="523220"/>
           </a:xfrm>
           <a:prstGeom prst="rect">
             <a:avLst/>
@@ -3769,26 +4358,34 @@
           <a:lstStyle/>
           <a:p>
             <a:r>
-              <a:rPr lang="pt-BR" sz="1200" dirty="0">
-                <a:latin typeface="Trajan Pro" panose="02020502050506020301" pitchFamily="18" charset="0"/>
+              <a:rPr lang="pt-BR" sz="1400" dirty="0">
+                <a:latin typeface="Star Jedi" panose="040B0000000000000000" pitchFamily="82" charset="0"/>
               </a:rPr>
-              <a:t>Danielly Garcia Jardim – RA </a:t>
+              <a:t>Danielly Garcia Jardim </a:t>
             </a:r>
             <a:r>
-              <a:rPr lang="pt-BR" sz="1200" dirty="0"/>
-              <a:t>1460281813009</a:t>
+              <a:rPr lang="pt-BR" sz="900" dirty="0">
+                <a:latin typeface="Star Jedi" panose="040B0000000000000000" pitchFamily="82" charset="0"/>
+              </a:rPr>
+              <a:t>– RA 1460281813009</a:t>
             </a:r>
-            <a:endParaRPr lang="pt-BR" sz="1200" dirty="0">
-              <a:latin typeface="Trajan Pro" panose="02020502050506020301" pitchFamily="18" charset="0"/>
+          </a:p>
+          <a:p>
+            <a:r>
+              <a:rPr lang="pt-BR" sz="1400" dirty="0">
+                <a:latin typeface="Star Jedi" panose="040B0000000000000000" pitchFamily="82" charset="0"/>
+              </a:rPr>
+              <a:t>Bruna Cristina Lopes – </a:t>
+            </a:r>
+            <a:r>
+              <a:rPr lang="pt-BR" sz="800" dirty="0">
+                <a:latin typeface="Star Jedi" panose="040B0000000000000000" pitchFamily="82" charset="0"/>
+              </a:rPr>
+              <a:t>RA </a:t>
+            </a:r>
+            <a:endParaRPr lang="pt-BR" sz="1400" dirty="0">
+              <a:latin typeface="Star Jedi" panose="040B0000000000000000" pitchFamily="82" charset="0"/>
             </a:endParaRPr>
-          </a:p>
-          <a:p>
-            <a:r>
-              <a:rPr lang="pt-BR" sz="1200" dirty="0">
-                <a:latin typeface="Trajan Pro" panose="02020502050506020301" pitchFamily="18" charset="0"/>
-              </a:rPr>
-              <a:t>Bruna Cristina Lopes – RA </a:t>
-            </a:r>
           </a:p>
         </p:txBody>
       </p:sp>
@@ -4388,8 +4985,8 @@
         </p:nvSpPr>
         <p:spPr>
           <a:xfrm>
-            <a:off x="2120093" y="3129714"/>
-            <a:ext cx="4934473" cy="1015663"/>
+            <a:off x="1380745" y="3138858"/>
+            <a:ext cx="6405342" cy="1015663"/>
           </a:xfrm>
           <a:prstGeom prst="rect">
             <a:avLst/>
@@ -4428,7 +5025,7 @@
         </p:nvSpPr>
         <p:spPr>
           <a:xfrm>
-            <a:off x="2576202" y="4282856"/>
+            <a:off x="2459994" y="4273712"/>
             <a:ext cx="4246844" cy="461665"/>
           </a:xfrm>
           <a:prstGeom prst="rect">
@@ -4659,7 +5256,7 @@
           <p:nvPr/>
         </p:nvPicPr>
         <p:blipFill>
-          <a:blip r:embed="rId2"/>
+          <a:blip r:embed="rId3"/>
           <a:stretch>
             <a:fillRect/>
           </a:stretch>
@@ -4689,7 +5286,7 @@
           <p:nvPr/>
         </p:nvPicPr>
         <p:blipFill>
-          <a:blip r:embed="rId3"/>
+          <a:blip r:embed="rId4"/>
           <a:stretch>
             <a:fillRect/>
           </a:stretch>
@@ -4706,10 +5303,10 @@
       </p:pic>
       <p:pic>
         <p:nvPicPr>
-          <p:cNvPr id="4" name="Imagem 3" descr="Uma imagem contendo texto, mapa&#10;&#10;Descrição gerada automaticamente">
-            <a:extLst>
-              <a:ext uri="{FF2B5EF4-FFF2-40B4-BE49-F238E27FC236}">
-                <a16:creationId xmlns:a16="http://schemas.microsoft.com/office/drawing/2014/main" id="{866B2524-CC11-430C-9052-13CD304AF75E}"/>
+          <p:cNvPr id="6" name="Imagem 5" descr="Uma imagem contendo texto, mapa&#10;&#10;Descrição gerada automaticamente">
+            <a:extLst>
+              <a:ext uri="{FF2B5EF4-FFF2-40B4-BE49-F238E27FC236}">
+                <a16:creationId xmlns:a16="http://schemas.microsoft.com/office/drawing/2014/main" id="{873A102B-270B-48F6-9309-7F2CC62EC609}"/>
               </a:ext>
             </a:extLst>
           </p:cNvPr>
@@ -4719,7 +5316,7 @@
           <p:nvPr/>
         </p:nvPicPr>
         <p:blipFill>
-          <a:blip r:embed="rId4">
+          <a:blip r:embed="rId5">
             <a:extLst>
               <a:ext uri="{28A0092B-C50C-407E-A947-70E740481C1C}">
                 <a14:useLocalDpi xmlns:a14="http://schemas.microsoft.com/office/drawing/2010/main" val="0"/>
@@ -4732,8 +5329,8 @@
         </p:blipFill>
         <p:spPr>
           <a:xfrm>
-            <a:off x="0" y="0"/>
-            <a:ext cx="10170695" cy="6070634"/>
+            <a:off x="-5435" y="5426"/>
+            <a:ext cx="9872451" cy="5891521"/>
           </a:xfrm>
           <a:prstGeom prst="rect">
             <a:avLst/>
@@ -4858,7 +5455,7 @@
           <p:nvPr/>
         </p:nvPicPr>
         <p:blipFill>
-          <a:blip r:embed="rId2"/>
+          <a:blip r:embed="rId3"/>
           <a:stretch>
             <a:fillRect/>
           </a:stretch>
@@ -4890,7 +5487,7 @@
           </p:nvPr>
         </p:nvPicPr>
         <p:blipFill>
-          <a:blip r:embed="rId3">
+          <a:blip r:embed="rId4">
             <a:extLst>
               <a:ext uri="{28A0092B-C50C-407E-A947-70E740481C1C}">
                 <a14:useLocalDpi xmlns:a14="http://schemas.microsoft.com/office/drawing/2010/main" val="0"/>
@@ -4923,7 +5520,7 @@
           <p:nvPr/>
         </p:nvPicPr>
         <p:blipFill>
-          <a:blip r:embed="rId4"/>
+          <a:blip r:embed="rId5"/>
           <a:stretch>
             <a:fillRect/>
           </a:stretch>
@@ -4952,8 +5549,8 @@
         </p:nvSpPr>
         <p:spPr>
           <a:xfrm>
-            <a:off x="3740347" y="1679411"/>
-            <a:ext cx="4934473" cy="1015663"/>
+            <a:off x="3047737" y="1679411"/>
+            <a:ext cx="6002740" cy="1015663"/>
           </a:xfrm>
           <a:prstGeom prst="rect">
             <a:avLst/>
@@ -4989,7 +5586,7 @@
         </p:nvSpPr>
         <p:spPr>
           <a:xfrm>
-            <a:off x="4308750" y="2695074"/>
+            <a:off x="4308750" y="3429000"/>
             <a:ext cx="4246844" cy="461665"/>
           </a:xfrm>
           <a:prstGeom prst="rect">
@@ -5007,11 +5604,47 @@
               <a:rPr lang="pt-BR" sz="2400" dirty="0">
                 <a:latin typeface="Trajan Pro" panose="02020502050506020301" pitchFamily="18" charset="0"/>
               </a:rPr>
-              <a:t>M o d e l o   l ó g i c o</a:t>
+              <a:t>M o d e l o </a:t>
             </a:r>
           </a:p>
         </p:txBody>
       </p:sp>
+      <p:pic>
+        <p:nvPicPr>
+          <p:cNvPr id="4" name="Imagem 3" descr="Uma imagem contendo pessoa, homem, parede&#10;&#10;Descrição gerada automaticamente">
+            <a:extLst>
+              <a:ext uri="{FF2B5EF4-FFF2-40B4-BE49-F238E27FC236}">
+                <a16:creationId xmlns:a16="http://schemas.microsoft.com/office/drawing/2014/main" id="{53D71814-0F8D-4011-8E3C-F376F6311A05}"/>
+              </a:ext>
+            </a:extLst>
+          </p:cNvPr>
+          <p:cNvPicPr>
+            <a:picLocks noChangeAspect="1"/>
+          </p:cNvPicPr>
+          <p:nvPr/>
+        </p:nvPicPr>
+        <p:blipFill>
+          <a:blip r:embed="rId6">
+            <a:extLst>
+              <a:ext uri="{28A0092B-C50C-407E-A947-70E740481C1C}">
+                <a14:useLocalDpi xmlns:a14="http://schemas.microsoft.com/office/drawing/2010/main" val="0"/>
+              </a:ext>
+            </a:extLst>
+          </a:blip>
+          <a:stretch>
+            <a:fillRect/>
+          </a:stretch>
+        </p:blipFill>
+        <p:spPr>
+          <a:xfrm>
+            <a:off x="6432172" y="6862774"/>
+            <a:ext cx="1806844" cy="2469491"/>
+          </a:xfrm>
+          <a:prstGeom prst="rect">
+            <a:avLst/>
+          </a:prstGeom>
+        </p:spPr>
+      </p:pic>
     </p:spTree>
     <p:extLst>
       <p:ext uri="{BB962C8B-B14F-4D97-AF65-F5344CB8AC3E}">
@@ -5092,7 +5725,7 @@
                                     </p:set>
                                     <p:animEffect transition="in" filter="circle(in)">
                                       <p:cBhvr>
-                                        <p:cTn id="9" dur="3250"/>
+                                        <p:cTn id="9" dur="2000"/>
                                         <p:tgtEl>
                                           <p:spTgt spid="11"/>
                                         </p:tgtEl>
@@ -5127,12 +5760,34 @@
                                     </p:set>
                                     <p:animEffect transition="in" filter="circle(in)">
                                       <p:cBhvr>
-                                        <p:cTn id="12" dur="3250"/>
+                                        <p:cTn id="12" dur="2000"/>
                                         <p:tgtEl>
                                           <p:spTgt spid="10"/>
                                         </p:tgtEl>
                                       </p:cBhvr>
                                     </p:animEffect>
+                                  </p:childTnLst>
+                                </p:cTn>
+                              </p:par>
+                              <p:par>
+                                <p:cTn id="13" presetID="42" presetClass="path" presetSubtype="0" accel="50000" decel="50000" fill="hold" nodeType="withEffect">
+                                  <p:stCondLst>
+                                    <p:cond delay="0"/>
+                                  </p:stCondLst>
+                                  <p:childTnLst>
+                                    <p:animMotion origin="layout" path="M -2.70833E-6 2.96296E-6 L 0.00417 -0.59422 " pathEditMode="relative" rAng="0" ptsTypes="AA">
+                                      <p:cBhvr>
+                                        <p:cTn id="14" dur="2000" fill="hold"/>
+                                        <p:tgtEl>
+                                          <p:spTgt spid="4"/>
+                                        </p:tgtEl>
+                                        <p:attrNameLst>
+                                          <p:attrName>ppt_x</p:attrName>
+                                          <p:attrName>ppt_y</p:attrName>
+                                        </p:attrNameLst>
+                                      </p:cBhvr>
+                                      <p:rCtr x="208" y="-29722"/>
+                                    </p:animMotion>
                                   </p:childTnLst>
                                 </p:cTn>
                               </p:par>
@@ -5292,10 +5947,10 @@
       </p:pic>
       <p:pic>
         <p:nvPicPr>
-          <p:cNvPr id="3" name="Imagem 2">
-            <a:extLst>
-              <a:ext uri="{FF2B5EF4-FFF2-40B4-BE49-F238E27FC236}">
-                <a16:creationId xmlns:a16="http://schemas.microsoft.com/office/drawing/2014/main" id="{22B620EA-0D85-4299-A6A9-4F31C9853DFF}"/>
+          <p:cNvPr id="4" name="Imagem 3">
+            <a:extLst>
+              <a:ext uri="{FF2B5EF4-FFF2-40B4-BE49-F238E27FC236}">
+                <a16:creationId xmlns:a16="http://schemas.microsoft.com/office/drawing/2014/main" id="{06E4B9BC-47D5-400D-A045-B4ED4033F301}"/>
               </a:ext>
             </a:extLst>
           </p:cNvPr>
@@ -5312,8 +5967,8 @@
         </p:blipFill>
         <p:spPr>
           <a:xfrm>
-            <a:off x="6444916" y="410327"/>
-            <a:ext cx="5334000" cy="5267325"/>
+            <a:off x="6139543" y="121594"/>
+            <a:ext cx="5263437" cy="5718430"/>
           </a:xfrm>
           <a:prstGeom prst="rect">
             <a:avLst/>
@@ -5397,6 +6052,41 @@
                                   </p:childTnLst>
                                 </p:cTn>
                               </p:par>
+                              <p:par>
+                                <p:cTn id="9" presetID="22" presetClass="entr" presetSubtype="4" fill="hold" nodeType="withEffect">
+                                  <p:stCondLst>
+                                    <p:cond delay="250"/>
+                                  </p:stCondLst>
+                                  <p:childTnLst>
+                                    <p:set>
+                                      <p:cBhvr>
+                                        <p:cTn id="10" dur="1" fill="hold">
+                                          <p:stCondLst>
+                                            <p:cond delay="0"/>
+                                          </p:stCondLst>
+                                        </p:cTn>
+                                        <p:tgtEl>
+                                          <p:spTgt spid="4"/>
+                                        </p:tgtEl>
+                                        <p:attrNameLst>
+                                          <p:attrName>style.visibility</p:attrName>
+                                        </p:attrNameLst>
+                                      </p:cBhvr>
+                                      <p:to>
+                                        <p:strVal val="visible"/>
+                                      </p:to>
+                                    </p:set>
+                                    <p:animEffect transition="in" filter="wipe(down)">
+                                      <p:cBhvr>
+                                        <p:cTn id="11" dur="2250"/>
+                                        <p:tgtEl>
+                                          <p:spTgt spid="4"/>
+                                        </p:tgtEl>
+                                      </p:cBhvr>
+                                    </p:animEffect>
+                                  </p:childTnLst>
+                                </p:cTn>
+                              </p:par>
                             </p:childTnLst>
                           </p:cTn>
                         </p:par>
@@ -5460,7 +6150,7 @@
           <p:nvPr/>
         </p:nvPicPr>
         <p:blipFill>
-          <a:blip r:embed="rId2">
+          <a:blip r:embed="rId3">
             <a:extLst>
               <a:ext uri="{28A0092B-C50C-407E-A947-70E740481C1C}">
                 <a14:useLocalDpi xmlns:a14="http://schemas.microsoft.com/office/drawing/2010/main" val="0"/>
@@ -5475,174 +6165,6 @@
           <a:xfrm>
             <a:off x="10641" y="502736"/>
             <a:ext cx="12192000" cy="6586673"/>
-          </a:xfrm>
-          <a:prstGeom prst="rect">
-            <a:avLst/>
-          </a:prstGeom>
-        </p:spPr>
-      </p:pic>
-      <p:pic>
-        <p:nvPicPr>
-          <p:cNvPr id="11" name="Imagem 10">
-            <a:extLst>
-              <a:ext uri="{FF2B5EF4-FFF2-40B4-BE49-F238E27FC236}">
-                <a16:creationId xmlns:a16="http://schemas.microsoft.com/office/drawing/2014/main" id="{9F6CC136-CC86-4ACE-8E5B-B04F70A6B9A3}"/>
-              </a:ext>
-            </a:extLst>
-          </p:cNvPr>
-          <p:cNvPicPr>
-            <a:picLocks noChangeAspect="1"/>
-          </p:cNvPicPr>
-          <p:nvPr/>
-        </p:nvPicPr>
-        <p:blipFill>
-          <a:blip r:embed="rId3"/>
-          <a:stretch>
-            <a:fillRect/>
-          </a:stretch>
-        </p:blipFill>
-        <p:spPr>
-          <a:xfrm>
-            <a:off x="10641" y="100965"/>
-            <a:ext cx="5534025" cy="6391275"/>
-          </a:xfrm>
-          <a:prstGeom prst="rect">
-            <a:avLst/>
-          </a:prstGeom>
-        </p:spPr>
-      </p:pic>
-      <p:pic>
-        <p:nvPicPr>
-          <p:cNvPr id="6" name="Imagem 5">
-            <a:extLst>
-              <a:ext uri="{FF2B5EF4-FFF2-40B4-BE49-F238E27FC236}">
-                <a16:creationId xmlns:a16="http://schemas.microsoft.com/office/drawing/2014/main" id="{84E54650-87BC-4036-AF73-70587A868F7D}"/>
-              </a:ext>
-            </a:extLst>
-          </p:cNvPr>
-          <p:cNvPicPr>
-            <a:picLocks noChangeAspect="1"/>
-          </p:cNvPicPr>
-          <p:nvPr/>
-        </p:nvPicPr>
-        <p:blipFill>
-          <a:blip r:embed="rId4"/>
-          <a:stretch>
-            <a:fillRect/>
-          </a:stretch>
-        </p:blipFill>
-        <p:spPr>
-          <a:xfrm>
-            <a:off x="5343766" y="116205"/>
-            <a:ext cx="5711235" cy="6376035"/>
-          </a:xfrm>
-          <a:prstGeom prst="rect">
-            <a:avLst/>
-          </a:prstGeom>
-        </p:spPr>
-      </p:pic>
-      <p:pic>
-        <p:nvPicPr>
-          <p:cNvPr id="14" name="Imagem 13">
-            <a:extLst>
-              <a:ext uri="{FF2B5EF4-FFF2-40B4-BE49-F238E27FC236}">
-                <a16:creationId xmlns:a16="http://schemas.microsoft.com/office/drawing/2014/main" id="{D0CFB81F-9B5B-40CD-B477-1E68E7D16507}"/>
-              </a:ext>
-            </a:extLst>
-          </p:cNvPr>
-          <p:cNvPicPr>
-            <a:picLocks noChangeAspect="1"/>
-          </p:cNvPicPr>
-          <p:nvPr/>
-        </p:nvPicPr>
-        <p:blipFill>
-          <a:blip r:embed="rId5">
-            <a:extLst>
-              <a:ext uri="{28A0092B-C50C-407E-A947-70E740481C1C}">
-                <a14:useLocalDpi xmlns:a14="http://schemas.microsoft.com/office/drawing/2010/main" val="0"/>
-              </a:ext>
-            </a:extLst>
-          </a:blip>
-          <a:stretch>
-            <a:fillRect/>
-          </a:stretch>
-        </p:blipFill>
-        <p:spPr>
-          <a:xfrm>
-            <a:off x="12201591" y="1884046"/>
-            <a:ext cx="2048587" cy="2048587"/>
-          </a:xfrm>
-          <a:prstGeom prst="rect">
-            <a:avLst/>
-          </a:prstGeom>
-        </p:spPr>
-      </p:pic>
-      <p:pic>
-        <p:nvPicPr>
-          <p:cNvPr id="15" name="Imagem 14">
-            <a:extLst>
-              <a:ext uri="{FF2B5EF4-FFF2-40B4-BE49-F238E27FC236}">
-                <a16:creationId xmlns:a16="http://schemas.microsoft.com/office/drawing/2014/main" id="{77C48BD6-E789-4BE7-A352-10D6A4C5AB37}"/>
-              </a:ext>
-            </a:extLst>
-          </p:cNvPr>
-          <p:cNvPicPr>
-            <a:picLocks noChangeAspect="1"/>
-          </p:cNvPicPr>
-          <p:nvPr/>
-        </p:nvPicPr>
-        <p:blipFill>
-          <a:blip r:embed="rId5">
-            <a:extLst>
-              <a:ext uri="{28A0092B-C50C-407E-A947-70E740481C1C}">
-                <a14:useLocalDpi xmlns:a14="http://schemas.microsoft.com/office/drawing/2010/main" val="0"/>
-              </a:ext>
-            </a:extLst>
-          </a:blip>
-          <a:stretch>
-            <a:fillRect/>
-          </a:stretch>
-        </p:blipFill>
-        <p:spPr>
-          <a:xfrm rot="1628272">
-            <a:off x="12163833" y="3563665"/>
-            <a:ext cx="1096924" cy="1096924"/>
-          </a:xfrm>
-          <a:prstGeom prst="rect">
-            <a:avLst/>
-          </a:prstGeom>
-        </p:spPr>
-      </p:pic>
-      <p:pic>
-        <p:nvPicPr>
-          <p:cNvPr id="16" name="Imagem 15">
-            <a:extLst>
-              <a:ext uri="{FF2B5EF4-FFF2-40B4-BE49-F238E27FC236}">
-                <a16:creationId xmlns:a16="http://schemas.microsoft.com/office/drawing/2014/main" id="{FA3F6185-FD44-43D0-B39D-397FAADAD139}"/>
-              </a:ext>
-            </a:extLst>
-          </p:cNvPr>
-          <p:cNvPicPr>
-            <a:picLocks noChangeAspect="1"/>
-          </p:cNvPicPr>
-          <p:nvPr/>
-        </p:nvPicPr>
-        <p:blipFill>
-          <a:blip r:embed="rId5">
-            <a:extLst>
-              <a:ext uri="{28A0092B-C50C-407E-A947-70E740481C1C}">
-                <a14:useLocalDpi xmlns:a14="http://schemas.microsoft.com/office/drawing/2010/main" val="0"/>
-              </a:ext>
-            </a:extLst>
-          </a:blip>
-          <a:stretch>
-            <a:fillRect/>
-          </a:stretch>
-        </p:blipFill>
-        <p:spPr>
-          <a:xfrm rot="1128141">
-            <a:off x="12535838" y="3217608"/>
-            <a:ext cx="788490" cy="788490"/>
           </a:xfrm>
           <a:prstGeom prst="rect">
             <a:avLst/>
@@ -5687,6 +6209,174 @@
           </a:fontRef>
         </p:style>
       </p:cxnSp>
+      <p:pic>
+        <p:nvPicPr>
+          <p:cNvPr id="3" name="Imagem 2">
+            <a:extLst>
+              <a:ext uri="{FF2B5EF4-FFF2-40B4-BE49-F238E27FC236}">
+                <a16:creationId xmlns:a16="http://schemas.microsoft.com/office/drawing/2014/main" id="{182919B2-D2CB-4D93-A4BF-1C765D2B3E5B}"/>
+              </a:ext>
+            </a:extLst>
+          </p:cNvPr>
+          <p:cNvPicPr>
+            <a:picLocks noChangeAspect="1"/>
+          </p:cNvPicPr>
+          <p:nvPr/>
+        </p:nvPicPr>
+        <p:blipFill>
+          <a:blip r:embed="rId4"/>
+          <a:stretch>
+            <a:fillRect/>
+          </a:stretch>
+        </p:blipFill>
+        <p:spPr>
+          <a:xfrm>
+            <a:off x="5378289" y="0"/>
+            <a:ext cx="5501201" cy="6436710"/>
+          </a:xfrm>
+          <a:prstGeom prst="rect">
+            <a:avLst/>
+          </a:prstGeom>
+        </p:spPr>
+      </p:pic>
+      <p:pic>
+        <p:nvPicPr>
+          <p:cNvPr id="14" name="Imagem 13">
+            <a:extLst>
+              <a:ext uri="{FF2B5EF4-FFF2-40B4-BE49-F238E27FC236}">
+                <a16:creationId xmlns:a16="http://schemas.microsoft.com/office/drawing/2014/main" id="{D0CFB81F-9B5B-40CD-B477-1E68E7D16507}"/>
+              </a:ext>
+            </a:extLst>
+          </p:cNvPr>
+          <p:cNvPicPr>
+            <a:picLocks noChangeAspect="1"/>
+          </p:cNvPicPr>
+          <p:nvPr/>
+        </p:nvPicPr>
+        <p:blipFill>
+          <a:blip r:embed="rId5">
+            <a:extLst>
+              <a:ext uri="{28A0092B-C50C-407E-A947-70E740481C1C}">
+                <a14:useLocalDpi xmlns:a14="http://schemas.microsoft.com/office/drawing/2010/main" val="0"/>
+              </a:ext>
+            </a:extLst>
+          </a:blip>
+          <a:stretch>
+            <a:fillRect/>
+          </a:stretch>
+        </p:blipFill>
+        <p:spPr>
+          <a:xfrm>
+            <a:off x="12201591" y="1884046"/>
+            <a:ext cx="2048587" cy="2048587"/>
+          </a:xfrm>
+          <a:prstGeom prst="rect">
+            <a:avLst/>
+          </a:prstGeom>
+        </p:spPr>
+      </p:pic>
+      <p:pic>
+        <p:nvPicPr>
+          <p:cNvPr id="15" name="Imagem 14">
+            <a:extLst>
+              <a:ext uri="{FF2B5EF4-FFF2-40B4-BE49-F238E27FC236}">
+                <a16:creationId xmlns:a16="http://schemas.microsoft.com/office/drawing/2014/main" id="{77C48BD6-E789-4BE7-A352-10D6A4C5AB37}"/>
+              </a:ext>
+            </a:extLst>
+          </p:cNvPr>
+          <p:cNvPicPr>
+            <a:picLocks noChangeAspect="1"/>
+          </p:cNvPicPr>
+          <p:nvPr/>
+        </p:nvPicPr>
+        <p:blipFill>
+          <a:blip r:embed="rId5">
+            <a:extLst>
+              <a:ext uri="{28A0092B-C50C-407E-A947-70E740481C1C}">
+                <a14:useLocalDpi xmlns:a14="http://schemas.microsoft.com/office/drawing/2010/main" val="0"/>
+              </a:ext>
+            </a:extLst>
+          </a:blip>
+          <a:stretch>
+            <a:fillRect/>
+          </a:stretch>
+        </p:blipFill>
+        <p:spPr>
+          <a:xfrm rot="1628272">
+            <a:off x="12163833" y="3563665"/>
+            <a:ext cx="1096924" cy="1096924"/>
+          </a:xfrm>
+          <a:prstGeom prst="rect">
+            <a:avLst/>
+          </a:prstGeom>
+        </p:spPr>
+      </p:pic>
+      <p:pic>
+        <p:nvPicPr>
+          <p:cNvPr id="16" name="Imagem 15">
+            <a:extLst>
+              <a:ext uri="{FF2B5EF4-FFF2-40B4-BE49-F238E27FC236}">
+                <a16:creationId xmlns:a16="http://schemas.microsoft.com/office/drawing/2014/main" id="{FA3F6185-FD44-43D0-B39D-397FAADAD139}"/>
+              </a:ext>
+            </a:extLst>
+          </p:cNvPr>
+          <p:cNvPicPr>
+            <a:picLocks noChangeAspect="1"/>
+          </p:cNvPicPr>
+          <p:nvPr/>
+        </p:nvPicPr>
+        <p:blipFill>
+          <a:blip r:embed="rId5">
+            <a:extLst>
+              <a:ext uri="{28A0092B-C50C-407E-A947-70E740481C1C}">
+                <a14:useLocalDpi xmlns:a14="http://schemas.microsoft.com/office/drawing/2010/main" val="0"/>
+              </a:ext>
+            </a:extLst>
+          </a:blip>
+          <a:stretch>
+            <a:fillRect/>
+          </a:stretch>
+        </p:blipFill>
+        <p:spPr>
+          <a:xfrm rot="1128141">
+            <a:off x="12535838" y="3217608"/>
+            <a:ext cx="788490" cy="788490"/>
+          </a:xfrm>
+          <a:prstGeom prst="rect">
+            <a:avLst/>
+          </a:prstGeom>
+        </p:spPr>
+      </p:pic>
+      <p:pic>
+        <p:nvPicPr>
+          <p:cNvPr id="4" name="Imagem 3">
+            <a:extLst>
+              <a:ext uri="{FF2B5EF4-FFF2-40B4-BE49-F238E27FC236}">
+                <a16:creationId xmlns:a16="http://schemas.microsoft.com/office/drawing/2014/main" id="{B8FC5D48-86E7-4859-A1E9-00BAA8E62177}"/>
+              </a:ext>
+            </a:extLst>
+          </p:cNvPr>
+          <p:cNvPicPr>
+            <a:picLocks noChangeAspect="1"/>
+          </p:cNvPicPr>
+          <p:nvPr/>
+        </p:nvPicPr>
+        <p:blipFill>
+          <a:blip r:embed="rId6"/>
+          <a:stretch>
+            <a:fillRect/>
+          </a:stretch>
+        </p:blipFill>
+        <p:spPr>
+          <a:xfrm>
+            <a:off x="47151" y="47427"/>
+            <a:ext cx="5083769" cy="6410325"/>
+          </a:xfrm>
+          <a:prstGeom prst="rect">
+            <a:avLst/>
+          </a:prstGeom>
+        </p:spPr>
+      </p:pic>
     </p:spTree>
     <p:extLst>
       <p:ext uri="{BB962C8B-B14F-4D97-AF65-F5344CB8AC3E}">
@@ -5840,6 +6530,76 @@
                                   </p:childTnLst>
                                 </p:cTn>
                               </p:par>
+                              <p:par>
+                                <p:cTn id="17" presetID="22" presetClass="entr" presetSubtype="4" fill="hold" nodeType="withEffect">
+                                  <p:stCondLst>
+                                    <p:cond delay="500"/>
+                                  </p:stCondLst>
+                                  <p:childTnLst>
+                                    <p:set>
+                                      <p:cBhvr>
+                                        <p:cTn id="18" dur="1" fill="hold">
+                                          <p:stCondLst>
+                                            <p:cond delay="0"/>
+                                          </p:stCondLst>
+                                        </p:cTn>
+                                        <p:tgtEl>
+                                          <p:spTgt spid="4"/>
+                                        </p:tgtEl>
+                                        <p:attrNameLst>
+                                          <p:attrName>style.visibility</p:attrName>
+                                        </p:attrNameLst>
+                                      </p:cBhvr>
+                                      <p:to>
+                                        <p:strVal val="visible"/>
+                                      </p:to>
+                                    </p:set>
+                                    <p:animEffect transition="in" filter="wipe(down)">
+                                      <p:cBhvr>
+                                        <p:cTn id="19" dur="2250"/>
+                                        <p:tgtEl>
+                                          <p:spTgt spid="4"/>
+                                        </p:tgtEl>
+                                      </p:cBhvr>
+                                    </p:animEffect>
+                                  </p:childTnLst>
+                                </p:cTn>
+                              </p:par>
+                              <p:par>
+                                <p:cTn id="20" presetID="22" presetClass="entr" presetSubtype="4" fill="hold" nodeType="withEffect">
+                                  <p:stCondLst>
+                                    <p:cond delay="500"/>
+                                  </p:stCondLst>
+                                  <p:childTnLst>
+                                    <p:set>
+                                      <p:cBhvr>
+                                        <p:cTn id="21" dur="1" fill="hold">
+                                          <p:stCondLst>
+                                            <p:cond delay="0"/>
+                                          </p:stCondLst>
+                                        </p:cTn>
+                                        <p:tgtEl>
+                                          <p:spTgt spid="3"/>
+                                        </p:tgtEl>
+                                        <p:attrNameLst>
+                                          <p:attrName>style.visibility</p:attrName>
+                                        </p:attrNameLst>
+                                      </p:cBhvr>
+                                      <p:to>
+                                        <p:strVal val="visible"/>
+                                      </p:to>
+                                    </p:set>
+                                    <p:animEffect transition="in" filter="wipe(down)">
+                                      <p:cBhvr>
+                                        <p:cTn id="22" dur="2250"/>
+                                        <p:tgtEl>
+                                          <p:spTgt spid="3"/>
+                                        </p:tgtEl>
+                                      </p:cBhvr>
+                                    </p:animEffect>
+                                  </p:childTnLst>
+                                </p:cTn>
+                              </p:par>
                             </p:childTnLst>
                           </p:cTn>
                         </p:par>
@@ -5903,7 +6663,7 @@
           <p:nvPr/>
         </p:nvPicPr>
         <p:blipFill>
-          <a:blip r:embed="rId2">
+          <a:blip r:embed="rId3">
             <a:extLst>
               <a:ext uri="{28A0092B-C50C-407E-A947-70E740481C1C}">
                 <a14:useLocalDpi xmlns:a14="http://schemas.microsoft.com/office/drawing/2010/main" val="0"/>
@@ -5926,40 +6686,10 @@
       </p:pic>
       <p:pic>
         <p:nvPicPr>
-          <p:cNvPr id="4" name="Imagem 3">
-            <a:extLst>
-              <a:ext uri="{FF2B5EF4-FFF2-40B4-BE49-F238E27FC236}">
-                <a16:creationId xmlns:a16="http://schemas.microsoft.com/office/drawing/2014/main" id="{E1FE44BA-6AB3-43ED-8D14-DC65DD88345E}"/>
-              </a:ext>
-            </a:extLst>
-          </p:cNvPr>
-          <p:cNvPicPr>
-            <a:picLocks noChangeAspect="1"/>
-          </p:cNvPicPr>
-          <p:nvPr/>
-        </p:nvPicPr>
-        <p:blipFill>
-          <a:blip r:embed="rId3"/>
-          <a:stretch>
-            <a:fillRect/>
-          </a:stretch>
-        </p:blipFill>
-        <p:spPr>
-          <a:xfrm>
-            <a:off x="5594929" y="223520"/>
-            <a:ext cx="5372100" cy="5705475"/>
-          </a:xfrm>
-          <a:prstGeom prst="rect">
-            <a:avLst/>
-          </a:prstGeom>
-        </p:spPr>
-      </p:pic>
-      <p:pic>
-        <p:nvPicPr>
-          <p:cNvPr id="6" name="Imagem 5">
-            <a:extLst>
-              <a:ext uri="{FF2B5EF4-FFF2-40B4-BE49-F238E27FC236}">
-                <a16:creationId xmlns:a16="http://schemas.microsoft.com/office/drawing/2014/main" id="{77523A56-E363-4347-A15C-44C023178E66}"/>
+          <p:cNvPr id="7" name="Imagem 6">
+            <a:extLst>
+              <a:ext uri="{FF2B5EF4-FFF2-40B4-BE49-F238E27FC236}">
+                <a16:creationId xmlns:a16="http://schemas.microsoft.com/office/drawing/2014/main" id="{B98E8E4E-8541-469A-A986-0A809E528FE4}"/>
               </a:ext>
             </a:extLst>
           </p:cNvPr>
@@ -5976,37 +6706,7 @@
         </p:blipFill>
         <p:spPr>
           <a:xfrm>
-            <a:off x="-10160" y="210502"/>
-            <a:ext cx="5381625" cy="5705475"/>
-          </a:xfrm>
-          <a:prstGeom prst="rect">
-            <a:avLst/>
-          </a:prstGeom>
-        </p:spPr>
-      </p:pic>
-      <p:pic>
-        <p:nvPicPr>
-          <p:cNvPr id="7" name="Imagem 6">
-            <a:extLst>
-              <a:ext uri="{FF2B5EF4-FFF2-40B4-BE49-F238E27FC236}">
-                <a16:creationId xmlns:a16="http://schemas.microsoft.com/office/drawing/2014/main" id="{B98E8E4E-8541-469A-A986-0A809E528FE4}"/>
-              </a:ext>
-            </a:extLst>
-          </p:cNvPr>
-          <p:cNvPicPr>
-            <a:picLocks noChangeAspect="1"/>
-          </p:cNvPicPr>
-          <p:nvPr/>
-        </p:nvPicPr>
-        <p:blipFill>
-          <a:blip r:embed="rId5"/>
-          <a:stretch>
-            <a:fillRect/>
-          </a:stretch>
-        </p:blipFill>
-        <p:spPr>
-          <a:xfrm>
-            <a:off x="10706100" y="4131761"/>
+            <a:off x="12321540" y="4131761"/>
             <a:ext cx="1485900" cy="2076450"/>
           </a:xfrm>
           <a:prstGeom prst="rect">
@@ -6052,6 +6752,66 @@
           </a:fontRef>
         </p:style>
       </p:cxnSp>
+      <p:pic>
+        <p:nvPicPr>
+          <p:cNvPr id="2" name="Imagem 1">
+            <a:extLst>
+              <a:ext uri="{FF2B5EF4-FFF2-40B4-BE49-F238E27FC236}">
+                <a16:creationId xmlns:a16="http://schemas.microsoft.com/office/drawing/2014/main" id="{BF698DC1-77DA-480F-965E-4A7A5FD30BD7}"/>
+              </a:ext>
+            </a:extLst>
+          </p:cNvPr>
+          <p:cNvPicPr>
+            <a:picLocks noChangeAspect="1"/>
+          </p:cNvPicPr>
+          <p:nvPr/>
+        </p:nvPicPr>
+        <p:blipFill>
+          <a:blip r:embed="rId5"/>
+          <a:stretch>
+            <a:fillRect/>
+          </a:stretch>
+        </p:blipFill>
+        <p:spPr>
+          <a:xfrm>
+            <a:off x="91440" y="175894"/>
+            <a:ext cx="5170958" cy="5800725"/>
+          </a:xfrm>
+          <a:prstGeom prst="rect">
+            <a:avLst/>
+          </a:prstGeom>
+        </p:spPr>
+      </p:pic>
+      <p:pic>
+        <p:nvPicPr>
+          <p:cNvPr id="3" name="Imagem 2">
+            <a:extLst>
+              <a:ext uri="{FF2B5EF4-FFF2-40B4-BE49-F238E27FC236}">
+                <a16:creationId xmlns:a16="http://schemas.microsoft.com/office/drawing/2014/main" id="{1737C7C6-D75F-4BB1-985E-F2C473550A05}"/>
+              </a:ext>
+            </a:extLst>
+          </p:cNvPr>
+          <p:cNvPicPr>
+            <a:picLocks noChangeAspect="1"/>
+          </p:cNvPicPr>
+          <p:nvPr/>
+        </p:nvPicPr>
+        <p:blipFill>
+          <a:blip r:embed="rId6"/>
+          <a:stretch>
+            <a:fillRect/>
+          </a:stretch>
+        </p:blipFill>
+        <p:spPr>
+          <a:xfrm>
+            <a:off x="5440515" y="293186"/>
+            <a:ext cx="5265584" cy="5915025"/>
+          </a:xfrm>
+          <a:prstGeom prst="rect">
+            <a:avLst/>
+          </a:prstGeom>
+        </p:spPr>
+      </p:pic>
     </p:spTree>
     <p:extLst>
       <p:ext uri="{BB962C8B-B14F-4D97-AF65-F5344CB8AC3E}">
@@ -6062,10 +6822,416 @@
   <p:clrMapOvr>
     <a:masterClrMapping/>
   </p:clrMapOvr>
+  <p:timing>
+    <p:tnLst>
+      <p:par>
+        <p:cTn id="1" dur="indefinite" restart="never" nodeType="tmRoot">
+          <p:childTnLst>
+            <p:seq concurrent="1" nextAc="seek">
+              <p:cTn id="2" dur="indefinite" nodeType="mainSeq">
+                <p:childTnLst>
+                  <p:par>
+                    <p:cTn id="3" fill="hold">
+                      <p:stCondLst>
+                        <p:cond delay="indefinite"/>
+                        <p:cond evt="onBegin" delay="0">
+                          <p:tn val="2"/>
+                        </p:cond>
+                      </p:stCondLst>
+                      <p:childTnLst>
+                        <p:par>
+                          <p:cTn id="4" fill="hold">
+                            <p:stCondLst>
+                              <p:cond delay="0"/>
+                            </p:stCondLst>
+                            <p:childTnLst>
+                              <p:par>
+                                <p:cTn id="5" presetID="42" presetClass="path" presetSubtype="0" accel="50000" decel="50000" fill="hold" nodeType="withEffect">
+                                  <p:stCondLst>
+                                    <p:cond delay="0"/>
+                                  </p:stCondLst>
+                                  <p:childTnLst>
+                                    <p:animMotion origin="layout" path="M -4.58333E-6 4.81481E-6 L -0.13489 0.00902 " pathEditMode="relative" rAng="0" ptsTypes="AA">
+                                      <p:cBhvr>
+                                        <p:cTn id="6" dur="2000" fill="hold"/>
+                                        <p:tgtEl>
+                                          <p:spTgt spid="7"/>
+                                        </p:tgtEl>
+                                        <p:attrNameLst>
+                                          <p:attrName>ppt_x</p:attrName>
+                                          <p:attrName>ppt_y</p:attrName>
+                                        </p:attrNameLst>
+                                      </p:cBhvr>
+                                      <p:rCtr x="-6745" y="440"/>
+                                    </p:animMotion>
+                                  </p:childTnLst>
+                                </p:cTn>
+                              </p:par>
+                              <p:par>
+                                <p:cTn id="7" presetID="22" presetClass="entr" presetSubtype="4" fill="hold" nodeType="withEffect">
+                                  <p:stCondLst>
+                                    <p:cond delay="0"/>
+                                  </p:stCondLst>
+                                  <p:childTnLst>
+                                    <p:set>
+                                      <p:cBhvr>
+                                        <p:cTn id="8" dur="1" fill="hold">
+                                          <p:stCondLst>
+                                            <p:cond delay="0"/>
+                                          </p:stCondLst>
+                                        </p:cTn>
+                                        <p:tgtEl>
+                                          <p:spTgt spid="3"/>
+                                        </p:tgtEl>
+                                        <p:attrNameLst>
+                                          <p:attrName>style.visibility</p:attrName>
+                                        </p:attrNameLst>
+                                      </p:cBhvr>
+                                      <p:to>
+                                        <p:strVal val="visible"/>
+                                      </p:to>
+                                    </p:set>
+                                    <p:animEffect transition="in" filter="wipe(down)">
+                                      <p:cBhvr>
+                                        <p:cTn id="9" dur="2250"/>
+                                        <p:tgtEl>
+                                          <p:spTgt spid="3"/>
+                                        </p:tgtEl>
+                                      </p:cBhvr>
+                                    </p:animEffect>
+                                  </p:childTnLst>
+                                </p:cTn>
+                              </p:par>
+                              <p:par>
+                                <p:cTn id="10" presetID="22" presetClass="entr" presetSubtype="4" fill="hold" nodeType="withEffect">
+                                  <p:stCondLst>
+                                    <p:cond delay="0"/>
+                                  </p:stCondLst>
+                                  <p:childTnLst>
+                                    <p:set>
+                                      <p:cBhvr>
+                                        <p:cTn id="11" dur="1" fill="hold">
+                                          <p:stCondLst>
+                                            <p:cond delay="0"/>
+                                          </p:stCondLst>
+                                        </p:cTn>
+                                        <p:tgtEl>
+                                          <p:spTgt spid="2"/>
+                                        </p:tgtEl>
+                                        <p:attrNameLst>
+                                          <p:attrName>style.visibility</p:attrName>
+                                        </p:attrNameLst>
+                                      </p:cBhvr>
+                                      <p:to>
+                                        <p:strVal val="visible"/>
+                                      </p:to>
+                                    </p:set>
+                                    <p:animEffect transition="in" filter="wipe(down)">
+                                      <p:cBhvr>
+                                        <p:cTn id="12" dur="2250"/>
+                                        <p:tgtEl>
+                                          <p:spTgt spid="2"/>
+                                        </p:tgtEl>
+                                      </p:cBhvr>
+                                    </p:animEffect>
+                                  </p:childTnLst>
+                                </p:cTn>
+                              </p:par>
+                            </p:childTnLst>
+                          </p:cTn>
+                        </p:par>
+                      </p:childTnLst>
+                    </p:cTn>
+                  </p:par>
+                </p:childTnLst>
+              </p:cTn>
+              <p:prevCondLst>
+                <p:cond evt="onPrev" delay="0">
+                  <p:tgtEl>
+                    <p:sldTgt/>
+                  </p:tgtEl>
+                </p:cond>
+              </p:prevCondLst>
+              <p:nextCondLst>
+                <p:cond evt="onNext" delay="0">
+                  <p:tgtEl>
+                    <p:sldTgt/>
+                  </p:tgtEl>
+                </p:cond>
+              </p:nextCondLst>
+            </p:seq>
+          </p:childTnLst>
+        </p:cTn>
+      </p:par>
+    </p:tnLst>
+  </p:timing>
 </p:sld>
 </file>
 
 <file path=ppt/slides/slide16.xml><?xml version="1.0" encoding="utf-8"?>
+<p:sld xmlns:a="http://schemas.openxmlformats.org/drawingml/2006/main" xmlns:r="http://schemas.openxmlformats.org/officeDocument/2006/relationships" xmlns:p="http://schemas.openxmlformats.org/presentationml/2006/main">
+  <p:cSld>
+    <p:spTree>
+      <p:nvGrpSpPr>
+        <p:cNvPr id="1" name=""/>
+        <p:cNvGrpSpPr/>
+        <p:nvPr/>
+      </p:nvGrpSpPr>
+      <p:grpSpPr>
+        <a:xfrm>
+          <a:off x="0" y="0"/>
+          <a:ext cx="0" cy="0"/>
+          <a:chOff x="0" y="0"/>
+          <a:chExt cx="0" cy="0"/>
+        </a:xfrm>
+      </p:grpSpPr>
+      <p:pic>
+        <p:nvPicPr>
+          <p:cNvPr id="5" name="Imagem 4">
+            <a:extLst>
+              <a:ext uri="{FF2B5EF4-FFF2-40B4-BE49-F238E27FC236}">
+                <a16:creationId xmlns:a16="http://schemas.microsoft.com/office/drawing/2014/main" id="{99F47107-7814-4F1C-8628-A52B3B6FE738}"/>
+              </a:ext>
+            </a:extLst>
+          </p:cNvPr>
+          <p:cNvPicPr>
+            <a:picLocks noChangeAspect="1"/>
+          </p:cNvPicPr>
+          <p:nvPr/>
+        </p:nvPicPr>
+        <p:blipFill>
+          <a:blip r:embed="rId3"/>
+          <a:stretch>
+            <a:fillRect/>
+          </a:stretch>
+        </p:blipFill>
+        <p:spPr>
+          <a:xfrm>
+            <a:off x="91804" y="339396"/>
+            <a:ext cx="5420433" cy="4490359"/>
+          </a:xfrm>
+          <a:prstGeom prst="rect">
+            <a:avLst/>
+          </a:prstGeom>
+        </p:spPr>
+      </p:pic>
+      <p:pic>
+        <p:nvPicPr>
+          <p:cNvPr id="6" name="Imagem 5">
+            <a:extLst>
+              <a:ext uri="{FF2B5EF4-FFF2-40B4-BE49-F238E27FC236}">
+                <a16:creationId xmlns:a16="http://schemas.microsoft.com/office/drawing/2014/main" id="{072A75BA-E09F-4B2A-973A-231EDA0F91FB}"/>
+              </a:ext>
+            </a:extLst>
+          </p:cNvPr>
+          <p:cNvPicPr>
+            <a:picLocks noChangeAspect="1"/>
+          </p:cNvPicPr>
+          <p:nvPr/>
+        </p:nvPicPr>
+        <p:blipFill>
+          <a:blip r:embed="rId4"/>
+          <a:stretch>
+            <a:fillRect/>
+          </a:stretch>
+        </p:blipFill>
+        <p:spPr>
+          <a:xfrm>
+            <a:off x="6096000" y="2457093"/>
+            <a:ext cx="5882276" cy="4113252"/>
+          </a:xfrm>
+          <a:prstGeom prst="rect">
+            <a:avLst/>
+          </a:prstGeom>
+        </p:spPr>
+      </p:pic>
+      <p:pic>
+        <p:nvPicPr>
+          <p:cNvPr id="2" name="Imagem 1">
+            <a:extLst>
+              <a:ext uri="{FF2B5EF4-FFF2-40B4-BE49-F238E27FC236}">
+                <a16:creationId xmlns:a16="http://schemas.microsoft.com/office/drawing/2014/main" id="{6696B23F-60A8-41F8-A8C6-B59066BE0208}"/>
+              </a:ext>
+            </a:extLst>
+          </p:cNvPr>
+          <p:cNvPicPr>
+            <a:picLocks noChangeAspect="1"/>
+          </p:cNvPicPr>
+          <p:nvPr/>
+        </p:nvPicPr>
+        <p:blipFill>
+          <a:blip r:embed="rId5"/>
+          <a:stretch>
+            <a:fillRect/>
+          </a:stretch>
+        </p:blipFill>
+        <p:spPr>
+          <a:xfrm>
+            <a:off x="7935866" y="71121"/>
+            <a:ext cx="1685654" cy="1572698"/>
+          </a:xfrm>
+          <a:prstGeom prst="rect">
+            <a:avLst/>
+          </a:prstGeom>
+        </p:spPr>
+      </p:pic>
+    </p:spTree>
+    <p:extLst>
+      <p:ext uri="{BB962C8B-B14F-4D97-AF65-F5344CB8AC3E}">
+        <p14:creationId xmlns:p14="http://schemas.microsoft.com/office/powerpoint/2010/main" val="4126577681"/>
+      </p:ext>
+    </p:extLst>
+  </p:cSld>
+  <p:clrMapOvr>
+    <a:masterClrMapping/>
+  </p:clrMapOvr>
+  <p:timing>
+    <p:tnLst>
+      <p:par>
+        <p:cTn id="1" dur="indefinite" restart="never" nodeType="tmRoot">
+          <p:childTnLst>
+            <p:seq concurrent="1" nextAc="seek">
+              <p:cTn id="2" dur="indefinite" nodeType="mainSeq">
+                <p:childTnLst>
+                  <p:par>
+                    <p:cTn id="3" fill="hold">
+                      <p:stCondLst>
+                        <p:cond delay="indefinite"/>
+                        <p:cond evt="onBegin" delay="0">
+                          <p:tn val="2"/>
+                        </p:cond>
+                      </p:stCondLst>
+                      <p:childTnLst>
+                        <p:par>
+                          <p:cTn id="4" fill="hold">
+                            <p:stCondLst>
+                              <p:cond delay="0"/>
+                            </p:stCondLst>
+                            <p:childTnLst>
+                              <p:par>
+                                <p:cTn id="5" presetID="22" presetClass="entr" presetSubtype="4" fill="hold" nodeType="withEffect">
+                                  <p:stCondLst>
+                                    <p:cond delay="0"/>
+                                  </p:stCondLst>
+                                  <p:childTnLst>
+                                    <p:set>
+                                      <p:cBhvr>
+                                        <p:cTn id="6" dur="1" fill="hold">
+                                          <p:stCondLst>
+                                            <p:cond delay="0"/>
+                                          </p:stCondLst>
+                                        </p:cTn>
+                                        <p:tgtEl>
+                                          <p:spTgt spid="5"/>
+                                        </p:tgtEl>
+                                        <p:attrNameLst>
+                                          <p:attrName>style.visibility</p:attrName>
+                                        </p:attrNameLst>
+                                      </p:cBhvr>
+                                      <p:to>
+                                        <p:strVal val="visible"/>
+                                      </p:to>
+                                    </p:set>
+                                    <p:animEffect transition="in" filter="wipe(down)">
+                                      <p:cBhvr>
+                                        <p:cTn id="7" dur="2250"/>
+                                        <p:tgtEl>
+                                          <p:spTgt spid="5"/>
+                                        </p:tgtEl>
+                                      </p:cBhvr>
+                                    </p:animEffect>
+                                  </p:childTnLst>
+                                </p:cTn>
+                              </p:par>
+                              <p:par>
+                                <p:cTn id="8" presetID="22" presetClass="entr" presetSubtype="4" fill="hold" nodeType="withEffect">
+                                  <p:stCondLst>
+                                    <p:cond delay="0"/>
+                                  </p:stCondLst>
+                                  <p:childTnLst>
+                                    <p:set>
+                                      <p:cBhvr>
+                                        <p:cTn id="9" dur="1" fill="hold">
+                                          <p:stCondLst>
+                                            <p:cond delay="0"/>
+                                          </p:stCondLst>
+                                        </p:cTn>
+                                        <p:tgtEl>
+                                          <p:spTgt spid="6"/>
+                                        </p:tgtEl>
+                                        <p:attrNameLst>
+                                          <p:attrName>style.visibility</p:attrName>
+                                        </p:attrNameLst>
+                                      </p:cBhvr>
+                                      <p:to>
+                                        <p:strVal val="visible"/>
+                                      </p:to>
+                                    </p:set>
+                                    <p:animEffect transition="in" filter="wipe(down)">
+                                      <p:cBhvr>
+                                        <p:cTn id="10" dur="2250"/>
+                                        <p:tgtEl>
+                                          <p:spTgt spid="6"/>
+                                        </p:tgtEl>
+                                      </p:cBhvr>
+                                    </p:animEffect>
+                                  </p:childTnLst>
+                                </p:cTn>
+                              </p:par>
+                              <p:par>
+                                <p:cTn id="11" presetID="1" presetClass="path" presetSubtype="0" accel="50000" decel="50000" fill="hold" nodeType="withEffect">
+                                  <p:stCondLst>
+                                    <p:cond delay="0"/>
+                                  </p:stCondLst>
+                                  <p:childTnLst>
+                                    <p:animMotion origin="layout" path="M 4.79167E-6 0 C 0.06575 0 0.11927 0.01782 0.11927 0.04028 C 0.11927 0.0625 0.06575 0.08102 4.79167E-6 0.08102 C -0.06589 0.08102 -0.11915 0.0625 -0.11915 0.04028 C -0.11915 0.01782 -0.06589 0 4.79167E-6 0 Z " pathEditMode="relative" rAng="0" ptsTypes="AAAAA">
+                                      <p:cBhvr>
+                                        <p:cTn id="12" dur="31250" fill="hold"/>
+                                        <p:tgtEl>
+                                          <p:spTgt spid="2"/>
+                                        </p:tgtEl>
+                                        <p:attrNameLst>
+                                          <p:attrName>ppt_x</p:attrName>
+                                          <p:attrName>ppt_y</p:attrName>
+                                        </p:attrNameLst>
+                                      </p:cBhvr>
+                                      <p:rCtr x="0" y="4051"/>
+                                    </p:animMotion>
+                                  </p:childTnLst>
+                                </p:cTn>
+                              </p:par>
+                            </p:childTnLst>
+                          </p:cTn>
+                        </p:par>
+                      </p:childTnLst>
+                    </p:cTn>
+                  </p:par>
+                </p:childTnLst>
+              </p:cTn>
+              <p:prevCondLst>
+                <p:cond evt="onPrev" delay="0">
+                  <p:tgtEl>
+                    <p:sldTgt/>
+                  </p:tgtEl>
+                </p:cond>
+              </p:prevCondLst>
+              <p:nextCondLst>
+                <p:cond evt="onNext" delay="0">
+                  <p:tgtEl>
+                    <p:sldTgt/>
+                  </p:tgtEl>
+                </p:cond>
+              </p:nextCondLst>
+            </p:seq>
+          </p:childTnLst>
+        </p:cTn>
+      </p:par>
+    </p:tnLst>
+  </p:timing>
+</p:sld>
+</file>
+
+<file path=ppt/slides/slide17.xml><?xml version="1.0" encoding="utf-8"?>
 <p:sld xmlns:a="http://schemas.openxmlformats.org/drawingml/2006/main" xmlns:r="http://schemas.openxmlformats.org/officeDocument/2006/relationships" xmlns:p="http://schemas.openxmlformats.org/presentationml/2006/main">
   <p:cSld>
     <p:spTree>
@@ -6126,8 +7292,8 @@
         </p:nvSpPr>
         <p:spPr>
           <a:xfrm>
-            <a:off x="2177990" y="1135033"/>
-            <a:ext cx="4698921" cy="1015663"/>
+            <a:off x="1377817" y="1170426"/>
+            <a:ext cx="6754991" cy="1015663"/>
           </a:xfrm>
           <a:prstGeom prst="rect">
             <a:avLst/>
@@ -6163,7 +7329,7 @@
         </p:nvSpPr>
         <p:spPr>
           <a:xfrm>
-            <a:off x="3401925" y="2151750"/>
+            <a:off x="3168245" y="2217941"/>
             <a:ext cx="3640559" cy="461665"/>
           </a:xfrm>
           <a:prstGeom prst="rect">
@@ -6412,7 +7578,7 @@
 </p:sld>
 </file>
 
-<file path=ppt/slides/slide17.xml><?xml version="1.0" encoding="utf-8"?>
+<file path=ppt/slides/slide18.xml><?xml version="1.0" encoding="utf-8"?>
 <p:sld xmlns:a="http://schemas.openxmlformats.org/drawingml/2006/main" xmlns:r="http://schemas.openxmlformats.org/officeDocument/2006/relationships" xmlns:p="http://schemas.openxmlformats.org/presentationml/2006/main">
   <p:cSld>
     <p:spTree>
@@ -6580,6 +7746,41 @@
                                   </p:childTnLst>
                                 </p:cTn>
                               </p:par>
+                              <p:par>
+                                <p:cTn id="7" presetID="22" presetClass="entr" presetSubtype="4" fill="hold" nodeType="withEffect">
+                                  <p:stCondLst>
+                                    <p:cond delay="0"/>
+                                  </p:stCondLst>
+                                  <p:childTnLst>
+                                    <p:set>
+                                      <p:cBhvr>
+                                        <p:cTn id="8" dur="1" fill="hold">
+                                          <p:stCondLst>
+                                            <p:cond delay="0"/>
+                                          </p:stCondLst>
+                                        </p:cTn>
+                                        <p:tgtEl>
+                                          <p:spTgt spid="6"/>
+                                        </p:tgtEl>
+                                        <p:attrNameLst>
+                                          <p:attrName>style.visibility</p:attrName>
+                                        </p:attrNameLst>
+                                      </p:cBhvr>
+                                      <p:to>
+                                        <p:strVal val="visible"/>
+                                      </p:to>
+                                    </p:set>
+                                    <p:animEffect transition="in" filter="wipe(down)">
+                                      <p:cBhvr>
+                                        <p:cTn id="9" dur="2250"/>
+                                        <p:tgtEl>
+                                          <p:spTgt spid="6"/>
+                                        </p:tgtEl>
+                                      </p:cBhvr>
+                                    </p:animEffect>
+                                  </p:childTnLst>
+                                </p:cTn>
+                              </p:par>
                             </p:childTnLst>
                           </p:cTn>
                         </p:par>
@@ -6611,7 +7812,1417 @@
 </p:sld>
 </file>
 
-<file path=ppt/slides/slide18.xml><?xml version="1.0" encoding="utf-8"?>
+<file path=ppt/slides/slide19.xml><?xml version="1.0" encoding="utf-8"?>
+<p:sld xmlns:a="http://schemas.openxmlformats.org/drawingml/2006/main" xmlns:r="http://schemas.openxmlformats.org/officeDocument/2006/relationships" xmlns:p="http://schemas.openxmlformats.org/presentationml/2006/main">
+  <p:cSld>
+    <p:spTree>
+      <p:nvGrpSpPr>
+        <p:cNvPr id="1" name=""/>
+        <p:cNvGrpSpPr/>
+        <p:nvPr/>
+      </p:nvGrpSpPr>
+      <p:grpSpPr>
+        <a:xfrm>
+          <a:off x="0" y="0"/>
+          <a:ext cx="0" cy="0"/>
+          <a:chOff x="0" y="0"/>
+          <a:chExt cx="0" cy="0"/>
+        </a:xfrm>
+      </p:grpSpPr>
+      <p:pic>
+        <p:nvPicPr>
+          <p:cNvPr id="4" name="Imagem 3">
+            <a:extLst>
+              <a:ext uri="{FF2B5EF4-FFF2-40B4-BE49-F238E27FC236}">
+                <a16:creationId xmlns:a16="http://schemas.microsoft.com/office/drawing/2014/main" id="{91B952A5-F019-463A-977D-AD0E62FB8A67}"/>
+              </a:ext>
+            </a:extLst>
+          </p:cNvPr>
+          <p:cNvPicPr>
+            <a:picLocks noChangeAspect="1"/>
+          </p:cNvPicPr>
+          <p:nvPr/>
+        </p:nvPicPr>
+        <p:blipFill>
+          <a:blip r:embed="rId2"/>
+          <a:stretch>
+            <a:fillRect/>
+          </a:stretch>
+        </p:blipFill>
+        <p:spPr>
+          <a:xfrm>
+            <a:off x="0" y="1390"/>
+            <a:ext cx="12192000" cy="6855220"/>
+          </a:xfrm>
+          <a:prstGeom prst="rect">
+            <a:avLst/>
+          </a:prstGeom>
+        </p:spPr>
+      </p:pic>
+      <p:pic>
+        <p:nvPicPr>
+          <p:cNvPr id="9" name="Imagem 8">
+            <a:extLst>
+              <a:ext uri="{FF2B5EF4-FFF2-40B4-BE49-F238E27FC236}">
+                <a16:creationId xmlns:a16="http://schemas.microsoft.com/office/drawing/2014/main" id="{BBA22332-781E-4259-AE5D-B446859BBC2A}"/>
+              </a:ext>
+            </a:extLst>
+          </p:cNvPr>
+          <p:cNvPicPr>
+            <a:picLocks noChangeAspect="1"/>
+          </p:cNvPicPr>
+          <p:nvPr/>
+        </p:nvPicPr>
+        <p:blipFill>
+          <a:blip r:embed="rId3"/>
+          <a:stretch>
+            <a:fillRect/>
+          </a:stretch>
+        </p:blipFill>
+        <p:spPr>
+          <a:xfrm>
+            <a:off x="1412240" y="741680"/>
+            <a:ext cx="6451600" cy="1768427"/>
+          </a:xfrm>
+          <a:prstGeom prst="rect">
+            <a:avLst/>
+          </a:prstGeom>
+        </p:spPr>
+      </p:pic>
+      <p:sp>
+        <p:nvSpPr>
+          <p:cNvPr id="7" name="CaixaDeTexto 6">
+            <a:extLst>
+              <a:ext uri="{FF2B5EF4-FFF2-40B4-BE49-F238E27FC236}">
+                <a16:creationId xmlns:a16="http://schemas.microsoft.com/office/drawing/2014/main" id="{4FA2CB70-4251-4271-92F8-8DD52BC5BEAD}"/>
+              </a:ext>
+            </a:extLst>
+          </p:cNvPr>
+          <p:cNvSpPr txBox="1"/>
+          <p:nvPr/>
+        </p:nvSpPr>
+        <p:spPr>
+          <a:xfrm>
+            <a:off x="1377817" y="1170426"/>
+            <a:ext cx="6754991" cy="1015663"/>
+          </a:xfrm>
+          <a:prstGeom prst="rect">
+            <a:avLst/>
+          </a:prstGeom>
+          <a:noFill/>
+        </p:spPr>
+        <p:txBody>
+          <a:bodyPr wrap="square" rtlCol="0">
+            <a:spAutoFit/>
+          </a:bodyPr>
+          <a:lstStyle/>
+          <a:p>
+            <a:r>
+              <a:rPr lang="pt-BR" sz="6000" dirty="0">
+                <a:latin typeface="Trajan Pro" panose="02020502050506020301" pitchFamily="18" charset="0"/>
+              </a:rPr>
+              <a:t>E p i s o d e  VII</a:t>
+            </a:r>
+          </a:p>
+        </p:txBody>
+      </p:sp>
+      <p:sp>
+        <p:nvSpPr>
+          <p:cNvPr id="8" name="CaixaDeTexto 7">
+            <a:extLst>
+              <a:ext uri="{FF2B5EF4-FFF2-40B4-BE49-F238E27FC236}">
+                <a16:creationId xmlns:a16="http://schemas.microsoft.com/office/drawing/2014/main" id="{85012BCC-15E8-44E5-98BF-5C2AFEE404DE}"/>
+              </a:ext>
+            </a:extLst>
+          </p:cNvPr>
+          <p:cNvSpPr txBox="1"/>
+          <p:nvPr/>
+        </p:nvSpPr>
+        <p:spPr>
+          <a:xfrm>
+            <a:off x="3555162" y="2186089"/>
+            <a:ext cx="2165755" cy="461665"/>
+          </a:xfrm>
+          <a:prstGeom prst="rect">
+            <a:avLst/>
+          </a:prstGeom>
+          <a:noFill/>
+        </p:spPr>
+        <p:txBody>
+          <a:bodyPr wrap="square" rtlCol="0">
+            <a:spAutoFit/>
+          </a:bodyPr>
+          <a:lstStyle/>
+          <a:p>
+            <a:r>
+              <a:rPr lang="pt-BR" sz="2400" dirty="0">
+                <a:latin typeface="Trajan Pro" panose="02020502050506020301" pitchFamily="18" charset="0"/>
+              </a:rPr>
+              <a:t>T r i g </a:t>
+            </a:r>
+            <a:r>
+              <a:rPr lang="pt-BR" sz="2400" dirty="0" err="1">
+                <a:latin typeface="Trajan Pro" panose="02020502050506020301" pitchFamily="18" charset="0"/>
+              </a:rPr>
+              <a:t>g</a:t>
+            </a:r>
+            <a:r>
+              <a:rPr lang="pt-BR" sz="2400" dirty="0">
+                <a:latin typeface="Trajan Pro" panose="02020502050506020301" pitchFamily="18" charset="0"/>
+              </a:rPr>
+              <a:t> e r </a:t>
+            </a:r>
+          </a:p>
+        </p:txBody>
+      </p:sp>
+      <p:pic>
+        <p:nvPicPr>
+          <p:cNvPr id="6" name="Imagem 5" descr="Uma imagem contendo silhueta&#10;&#10;Descrição gerada automaticamente">
+            <a:extLst>
+              <a:ext uri="{FF2B5EF4-FFF2-40B4-BE49-F238E27FC236}">
+                <a16:creationId xmlns:a16="http://schemas.microsoft.com/office/drawing/2014/main" id="{10535013-E7F9-4693-9041-CFA742F45E5C}"/>
+              </a:ext>
+            </a:extLst>
+          </p:cNvPr>
+          <p:cNvPicPr>
+            <a:picLocks noChangeAspect="1"/>
+          </p:cNvPicPr>
+          <p:nvPr/>
+        </p:nvPicPr>
+        <p:blipFill>
+          <a:blip r:embed="rId4">
+            <a:extLst>
+              <a:ext uri="{28A0092B-C50C-407E-A947-70E740481C1C}">
+                <a14:useLocalDpi xmlns:a14="http://schemas.microsoft.com/office/drawing/2010/main" val="0"/>
+              </a:ext>
+            </a:extLst>
+          </a:blip>
+          <a:stretch>
+            <a:fillRect/>
+          </a:stretch>
+        </p:blipFill>
+        <p:spPr>
+          <a:xfrm>
+            <a:off x="11124713" y="-4145285"/>
+            <a:ext cx="3882094" cy="4145285"/>
+          </a:xfrm>
+          <a:prstGeom prst="rect">
+            <a:avLst/>
+          </a:prstGeom>
+        </p:spPr>
+      </p:pic>
+    </p:spTree>
+    <p:extLst>
+      <p:ext uri="{BB962C8B-B14F-4D97-AF65-F5344CB8AC3E}">
+        <p14:creationId xmlns:p14="http://schemas.microsoft.com/office/powerpoint/2010/main" val="1884091614"/>
+      </p:ext>
+    </p:extLst>
+  </p:cSld>
+  <p:clrMapOvr>
+    <a:masterClrMapping/>
+  </p:clrMapOvr>
+  <p:timing>
+    <p:tnLst>
+      <p:par>
+        <p:cTn id="1" dur="indefinite" restart="never" nodeType="tmRoot">
+          <p:childTnLst>
+            <p:seq concurrent="1" nextAc="seek">
+              <p:cTn id="2" dur="indefinite" nodeType="mainSeq">
+                <p:childTnLst>
+                  <p:par>
+                    <p:cTn id="3" fill="hold">
+                      <p:stCondLst>
+                        <p:cond delay="indefinite"/>
+                        <p:cond evt="onBegin" delay="0">
+                          <p:tn val="2"/>
+                        </p:cond>
+                      </p:stCondLst>
+                      <p:childTnLst>
+                        <p:par>
+                          <p:cTn id="4" fill="hold">
+                            <p:stCondLst>
+                              <p:cond delay="0"/>
+                            </p:stCondLst>
+                            <p:childTnLst>
+                              <p:par>
+                                <p:cTn id="5" presetID="42" presetClass="path" presetSubtype="0" accel="50000" decel="50000" fill="hold" nodeType="withEffect">
+                                  <p:stCondLst>
+                                    <p:cond delay="0"/>
+                                  </p:stCondLst>
+                                  <p:childTnLst>
+                                    <p:animMotion origin="layout" path="M -4.58333E-6 3.33333E-6 L -0.45325 0.91689 " pathEditMode="relative" rAng="0" ptsTypes="AA">
+                                      <p:cBhvr>
+                                        <p:cTn id="6" dur="3250" fill="hold"/>
+                                        <p:tgtEl>
+                                          <p:spTgt spid="6"/>
+                                        </p:tgtEl>
+                                        <p:attrNameLst>
+                                          <p:attrName>ppt_x</p:attrName>
+                                          <p:attrName>ppt_y</p:attrName>
+                                        </p:attrNameLst>
+                                      </p:cBhvr>
+                                      <p:rCtr x="-22669" y="45833"/>
+                                    </p:animMotion>
+                                  </p:childTnLst>
+                                </p:cTn>
+                              </p:par>
+                              <p:par>
+                                <p:cTn id="7" presetID="6" presetClass="entr" presetSubtype="16" fill="hold" grpId="0" nodeType="withEffect">
+                                  <p:stCondLst>
+                                    <p:cond delay="0"/>
+                                  </p:stCondLst>
+                                  <p:childTnLst>
+                                    <p:set>
+                                      <p:cBhvr>
+                                        <p:cTn id="8" dur="1" fill="hold">
+                                          <p:stCondLst>
+                                            <p:cond delay="0"/>
+                                          </p:stCondLst>
+                                        </p:cTn>
+                                        <p:tgtEl>
+                                          <p:spTgt spid="7"/>
+                                        </p:tgtEl>
+                                        <p:attrNameLst>
+                                          <p:attrName>style.visibility</p:attrName>
+                                        </p:attrNameLst>
+                                      </p:cBhvr>
+                                      <p:to>
+                                        <p:strVal val="visible"/>
+                                      </p:to>
+                                    </p:set>
+                                    <p:animEffect transition="in" filter="circle(in)">
+                                      <p:cBhvr>
+                                        <p:cTn id="9" dur="3250"/>
+                                        <p:tgtEl>
+                                          <p:spTgt spid="7"/>
+                                        </p:tgtEl>
+                                      </p:cBhvr>
+                                    </p:animEffect>
+                                  </p:childTnLst>
+                                </p:cTn>
+                              </p:par>
+                              <p:par>
+                                <p:cTn id="10" presetID="6" presetClass="entr" presetSubtype="16" fill="hold" grpId="0" nodeType="withEffect">
+                                  <p:stCondLst>
+                                    <p:cond delay="0"/>
+                                  </p:stCondLst>
+                                  <p:childTnLst>
+                                    <p:set>
+                                      <p:cBhvr>
+                                        <p:cTn id="11" dur="1" fill="hold">
+                                          <p:stCondLst>
+                                            <p:cond delay="0"/>
+                                          </p:stCondLst>
+                                        </p:cTn>
+                                        <p:tgtEl>
+                                          <p:spTgt spid="8"/>
+                                        </p:tgtEl>
+                                        <p:attrNameLst>
+                                          <p:attrName>style.visibility</p:attrName>
+                                        </p:attrNameLst>
+                                      </p:cBhvr>
+                                      <p:to>
+                                        <p:strVal val="visible"/>
+                                      </p:to>
+                                    </p:set>
+                                    <p:animEffect transition="in" filter="circle(in)">
+                                      <p:cBhvr>
+                                        <p:cTn id="12" dur="2000"/>
+                                        <p:tgtEl>
+                                          <p:spTgt spid="8"/>
+                                        </p:tgtEl>
+                                      </p:cBhvr>
+                                    </p:animEffect>
+                                  </p:childTnLst>
+                                </p:cTn>
+                              </p:par>
+                            </p:childTnLst>
+                          </p:cTn>
+                        </p:par>
+                      </p:childTnLst>
+                    </p:cTn>
+                  </p:par>
+                </p:childTnLst>
+              </p:cTn>
+              <p:prevCondLst>
+                <p:cond evt="onPrev" delay="0">
+                  <p:tgtEl>
+                    <p:sldTgt/>
+                  </p:tgtEl>
+                </p:cond>
+              </p:prevCondLst>
+              <p:nextCondLst>
+                <p:cond evt="onNext" delay="0">
+                  <p:tgtEl>
+                    <p:sldTgt/>
+                  </p:tgtEl>
+                </p:cond>
+              </p:nextCondLst>
+            </p:seq>
+          </p:childTnLst>
+        </p:cTn>
+      </p:par>
+    </p:tnLst>
+    <p:bldLst>
+      <p:bldP spid="7" grpId="0"/>
+      <p:bldP spid="8" grpId="0"/>
+    </p:bldLst>
+  </p:timing>
+</p:sld>
+</file>
+
+<file path=ppt/slides/slide2.xml><?xml version="1.0" encoding="utf-8"?>
+<p:sld xmlns:a="http://schemas.openxmlformats.org/drawingml/2006/main" xmlns:r="http://schemas.openxmlformats.org/officeDocument/2006/relationships" xmlns:p="http://schemas.openxmlformats.org/presentationml/2006/main">
+  <p:cSld>
+    <p:spTree>
+      <p:nvGrpSpPr>
+        <p:cNvPr id="1" name=""/>
+        <p:cNvGrpSpPr/>
+        <p:nvPr/>
+      </p:nvGrpSpPr>
+      <p:grpSpPr>
+        <a:xfrm>
+          <a:off x="0" y="0"/>
+          <a:ext cx="0" cy="0"/>
+          <a:chOff x="0" y="0"/>
+          <a:chExt cx="0" cy="0"/>
+        </a:xfrm>
+      </p:grpSpPr>
+      <p:sp>
+        <p:nvSpPr>
+          <p:cNvPr id="2" name="Título 1">
+            <a:extLst>
+              <a:ext uri="{FF2B5EF4-FFF2-40B4-BE49-F238E27FC236}">
+                <a16:creationId xmlns:a16="http://schemas.microsoft.com/office/drawing/2014/main" id="{41A22105-A310-4B0D-B829-3236520A5FFE}"/>
+              </a:ext>
+            </a:extLst>
+          </p:cNvPr>
+          <p:cNvSpPr>
+            <a:spLocks noGrp="1"/>
+          </p:cNvSpPr>
+          <p:nvPr>
+            <p:ph type="title"/>
+          </p:nvPr>
+        </p:nvSpPr>
+        <p:spPr/>
+        <p:txBody>
+          <a:bodyPr/>
+          <a:lstStyle/>
+          <a:p>
+            <a:endParaRPr lang="pt-BR"/>
+          </a:p>
+        </p:txBody>
+      </p:sp>
+      <p:pic>
+        <p:nvPicPr>
+          <p:cNvPr id="7" name="Espaço Reservado para Conteúdo 6">
+            <a:extLst>
+              <a:ext uri="{FF2B5EF4-FFF2-40B4-BE49-F238E27FC236}">
+                <a16:creationId xmlns:a16="http://schemas.microsoft.com/office/drawing/2014/main" id="{878403BA-2989-437D-B616-AE23B30F8689}"/>
+              </a:ext>
+            </a:extLst>
+          </p:cNvPr>
+          <p:cNvPicPr>
+            <a:picLocks noGrp="1" noChangeAspect="1"/>
+          </p:cNvPicPr>
+          <p:nvPr>
+            <p:ph idx="1"/>
+          </p:nvPr>
+        </p:nvPicPr>
+        <p:blipFill>
+          <a:blip r:embed="rId2">
+            <a:extLst>
+              <a:ext uri="{28A0092B-C50C-407E-A947-70E740481C1C}">
+                <a14:useLocalDpi xmlns:a14="http://schemas.microsoft.com/office/drawing/2010/main" val="0"/>
+              </a:ext>
+            </a:extLst>
+          </a:blip>
+          <a:stretch>
+            <a:fillRect/>
+          </a:stretch>
+        </p:blipFill>
+        <p:spPr>
+          <a:xfrm>
+            <a:off x="-142623" y="-522923"/>
+            <a:ext cx="13121640" cy="7380923"/>
+          </a:xfrm>
+        </p:spPr>
+      </p:pic>
+      <p:sp>
+        <p:nvSpPr>
+          <p:cNvPr id="5" name="CaixaDeTexto 4">
+            <a:extLst>
+              <a:ext uri="{FF2B5EF4-FFF2-40B4-BE49-F238E27FC236}">
+                <a16:creationId xmlns:a16="http://schemas.microsoft.com/office/drawing/2014/main" id="{F103F647-F7EC-45DC-8265-E919FF0E12E6}"/>
+              </a:ext>
+            </a:extLst>
+          </p:cNvPr>
+          <p:cNvSpPr txBox="1"/>
+          <p:nvPr/>
+        </p:nvSpPr>
+        <p:spPr>
+          <a:xfrm>
+            <a:off x="6530341" y="1914923"/>
+            <a:ext cx="4823460" cy="2554545"/>
+          </a:xfrm>
+          <a:prstGeom prst="rect">
+            <a:avLst/>
+          </a:prstGeom>
+          <a:noFill/>
+        </p:spPr>
+        <p:txBody>
+          <a:bodyPr wrap="square" rtlCol="0">
+            <a:spAutoFit/>
+          </a:bodyPr>
+          <a:lstStyle/>
+          <a:p>
+            <a:r>
+              <a:rPr lang="pt-BR" sz="4000" dirty="0">
+                <a:solidFill>
+                  <a:srgbClr val="EBDA06"/>
+                </a:solidFill>
+                <a:latin typeface="Arial Rounded MT Bold" panose="020F0704030504030204" pitchFamily="34" charset="0"/>
+                <a:ea typeface="STCaiyun" panose="020B0503020204020204" pitchFamily="2" charset="-122"/>
+              </a:rPr>
+              <a:t>Não muito tempo atrás, em uma galáxia não muito distante...</a:t>
+            </a:r>
+            <a:endParaRPr lang="pt-BR" sz="3200" dirty="0">
+              <a:solidFill>
+                <a:srgbClr val="EBDA06"/>
+              </a:solidFill>
+              <a:latin typeface="Arial Rounded MT Bold" panose="020F0704030504030204" pitchFamily="34" charset="0"/>
+              <a:ea typeface="STCaiyun" panose="020B0503020204020204" pitchFamily="2" charset="-122"/>
+            </a:endParaRPr>
+          </a:p>
+        </p:txBody>
+      </p:sp>
+    </p:spTree>
+    <p:extLst>
+      <p:ext uri="{BB962C8B-B14F-4D97-AF65-F5344CB8AC3E}">
+        <p14:creationId xmlns:p14="http://schemas.microsoft.com/office/powerpoint/2010/main" val="3714189288"/>
+      </p:ext>
+    </p:extLst>
+  </p:cSld>
+  <p:clrMapOvr>
+    <a:masterClrMapping/>
+  </p:clrMapOvr>
+  <p:timing>
+    <p:tnLst>
+      <p:par>
+        <p:cTn id="1" dur="indefinite" restart="never" nodeType="tmRoot">
+          <p:childTnLst>
+            <p:seq concurrent="1" nextAc="seek">
+              <p:cTn id="2" dur="indefinite" nodeType="mainSeq">
+                <p:childTnLst>
+                  <p:par>
+                    <p:cTn id="3" fill="hold">
+                      <p:stCondLst>
+                        <p:cond delay="indefinite"/>
+                        <p:cond evt="onBegin" delay="0">
+                          <p:tn val="2"/>
+                        </p:cond>
+                      </p:stCondLst>
+                      <p:childTnLst>
+                        <p:par>
+                          <p:cTn id="4" fill="hold">
+                            <p:stCondLst>
+                              <p:cond delay="0"/>
+                            </p:stCondLst>
+                            <p:childTnLst>
+                              <p:par>
+                                <p:cTn id="5" presetID="2" presetClass="entr" presetSubtype="4" fill="hold" grpId="0" nodeType="withEffect">
+                                  <p:stCondLst>
+                                    <p:cond delay="0"/>
+                                  </p:stCondLst>
+                                  <p:childTnLst>
+                                    <p:set>
+                                      <p:cBhvr>
+                                        <p:cTn id="6" dur="1" fill="hold">
+                                          <p:stCondLst>
+                                            <p:cond delay="0"/>
+                                          </p:stCondLst>
+                                        </p:cTn>
+                                        <p:tgtEl>
+                                          <p:spTgt spid="5"/>
+                                        </p:tgtEl>
+                                        <p:attrNameLst>
+                                          <p:attrName>style.visibility</p:attrName>
+                                        </p:attrNameLst>
+                                      </p:cBhvr>
+                                      <p:to>
+                                        <p:strVal val="visible"/>
+                                      </p:to>
+                                    </p:set>
+                                    <p:anim calcmode="lin" valueType="num">
+                                      <p:cBhvr additive="base">
+                                        <p:cTn id="7" dur="3750" fill="hold"/>
+                                        <p:tgtEl>
+                                          <p:spTgt spid="5"/>
+                                        </p:tgtEl>
+                                        <p:attrNameLst>
+                                          <p:attrName>ppt_x</p:attrName>
+                                        </p:attrNameLst>
+                                      </p:cBhvr>
+                                      <p:tavLst>
+                                        <p:tav tm="0">
+                                          <p:val>
+                                            <p:strVal val="#ppt_x"/>
+                                          </p:val>
+                                        </p:tav>
+                                        <p:tav tm="100000">
+                                          <p:val>
+                                            <p:strVal val="#ppt_x"/>
+                                          </p:val>
+                                        </p:tav>
+                                      </p:tavLst>
+                                    </p:anim>
+                                    <p:anim calcmode="lin" valueType="num">
+                                      <p:cBhvr additive="base">
+                                        <p:cTn id="8" dur="3750" fill="hold"/>
+                                        <p:tgtEl>
+                                          <p:spTgt spid="5"/>
+                                        </p:tgtEl>
+                                        <p:attrNameLst>
+                                          <p:attrName>ppt_y</p:attrName>
+                                        </p:attrNameLst>
+                                      </p:cBhvr>
+                                      <p:tavLst>
+                                        <p:tav tm="0">
+                                          <p:val>
+                                            <p:strVal val="1+#ppt_h/2"/>
+                                          </p:val>
+                                        </p:tav>
+                                        <p:tav tm="100000">
+                                          <p:val>
+                                            <p:strVal val="#ppt_y"/>
+                                          </p:val>
+                                        </p:tav>
+                                      </p:tavLst>
+                                    </p:anim>
+                                  </p:childTnLst>
+                                </p:cTn>
+                              </p:par>
+                            </p:childTnLst>
+                          </p:cTn>
+                        </p:par>
+                      </p:childTnLst>
+                    </p:cTn>
+                  </p:par>
+                </p:childTnLst>
+              </p:cTn>
+              <p:prevCondLst>
+                <p:cond evt="onPrev" delay="0">
+                  <p:tgtEl>
+                    <p:sldTgt/>
+                  </p:tgtEl>
+                </p:cond>
+              </p:prevCondLst>
+              <p:nextCondLst>
+                <p:cond evt="onNext" delay="0">
+                  <p:tgtEl>
+                    <p:sldTgt/>
+                  </p:tgtEl>
+                </p:cond>
+              </p:nextCondLst>
+            </p:seq>
+          </p:childTnLst>
+        </p:cTn>
+      </p:par>
+    </p:tnLst>
+    <p:bldLst>
+      <p:bldP spid="5" grpId="0"/>
+    </p:bldLst>
+  </p:timing>
+</p:sld>
+</file>
+
+<file path=ppt/slides/slide20.xml><?xml version="1.0" encoding="utf-8"?>
+<p:sld xmlns:a="http://schemas.openxmlformats.org/drawingml/2006/main" xmlns:r="http://schemas.openxmlformats.org/officeDocument/2006/relationships" xmlns:p="http://schemas.openxmlformats.org/presentationml/2006/main">
+  <p:cSld>
+    <p:spTree>
+      <p:nvGrpSpPr>
+        <p:cNvPr id="1" name=""/>
+        <p:cNvGrpSpPr/>
+        <p:nvPr/>
+      </p:nvGrpSpPr>
+      <p:grpSpPr>
+        <a:xfrm>
+          <a:off x="0" y="0"/>
+          <a:ext cx="0" cy="0"/>
+          <a:chOff x="0" y="0"/>
+          <a:chExt cx="0" cy="0"/>
+        </a:xfrm>
+      </p:grpSpPr>
+      <p:pic>
+        <p:nvPicPr>
+          <p:cNvPr id="8" name="Imagem 7">
+            <a:extLst>
+              <a:ext uri="{FF2B5EF4-FFF2-40B4-BE49-F238E27FC236}">
+                <a16:creationId xmlns:a16="http://schemas.microsoft.com/office/drawing/2014/main" id="{BE900A1E-1A83-47A0-9846-800283B63DAC}"/>
+              </a:ext>
+            </a:extLst>
+          </p:cNvPr>
+          <p:cNvPicPr>
+            <a:picLocks noChangeAspect="1"/>
+          </p:cNvPicPr>
+          <p:nvPr/>
+        </p:nvPicPr>
+        <p:blipFill>
+          <a:blip r:embed="rId2">
+            <a:extLst>
+              <a:ext uri="{28A0092B-C50C-407E-A947-70E740481C1C}">
+                <a14:useLocalDpi xmlns:a14="http://schemas.microsoft.com/office/drawing/2010/main" val="0"/>
+              </a:ext>
+            </a:extLst>
+          </a:blip>
+          <a:stretch>
+            <a:fillRect/>
+          </a:stretch>
+        </p:blipFill>
+        <p:spPr>
+          <a:xfrm>
+            <a:off x="0" y="-6841"/>
+            <a:ext cx="12179864" cy="6864841"/>
+          </a:xfrm>
+          <a:prstGeom prst="rect">
+            <a:avLst/>
+          </a:prstGeom>
+        </p:spPr>
+      </p:pic>
+      <p:pic>
+        <p:nvPicPr>
+          <p:cNvPr id="5" name="Imagem 4">
+            <a:extLst>
+              <a:ext uri="{FF2B5EF4-FFF2-40B4-BE49-F238E27FC236}">
+                <a16:creationId xmlns:a16="http://schemas.microsoft.com/office/drawing/2014/main" id="{1C91DF97-AFDB-41D6-8349-A4061088336A}"/>
+              </a:ext>
+            </a:extLst>
+          </p:cNvPr>
+          <p:cNvPicPr>
+            <a:picLocks noChangeAspect="1"/>
+          </p:cNvPicPr>
+          <p:nvPr/>
+        </p:nvPicPr>
+        <p:blipFill>
+          <a:blip r:embed="rId3">
+            <a:extLst>
+              <a:ext uri="{28A0092B-C50C-407E-A947-70E740481C1C}">
+                <a14:useLocalDpi xmlns:a14="http://schemas.microsoft.com/office/drawing/2010/main" val="0"/>
+              </a:ext>
+            </a:extLst>
+          </a:blip>
+          <a:stretch>
+            <a:fillRect/>
+          </a:stretch>
+        </p:blipFill>
+        <p:spPr>
+          <a:xfrm>
+            <a:off x="-5003403" y="3191028"/>
+            <a:ext cx="3666972" cy="3666972"/>
+          </a:xfrm>
+          <a:prstGeom prst="rect">
+            <a:avLst/>
+          </a:prstGeom>
+        </p:spPr>
+      </p:pic>
+      <p:pic>
+        <p:nvPicPr>
+          <p:cNvPr id="7" name="Imagem 6">
+            <a:extLst>
+              <a:ext uri="{FF2B5EF4-FFF2-40B4-BE49-F238E27FC236}">
+                <a16:creationId xmlns:a16="http://schemas.microsoft.com/office/drawing/2014/main" id="{B681FB43-50D4-454D-8301-08CD55580762}"/>
+              </a:ext>
+            </a:extLst>
+          </p:cNvPr>
+          <p:cNvPicPr>
+            <a:picLocks noChangeAspect="1"/>
+          </p:cNvPicPr>
+          <p:nvPr/>
+        </p:nvPicPr>
+        <p:blipFill>
+          <a:blip r:embed="rId4"/>
+          <a:stretch>
+            <a:fillRect/>
+          </a:stretch>
+        </p:blipFill>
+        <p:spPr>
+          <a:xfrm>
+            <a:off x="5612844" y="1565534"/>
+            <a:ext cx="6321981" cy="1863466"/>
+          </a:xfrm>
+          <a:prstGeom prst="rect">
+            <a:avLst/>
+          </a:prstGeom>
+        </p:spPr>
+      </p:pic>
+    </p:spTree>
+    <p:extLst>
+      <p:ext uri="{BB962C8B-B14F-4D97-AF65-F5344CB8AC3E}">
+        <p14:creationId xmlns:p14="http://schemas.microsoft.com/office/powerpoint/2010/main" val="215319696"/>
+      </p:ext>
+    </p:extLst>
+  </p:cSld>
+  <p:clrMapOvr>
+    <a:masterClrMapping/>
+  </p:clrMapOvr>
+  <p:timing>
+    <p:tnLst>
+      <p:par>
+        <p:cTn id="1" dur="indefinite" restart="never" nodeType="tmRoot">
+          <p:childTnLst>
+            <p:seq concurrent="1" nextAc="seek">
+              <p:cTn id="2" dur="indefinite" nodeType="mainSeq">
+                <p:childTnLst>
+                  <p:par>
+                    <p:cTn id="3" fill="hold">
+                      <p:stCondLst>
+                        <p:cond delay="indefinite"/>
+                        <p:cond evt="onBegin" delay="0">
+                          <p:tn val="2"/>
+                        </p:cond>
+                      </p:stCondLst>
+                      <p:childTnLst>
+                        <p:par>
+                          <p:cTn id="4" fill="hold">
+                            <p:stCondLst>
+                              <p:cond delay="0"/>
+                            </p:stCondLst>
+                            <p:childTnLst>
+                              <p:par>
+                                <p:cTn id="5" presetID="42" presetClass="path" presetSubtype="0" accel="50000" decel="50000" fill="hold" nodeType="withEffect">
+                                  <p:stCondLst>
+                                    <p:cond delay="0"/>
+                                  </p:stCondLst>
+                                  <p:childTnLst>
+                                    <p:animMotion origin="layout" path="M 0.16198 -0.00093 L 0.48112 -0.03171 " pathEditMode="relative" rAng="0" ptsTypes="AA">
+                                      <p:cBhvr>
+                                        <p:cTn id="6" dur="5000" fill="hold"/>
+                                        <p:tgtEl>
+                                          <p:spTgt spid="5"/>
+                                        </p:tgtEl>
+                                        <p:attrNameLst>
+                                          <p:attrName>ppt_x</p:attrName>
+                                          <p:attrName>ppt_y</p:attrName>
+                                        </p:attrNameLst>
+                                      </p:cBhvr>
+                                      <p:rCtr x="15951" y="-1551"/>
+                                    </p:animMotion>
+                                  </p:childTnLst>
+                                </p:cTn>
+                              </p:par>
+                            </p:childTnLst>
+                          </p:cTn>
+                        </p:par>
+                      </p:childTnLst>
+                    </p:cTn>
+                  </p:par>
+                </p:childTnLst>
+              </p:cTn>
+              <p:prevCondLst>
+                <p:cond evt="onPrev" delay="0">
+                  <p:tgtEl>
+                    <p:sldTgt/>
+                  </p:tgtEl>
+                </p:cond>
+              </p:prevCondLst>
+              <p:nextCondLst>
+                <p:cond evt="onNext" delay="0">
+                  <p:tgtEl>
+                    <p:sldTgt/>
+                  </p:tgtEl>
+                </p:cond>
+              </p:nextCondLst>
+            </p:seq>
+          </p:childTnLst>
+        </p:cTn>
+      </p:par>
+    </p:tnLst>
+  </p:timing>
+</p:sld>
+</file>
+
+<file path=ppt/slides/slide21.xml><?xml version="1.0" encoding="utf-8"?>
+<p:sld xmlns:a="http://schemas.openxmlformats.org/drawingml/2006/main" xmlns:r="http://schemas.openxmlformats.org/officeDocument/2006/relationships" xmlns:p="http://schemas.openxmlformats.org/presentationml/2006/main">
+  <p:cSld>
+    <p:spTree>
+      <p:nvGrpSpPr>
+        <p:cNvPr id="1" name=""/>
+        <p:cNvGrpSpPr/>
+        <p:nvPr/>
+      </p:nvGrpSpPr>
+      <p:grpSpPr>
+        <a:xfrm>
+          <a:off x="0" y="0"/>
+          <a:ext cx="0" cy="0"/>
+          <a:chOff x="0" y="0"/>
+          <a:chExt cx="0" cy="0"/>
+        </a:xfrm>
+      </p:grpSpPr>
+      <p:pic>
+        <p:nvPicPr>
+          <p:cNvPr id="4" name="Imagem 3">
+            <a:extLst>
+              <a:ext uri="{FF2B5EF4-FFF2-40B4-BE49-F238E27FC236}">
+                <a16:creationId xmlns:a16="http://schemas.microsoft.com/office/drawing/2014/main" id="{920FF761-0B10-44F6-AD89-3AC552280711}"/>
+              </a:ext>
+            </a:extLst>
+          </p:cNvPr>
+          <p:cNvPicPr>
+            <a:picLocks noChangeAspect="1"/>
+          </p:cNvPicPr>
+          <p:nvPr/>
+        </p:nvPicPr>
+        <p:blipFill>
+          <a:blip r:embed="rId3"/>
+          <a:stretch>
+            <a:fillRect/>
+          </a:stretch>
+        </p:blipFill>
+        <p:spPr>
+          <a:xfrm>
+            <a:off x="0" y="1390"/>
+            <a:ext cx="12192000" cy="6855220"/>
+          </a:xfrm>
+          <a:prstGeom prst="rect">
+            <a:avLst/>
+          </a:prstGeom>
+        </p:spPr>
+      </p:pic>
+      <p:pic>
+        <p:nvPicPr>
+          <p:cNvPr id="6" name="Imagem 5" descr="Uma imagem contendo silhueta&#10;&#10;Descrição gerada automaticamente">
+            <a:extLst>
+              <a:ext uri="{FF2B5EF4-FFF2-40B4-BE49-F238E27FC236}">
+                <a16:creationId xmlns:a16="http://schemas.microsoft.com/office/drawing/2014/main" id="{3231EE01-1F32-465D-92DB-81EA929D0A9A}"/>
+              </a:ext>
+            </a:extLst>
+          </p:cNvPr>
+          <p:cNvPicPr>
+            <a:picLocks noChangeAspect="1"/>
+          </p:cNvPicPr>
+          <p:nvPr/>
+        </p:nvPicPr>
+        <p:blipFill>
+          <a:blip r:embed="rId4">
+            <a:extLst>
+              <a:ext uri="{28A0092B-C50C-407E-A947-70E740481C1C}">
+                <a14:useLocalDpi xmlns:a14="http://schemas.microsoft.com/office/drawing/2010/main" val="0"/>
+              </a:ext>
+            </a:extLst>
+          </a:blip>
+          <a:stretch>
+            <a:fillRect/>
+          </a:stretch>
+        </p:blipFill>
+        <p:spPr>
+          <a:xfrm>
+            <a:off x="11671179" y="3901439"/>
+            <a:ext cx="2283586" cy="2438405"/>
+          </a:xfrm>
+          <a:prstGeom prst="rect">
+            <a:avLst/>
+          </a:prstGeom>
+        </p:spPr>
+      </p:pic>
+      <p:pic>
+        <p:nvPicPr>
+          <p:cNvPr id="8" name="Imagem 7">
+            <a:extLst>
+              <a:ext uri="{FF2B5EF4-FFF2-40B4-BE49-F238E27FC236}">
+                <a16:creationId xmlns:a16="http://schemas.microsoft.com/office/drawing/2014/main" id="{ED734547-C7C0-4429-AE07-E4F0AE37052B}"/>
+              </a:ext>
+            </a:extLst>
+          </p:cNvPr>
+          <p:cNvPicPr>
+            <a:picLocks noChangeAspect="1"/>
+          </p:cNvPicPr>
+          <p:nvPr/>
+        </p:nvPicPr>
+        <p:blipFill>
+          <a:blip r:embed="rId5"/>
+          <a:stretch>
+            <a:fillRect/>
+          </a:stretch>
+        </p:blipFill>
+        <p:spPr>
+          <a:xfrm>
+            <a:off x="621665" y="570547"/>
+            <a:ext cx="6153150" cy="1266825"/>
+          </a:xfrm>
+          <a:prstGeom prst="rect">
+            <a:avLst/>
+          </a:prstGeom>
+        </p:spPr>
+      </p:pic>
+      <p:sp>
+        <p:nvSpPr>
+          <p:cNvPr id="9" name="CaixaDeTexto 8">
+            <a:extLst>
+              <a:ext uri="{FF2B5EF4-FFF2-40B4-BE49-F238E27FC236}">
+                <a16:creationId xmlns:a16="http://schemas.microsoft.com/office/drawing/2014/main" id="{10F12B0D-6F2A-4346-B4C4-1DE71D17CAE2}"/>
+              </a:ext>
+            </a:extLst>
+          </p:cNvPr>
+          <p:cNvSpPr txBox="1"/>
+          <p:nvPr/>
+        </p:nvSpPr>
+        <p:spPr>
+          <a:xfrm>
+            <a:off x="338992" y="730938"/>
+            <a:ext cx="6671407" cy="1015663"/>
+          </a:xfrm>
+          <a:prstGeom prst="rect">
+            <a:avLst/>
+          </a:prstGeom>
+          <a:noFill/>
+        </p:spPr>
+        <p:txBody>
+          <a:bodyPr wrap="square" rtlCol="0">
+            <a:spAutoFit/>
+          </a:bodyPr>
+          <a:lstStyle/>
+          <a:p>
+            <a:r>
+              <a:rPr lang="pt-BR" sz="6000" dirty="0">
+                <a:solidFill>
+                  <a:schemeClr val="bg1"/>
+                </a:solidFill>
+                <a:latin typeface="Trajan Pro" panose="02020502050506020301" pitchFamily="18" charset="0"/>
+              </a:rPr>
+              <a:t>E p i s o d e  VII</a:t>
+            </a:r>
+          </a:p>
+        </p:txBody>
+      </p:sp>
+      <p:sp>
+        <p:nvSpPr>
+          <p:cNvPr id="10" name="CaixaDeTexto 9">
+            <a:extLst>
+              <a:ext uri="{FF2B5EF4-FFF2-40B4-BE49-F238E27FC236}">
+                <a16:creationId xmlns:a16="http://schemas.microsoft.com/office/drawing/2014/main" id="{AB94E96D-D32E-499E-B008-B6A3F8F3D667}"/>
+              </a:ext>
+            </a:extLst>
+          </p:cNvPr>
+          <p:cNvSpPr txBox="1"/>
+          <p:nvPr/>
+        </p:nvSpPr>
+        <p:spPr>
+          <a:xfrm>
+            <a:off x="2095961" y="1835784"/>
+            <a:ext cx="3204558" cy="461665"/>
+          </a:xfrm>
+          <a:prstGeom prst="rect">
+            <a:avLst/>
+          </a:prstGeom>
+          <a:noFill/>
+        </p:spPr>
+        <p:txBody>
+          <a:bodyPr wrap="square" rtlCol="0">
+            <a:spAutoFit/>
+          </a:bodyPr>
+          <a:lstStyle/>
+          <a:p>
+            <a:r>
+              <a:rPr lang="pt-BR" sz="2400" dirty="0">
+                <a:solidFill>
+                  <a:schemeClr val="bg1"/>
+                </a:solidFill>
+                <a:latin typeface="Trajan Pro" panose="02020502050506020301" pitchFamily="18" charset="0"/>
+              </a:rPr>
+              <a:t>C o n c l u s ã o</a:t>
+            </a:r>
+          </a:p>
+        </p:txBody>
+      </p:sp>
+      <p:pic>
+        <p:nvPicPr>
+          <p:cNvPr id="12" name="Imagem 11" descr="Uma imagem contendo céu&#10;&#10;Descrição gerada automaticamente">
+            <a:extLst>
+              <a:ext uri="{FF2B5EF4-FFF2-40B4-BE49-F238E27FC236}">
+                <a16:creationId xmlns:a16="http://schemas.microsoft.com/office/drawing/2014/main" id="{24A6361C-2F2D-43A0-A787-73E3A8B35A3E}"/>
+              </a:ext>
+            </a:extLst>
+          </p:cNvPr>
+          <p:cNvPicPr>
+            <a:picLocks noChangeAspect="1"/>
+          </p:cNvPicPr>
+          <p:nvPr/>
+        </p:nvPicPr>
+        <p:blipFill>
+          <a:blip r:embed="rId6">
+            <a:extLst>
+              <a:ext uri="{28A0092B-C50C-407E-A947-70E740481C1C}">
+                <a14:useLocalDpi xmlns:a14="http://schemas.microsoft.com/office/drawing/2010/main" val="0"/>
+              </a:ext>
+            </a:extLst>
+          </a:blip>
+          <a:stretch>
+            <a:fillRect/>
+          </a:stretch>
+        </p:blipFill>
+        <p:spPr>
+          <a:xfrm>
+            <a:off x="5642609" y="2737901"/>
+            <a:ext cx="707164" cy="755107"/>
+          </a:xfrm>
+          <a:prstGeom prst="rect">
+            <a:avLst/>
+          </a:prstGeom>
+        </p:spPr>
+      </p:pic>
+      <p:pic>
+        <p:nvPicPr>
+          <p:cNvPr id="13" name="Imagem 12" descr="Uma imagem contendo céu&#10;&#10;Descrição gerada automaticamente">
+            <a:extLst>
+              <a:ext uri="{FF2B5EF4-FFF2-40B4-BE49-F238E27FC236}">
+                <a16:creationId xmlns:a16="http://schemas.microsoft.com/office/drawing/2014/main" id="{FBE239F6-AC69-4B71-A486-C4E0C083481A}"/>
+              </a:ext>
+            </a:extLst>
+          </p:cNvPr>
+          <p:cNvPicPr>
+            <a:picLocks noChangeAspect="1"/>
+          </p:cNvPicPr>
+          <p:nvPr/>
+        </p:nvPicPr>
+        <p:blipFill>
+          <a:blip r:embed="rId6">
+            <a:extLst>
+              <a:ext uri="{28A0092B-C50C-407E-A947-70E740481C1C}">
+                <a14:useLocalDpi xmlns:a14="http://schemas.microsoft.com/office/drawing/2010/main" val="0"/>
+              </a:ext>
+            </a:extLst>
+          </a:blip>
+          <a:stretch>
+            <a:fillRect/>
+          </a:stretch>
+        </p:blipFill>
+        <p:spPr>
+          <a:xfrm>
+            <a:off x="5642609" y="2937404"/>
+            <a:ext cx="1089663" cy="1163538"/>
+          </a:xfrm>
+          <a:prstGeom prst="rect">
+            <a:avLst/>
+          </a:prstGeom>
+        </p:spPr>
+      </p:pic>
+      <p:pic>
+        <p:nvPicPr>
+          <p:cNvPr id="15" name="Imagem 14" descr="Uma imagem contendo céu&#10;&#10;Descrição gerada automaticamente">
+            <a:extLst>
+              <a:ext uri="{FF2B5EF4-FFF2-40B4-BE49-F238E27FC236}">
+                <a16:creationId xmlns:a16="http://schemas.microsoft.com/office/drawing/2014/main" id="{0D6E4767-9D47-4750-B603-A77F5C881BE6}"/>
+              </a:ext>
+            </a:extLst>
+          </p:cNvPr>
+          <p:cNvPicPr>
+            <a:picLocks noChangeAspect="1"/>
+          </p:cNvPicPr>
+          <p:nvPr/>
+        </p:nvPicPr>
+        <p:blipFill>
+          <a:blip r:embed="rId6">
+            <a:extLst>
+              <a:ext uri="{28A0092B-C50C-407E-A947-70E740481C1C}">
+                <a14:useLocalDpi xmlns:a14="http://schemas.microsoft.com/office/drawing/2010/main" val="0"/>
+              </a:ext>
+            </a:extLst>
+          </a:blip>
+          <a:stretch>
+            <a:fillRect/>
+          </a:stretch>
+        </p:blipFill>
+        <p:spPr>
+          <a:xfrm flipH="1">
+            <a:off x="4279391" y="2659259"/>
+            <a:ext cx="1455354" cy="1242179"/>
+          </a:xfrm>
+          <a:prstGeom prst="rect">
+            <a:avLst/>
+          </a:prstGeom>
+        </p:spPr>
+      </p:pic>
+    </p:spTree>
+    <p:extLst>
+      <p:ext uri="{BB962C8B-B14F-4D97-AF65-F5344CB8AC3E}">
+        <p14:creationId xmlns:p14="http://schemas.microsoft.com/office/powerpoint/2010/main" val="609399258"/>
+      </p:ext>
+    </p:extLst>
+  </p:cSld>
+  <p:clrMapOvr>
+    <a:masterClrMapping/>
+  </p:clrMapOvr>
+  <p:timing>
+    <p:tnLst>
+      <p:par>
+        <p:cTn id="1" dur="indefinite" restart="never" nodeType="tmRoot">
+          <p:childTnLst>
+            <p:seq concurrent="1" nextAc="seek">
+              <p:cTn id="2" dur="indefinite" nodeType="mainSeq">
+                <p:childTnLst>
+                  <p:par>
+                    <p:cTn id="3" fill="hold">
+                      <p:stCondLst>
+                        <p:cond delay="indefinite"/>
+                        <p:cond evt="onBegin" delay="0">
+                          <p:tn val="2"/>
+                        </p:cond>
+                      </p:stCondLst>
+                      <p:childTnLst>
+                        <p:par>
+                          <p:cTn id="4" fill="hold">
+                            <p:stCondLst>
+                              <p:cond delay="0"/>
+                            </p:stCondLst>
+                            <p:childTnLst>
+                              <p:par>
+                                <p:cTn id="5" presetID="42" presetClass="path" presetSubtype="0" accel="50000" decel="50000" fill="hold" nodeType="withEffect">
+                                  <p:stCondLst>
+                                    <p:cond delay="0"/>
+                                  </p:stCondLst>
+                                  <p:childTnLst>
+                                    <p:animMotion origin="layout" path="M -0.0418 0.02662 L -1.09844 0.025 " pathEditMode="relative" rAng="0" ptsTypes="AA">
+                                      <p:cBhvr>
+                                        <p:cTn id="6" dur="40000" fill="hold"/>
+                                        <p:tgtEl>
+                                          <p:spTgt spid="6"/>
+                                        </p:tgtEl>
+                                        <p:attrNameLst>
+                                          <p:attrName>ppt_x</p:attrName>
+                                          <p:attrName>ppt_y</p:attrName>
+                                        </p:attrNameLst>
+                                      </p:cBhvr>
+                                      <p:rCtr x="-52839" y="-93"/>
+                                    </p:animMotion>
+                                  </p:childTnLst>
+                                </p:cTn>
+                              </p:par>
+                              <p:par>
+                                <p:cTn id="7" presetID="6" presetClass="entr" presetSubtype="16" fill="hold" grpId="0" nodeType="withEffect">
+                                  <p:stCondLst>
+                                    <p:cond delay="0"/>
+                                  </p:stCondLst>
+                                  <p:childTnLst>
+                                    <p:set>
+                                      <p:cBhvr>
+                                        <p:cTn id="8" dur="1" fill="hold">
+                                          <p:stCondLst>
+                                            <p:cond delay="0"/>
+                                          </p:stCondLst>
+                                        </p:cTn>
+                                        <p:tgtEl>
+                                          <p:spTgt spid="10"/>
+                                        </p:tgtEl>
+                                        <p:attrNameLst>
+                                          <p:attrName>style.visibility</p:attrName>
+                                        </p:attrNameLst>
+                                      </p:cBhvr>
+                                      <p:to>
+                                        <p:strVal val="visible"/>
+                                      </p:to>
+                                    </p:set>
+                                    <p:animEffect transition="in" filter="circle(in)">
+                                      <p:cBhvr>
+                                        <p:cTn id="9" dur="3250"/>
+                                        <p:tgtEl>
+                                          <p:spTgt spid="10"/>
+                                        </p:tgtEl>
+                                      </p:cBhvr>
+                                    </p:animEffect>
+                                  </p:childTnLst>
+                                </p:cTn>
+                              </p:par>
+                              <p:par>
+                                <p:cTn id="10" presetID="6" presetClass="entr" presetSubtype="16" fill="hold" grpId="0" nodeType="withEffect">
+                                  <p:stCondLst>
+                                    <p:cond delay="0"/>
+                                  </p:stCondLst>
+                                  <p:childTnLst>
+                                    <p:set>
+                                      <p:cBhvr>
+                                        <p:cTn id="11" dur="1" fill="hold">
+                                          <p:stCondLst>
+                                            <p:cond delay="0"/>
+                                          </p:stCondLst>
+                                        </p:cTn>
+                                        <p:tgtEl>
+                                          <p:spTgt spid="9"/>
+                                        </p:tgtEl>
+                                        <p:attrNameLst>
+                                          <p:attrName>style.visibility</p:attrName>
+                                        </p:attrNameLst>
+                                      </p:cBhvr>
+                                      <p:to>
+                                        <p:strVal val="visible"/>
+                                      </p:to>
+                                    </p:set>
+                                    <p:animEffect transition="in" filter="circle(in)">
+                                      <p:cBhvr>
+                                        <p:cTn id="12" dur="3250"/>
+                                        <p:tgtEl>
+                                          <p:spTgt spid="9"/>
+                                        </p:tgtEl>
+                                      </p:cBhvr>
+                                    </p:animEffect>
+                                  </p:childTnLst>
+                                </p:cTn>
+                              </p:par>
+                              <p:par>
+                                <p:cTn id="13" presetID="6" presetClass="emph" presetSubtype="0" fill="hold" nodeType="withEffect">
+                                  <p:stCondLst>
+                                    <p:cond delay="0"/>
+                                  </p:stCondLst>
+                                  <p:childTnLst>
+                                    <p:animScale>
+                                      <p:cBhvr>
+                                        <p:cTn id="14" dur="2000" fill="hold"/>
+                                        <p:tgtEl>
+                                          <p:spTgt spid="12"/>
+                                        </p:tgtEl>
+                                      </p:cBhvr>
+                                      <p:by x="150000" y="150000"/>
+                                    </p:animScale>
+                                  </p:childTnLst>
+                                </p:cTn>
+                              </p:par>
+                              <p:par>
+                                <p:cTn id="15" presetID="42" presetClass="path" presetSubtype="0" accel="50000" decel="50000" fill="hold" nodeType="withEffect">
+                                  <p:stCondLst>
+                                    <p:cond delay="0"/>
+                                  </p:stCondLst>
+                                  <p:childTnLst>
+                                    <p:animMotion origin="layout" path="M 3.125E-6 3.33333E-6 L -0.03125 0.03287 " pathEditMode="relative" rAng="0" ptsTypes="AA">
+                                      <p:cBhvr>
+                                        <p:cTn id="16" dur="2000" fill="hold"/>
+                                        <p:tgtEl>
+                                          <p:spTgt spid="12"/>
+                                        </p:tgtEl>
+                                        <p:attrNameLst>
+                                          <p:attrName>ppt_x</p:attrName>
+                                          <p:attrName>ppt_y</p:attrName>
+                                        </p:attrNameLst>
+                                      </p:cBhvr>
+                                      <p:rCtr x="-1563" y="1644"/>
+                                    </p:animMotion>
+                                  </p:childTnLst>
+                                </p:cTn>
+                              </p:par>
+                              <p:par>
+                                <p:cTn id="17" presetID="6" presetClass="emph" presetSubtype="0" fill="hold" nodeType="withEffect">
+                                  <p:stCondLst>
+                                    <p:cond delay="0"/>
+                                  </p:stCondLst>
+                                  <p:childTnLst>
+                                    <p:animScale>
+                                      <p:cBhvr>
+                                        <p:cTn id="18" dur="2000" fill="hold"/>
+                                        <p:tgtEl>
+                                          <p:spTgt spid="13"/>
+                                        </p:tgtEl>
+                                      </p:cBhvr>
+                                      <p:by x="150000" y="150000"/>
+                                    </p:animScale>
+                                  </p:childTnLst>
+                                </p:cTn>
+                              </p:par>
+                              <p:par>
+                                <p:cTn id="19" presetID="42" presetClass="path" presetSubtype="0" accel="50000" decel="50000" fill="hold" nodeType="withEffect">
+                                  <p:stCondLst>
+                                    <p:cond delay="0"/>
+                                  </p:stCondLst>
+                                  <p:childTnLst>
+                                    <p:animMotion origin="layout" path="M -1.875E-6 -2.96296E-6 L -0.06745 0.02223 " pathEditMode="relative" rAng="0" ptsTypes="AA">
+                                      <p:cBhvr>
+                                        <p:cTn id="20" dur="2000" fill="hold"/>
+                                        <p:tgtEl>
+                                          <p:spTgt spid="13"/>
+                                        </p:tgtEl>
+                                        <p:attrNameLst>
+                                          <p:attrName>ppt_x</p:attrName>
+                                          <p:attrName>ppt_y</p:attrName>
+                                        </p:attrNameLst>
+                                      </p:cBhvr>
+                                      <p:rCtr x="-3372" y="1111"/>
+                                    </p:animMotion>
+                                  </p:childTnLst>
+                                </p:cTn>
+                              </p:par>
+                              <p:par>
+                                <p:cTn id="21" presetID="6" presetClass="emph" presetSubtype="0" fill="hold" nodeType="withEffect">
+                                  <p:stCondLst>
+                                    <p:cond delay="0"/>
+                                  </p:stCondLst>
+                                  <p:childTnLst>
+                                    <p:animScale>
+                                      <p:cBhvr>
+                                        <p:cTn id="22" dur="2000" fill="hold"/>
+                                        <p:tgtEl>
+                                          <p:spTgt spid="15"/>
+                                        </p:tgtEl>
+                                      </p:cBhvr>
+                                      <p:by x="150000" y="150000"/>
+                                    </p:animScale>
+                                  </p:childTnLst>
+                                </p:cTn>
+                              </p:par>
+                              <p:par>
+                                <p:cTn id="23" presetID="42" presetClass="path" presetSubtype="0" accel="50000" decel="50000" fill="hold" nodeType="withEffect">
+                                  <p:stCondLst>
+                                    <p:cond delay="0"/>
+                                  </p:stCondLst>
+                                  <p:childTnLst>
+                                    <p:animMotion origin="layout" path="M 2.91667E-6 -7.40741E-7 L 0.07747 0.01713 " pathEditMode="relative" rAng="0" ptsTypes="AA">
+                                      <p:cBhvr>
+                                        <p:cTn id="24" dur="2000" fill="hold"/>
+                                        <p:tgtEl>
+                                          <p:spTgt spid="15"/>
+                                        </p:tgtEl>
+                                        <p:attrNameLst>
+                                          <p:attrName>ppt_x</p:attrName>
+                                          <p:attrName>ppt_y</p:attrName>
+                                        </p:attrNameLst>
+                                      </p:cBhvr>
+                                      <p:rCtr x="3867" y="856"/>
+                                    </p:animMotion>
+                                  </p:childTnLst>
+                                </p:cTn>
+                              </p:par>
+                            </p:childTnLst>
+                          </p:cTn>
+                        </p:par>
+                      </p:childTnLst>
+                    </p:cTn>
+                  </p:par>
+                </p:childTnLst>
+              </p:cTn>
+              <p:prevCondLst>
+                <p:cond evt="onPrev" delay="0">
+                  <p:tgtEl>
+                    <p:sldTgt/>
+                  </p:tgtEl>
+                </p:cond>
+              </p:prevCondLst>
+              <p:nextCondLst>
+                <p:cond evt="onNext" delay="0">
+                  <p:tgtEl>
+                    <p:sldTgt/>
+                  </p:tgtEl>
+                </p:cond>
+              </p:nextCondLst>
+            </p:seq>
+          </p:childTnLst>
+        </p:cTn>
+      </p:par>
+    </p:tnLst>
+    <p:bldLst>
+      <p:bldP spid="9" grpId="0"/>
+      <p:bldP spid="10" grpId="0"/>
+    </p:bldLst>
+  </p:timing>
+</p:sld>
+</file>
+
+<file path=ppt/slides/slide22.xml><?xml version="1.0" encoding="utf-8"?>
 <p:sld xmlns:a="http://schemas.openxmlformats.org/drawingml/2006/main" xmlns:r="http://schemas.openxmlformats.org/officeDocument/2006/relationships" xmlns:p="http://schemas.openxmlformats.org/presentationml/2006/main">
   <p:cSld>
     <p:bg>
@@ -6673,16 +9284,16 @@
                 <a:solidFill>
                   <a:srgbClr val="FFC000"/>
                 </a:solidFill>
-                <a:latin typeface="Trajan Pro" panose="02020502050506020301" pitchFamily="18" charset="0"/>
+                <a:latin typeface="Star Jedi" panose="040B0000000000000000" pitchFamily="82" charset="0"/>
               </a:rPr>
-              <a:t>Que a </a:t>
+              <a:t>que a </a:t>
             </a:r>
             <a:r>
               <a:rPr lang="en-US" sz="5400" dirty="0" err="1">
                 <a:solidFill>
                   <a:srgbClr val="FFC000"/>
                 </a:solidFill>
-                <a:latin typeface="Trajan Pro" panose="02020502050506020301" pitchFamily="18" charset="0"/>
+                <a:latin typeface="Star Jedi" panose="040B0000000000000000" pitchFamily="82" charset="0"/>
               </a:rPr>
               <a:t>força</a:t>
             </a:r>
@@ -6691,7 +9302,7 @@
                 <a:solidFill>
                   <a:srgbClr val="FFC000"/>
                 </a:solidFill>
-                <a:latin typeface="Trajan Pro" panose="02020502050506020301" pitchFamily="18" charset="0"/>
+                <a:latin typeface="Star Jedi" panose="040B0000000000000000" pitchFamily="82" charset="0"/>
               </a:rPr>
               <a:t> </a:t>
             </a:r>
@@ -6700,7 +9311,7 @@
                 <a:solidFill>
                   <a:srgbClr val="FFC000"/>
                 </a:solidFill>
-                <a:latin typeface="Trajan Pro" panose="02020502050506020301" pitchFamily="18" charset="0"/>
+                <a:latin typeface="Star Jedi" panose="040B0000000000000000" pitchFamily="82" charset="0"/>
               </a:rPr>
               <a:t>esteja</a:t>
             </a:r>
@@ -6709,7 +9320,7 @@
                 <a:solidFill>
                   <a:srgbClr val="FFC000"/>
                 </a:solidFill>
-                <a:latin typeface="Trajan Pro" panose="02020502050506020301" pitchFamily="18" charset="0"/>
+                <a:latin typeface="Star Jedi" panose="040B0000000000000000" pitchFamily="82" charset="0"/>
               </a:rPr>
               <a:t> com </a:t>
             </a:r>
@@ -6718,7 +9329,7 @@
                 <a:solidFill>
                   <a:srgbClr val="FFC000"/>
                 </a:solidFill>
-                <a:latin typeface="Trajan Pro" panose="02020502050506020301" pitchFamily="18" charset="0"/>
+                <a:latin typeface="Star Jedi" panose="040B0000000000000000" pitchFamily="82" charset="0"/>
               </a:rPr>
               <a:t>você</a:t>
             </a:r>
@@ -6726,7 +9337,7 @@
               <a:solidFill>
                 <a:srgbClr val="FFC000"/>
               </a:solidFill>
-              <a:latin typeface="Trajan Pro" panose="02020502050506020301" pitchFamily="18" charset="0"/>
+              <a:latin typeface="Star Jedi" panose="040B0000000000000000" pitchFamily="82" charset="0"/>
             </a:endParaRPr>
           </a:p>
         </p:txBody>
@@ -7165,1678 +9776,6 @@
 </p:sld>
 </file>
 
-<file path=ppt/slides/slide19.xml><?xml version="1.0" encoding="utf-8"?>
-<p:sld xmlns:a="http://schemas.openxmlformats.org/drawingml/2006/main" xmlns:r="http://schemas.openxmlformats.org/officeDocument/2006/relationships" xmlns:p="http://schemas.openxmlformats.org/presentationml/2006/main">
-  <p:cSld>
-    <p:spTree>
-      <p:nvGrpSpPr>
-        <p:cNvPr id="1" name=""/>
-        <p:cNvGrpSpPr/>
-        <p:nvPr/>
-      </p:nvGrpSpPr>
-      <p:grpSpPr>
-        <a:xfrm>
-          <a:off x="0" y="0"/>
-          <a:ext cx="0" cy="0"/>
-          <a:chOff x="0" y="0"/>
-          <a:chExt cx="0" cy="0"/>
-        </a:xfrm>
-      </p:grpSpPr>
-      <p:sp>
-        <p:nvSpPr>
-          <p:cNvPr id="2" name="Título 1">
-            <a:extLst>
-              <a:ext uri="{FF2B5EF4-FFF2-40B4-BE49-F238E27FC236}">
-                <a16:creationId xmlns:a16="http://schemas.microsoft.com/office/drawing/2014/main" id="{CB229EDF-DAC7-4C04-959D-118B3C8209B9}"/>
-              </a:ext>
-            </a:extLst>
-          </p:cNvPr>
-          <p:cNvSpPr>
-            <a:spLocks noGrp="1"/>
-          </p:cNvSpPr>
-          <p:nvPr>
-            <p:ph type="title"/>
-          </p:nvPr>
-        </p:nvSpPr>
-        <p:spPr/>
-        <p:txBody>
-          <a:bodyPr/>
-          <a:lstStyle/>
-          <a:p>
-            <a:endParaRPr lang="pt-BR"/>
-          </a:p>
-        </p:txBody>
-      </p:sp>
-      <p:pic>
-        <p:nvPicPr>
-          <p:cNvPr id="5" name="Espaço Reservado para Conteúdo 4">
-            <a:extLst>
-              <a:ext uri="{FF2B5EF4-FFF2-40B4-BE49-F238E27FC236}">
-                <a16:creationId xmlns:a16="http://schemas.microsoft.com/office/drawing/2014/main" id="{30A055F8-D6B5-4D28-B11C-EBB7646C6450}"/>
-              </a:ext>
-            </a:extLst>
-          </p:cNvPr>
-          <p:cNvPicPr>
-            <a:picLocks noGrp="1" noChangeAspect="1"/>
-          </p:cNvPicPr>
-          <p:nvPr>
-            <p:ph idx="1"/>
-          </p:nvPr>
-        </p:nvPicPr>
-        <p:blipFill>
-          <a:blip r:embed="rId2">
-            <a:extLst>
-              <a:ext uri="{28A0092B-C50C-407E-A947-70E740481C1C}">
-                <a14:useLocalDpi xmlns:a14="http://schemas.microsoft.com/office/drawing/2010/main" val="0"/>
-              </a:ext>
-            </a:extLst>
-          </a:blip>
-          <a:stretch>
-            <a:fillRect/>
-          </a:stretch>
-        </p:blipFill>
-        <p:spPr>
-          <a:xfrm>
-            <a:off x="0" y="333112"/>
-            <a:ext cx="12192000" cy="6601088"/>
-          </a:xfrm>
-        </p:spPr>
-      </p:pic>
-    </p:spTree>
-    <p:extLst>
-      <p:ext uri="{BB962C8B-B14F-4D97-AF65-F5344CB8AC3E}">
-        <p14:creationId xmlns:p14="http://schemas.microsoft.com/office/powerpoint/2010/main" val="2104700803"/>
-      </p:ext>
-    </p:extLst>
-  </p:cSld>
-  <p:clrMapOvr>
-    <a:masterClrMapping/>
-  </p:clrMapOvr>
-</p:sld>
-</file>
-
-<file path=ppt/slides/slide2.xml><?xml version="1.0" encoding="utf-8"?>
-<p:sld xmlns:a="http://schemas.openxmlformats.org/drawingml/2006/main" xmlns:r="http://schemas.openxmlformats.org/officeDocument/2006/relationships" xmlns:p="http://schemas.openxmlformats.org/presentationml/2006/main">
-  <p:cSld>
-    <p:spTree>
-      <p:nvGrpSpPr>
-        <p:cNvPr id="1" name=""/>
-        <p:cNvGrpSpPr/>
-        <p:nvPr/>
-      </p:nvGrpSpPr>
-      <p:grpSpPr>
-        <a:xfrm>
-          <a:off x="0" y="0"/>
-          <a:ext cx="0" cy="0"/>
-          <a:chOff x="0" y="0"/>
-          <a:chExt cx="0" cy="0"/>
-        </a:xfrm>
-      </p:grpSpPr>
-      <p:sp>
-        <p:nvSpPr>
-          <p:cNvPr id="2" name="Título 1">
-            <a:extLst>
-              <a:ext uri="{FF2B5EF4-FFF2-40B4-BE49-F238E27FC236}">
-                <a16:creationId xmlns:a16="http://schemas.microsoft.com/office/drawing/2014/main" id="{41A22105-A310-4B0D-B829-3236520A5FFE}"/>
-              </a:ext>
-            </a:extLst>
-          </p:cNvPr>
-          <p:cNvSpPr>
-            <a:spLocks noGrp="1"/>
-          </p:cNvSpPr>
-          <p:nvPr>
-            <p:ph type="title"/>
-          </p:nvPr>
-        </p:nvSpPr>
-        <p:spPr/>
-        <p:txBody>
-          <a:bodyPr/>
-          <a:lstStyle/>
-          <a:p>
-            <a:endParaRPr lang="pt-BR"/>
-          </a:p>
-        </p:txBody>
-      </p:sp>
-      <p:pic>
-        <p:nvPicPr>
-          <p:cNvPr id="7" name="Espaço Reservado para Conteúdo 6">
-            <a:extLst>
-              <a:ext uri="{FF2B5EF4-FFF2-40B4-BE49-F238E27FC236}">
-                <a16:creationId xmlns:a16="http://schemas.microsoft.com/office/drawing/2014/main" id="{878403BA-2989-437D-B616-AE23B30F8689}"/>
-              </a:ext>
-            </a:extLst>
-          </p:cNvPr>
-          <p:cNvPicPr>
-            <a:picLocks noGrp="1" noChangeAspect="1"/>
-          </p:cNvPicPr>
-          <p:nvPr>
-            <p:ph idx="1"/>
-          </p:nvPr>
-        </p:nvPicPr>
-        <p:blipFill>
-          <a:blip r:embed="rId2">
-            <a:extLst>
-              <a:ext uri="{28A0092B-C50C-407E-A947-70E740481C1C}">
-                <a14:useLocalDpi xmlns:a14="http://schemas.microsoft.com/office/drawing/2010/main" val="0"/>
-              </a:ext>
-            </a:extLst>
-          </a:blip>
-          <a:stretch>
-            <a:fillRect/>
-          </a:stretch>
-        </p:blipFill>
-        <p:spPr>
-          <a:xfrm>
-            <a:off x="-142623" y="-522923"/>
-            <a:ext cx="13121640" cy="7380923"/>
-          </a:xfrm>
-        </p:spPr>
-      </p:pic>
-      <p:sp>
-        <p:nvSpPr>
-          <p:cNvPr id="5" name="CaixaDeTexto 4">
-            <a:extLst>
-              <a:ext uri="{FF2B5EF4-FFF2-40B4-BE49-F238E27FC236}">
-                <a16:creationId xmlns:a16="http://schemas.microsoft.com/office/drawing/2014/main" id="{F103F647-F7EC-45DC-8265-E919FF0E12E6}"/>
-              </a:ext>
-            </a:extLst>
-          </p:cNvPr>
-          <p:cNvSpPr txBox="1"/>
-          <p:nvPr/>
-        </p:nvSpPr>
-        <p:spPr>
-          <a:xfrm>
-            <a:off x="6530341" y="1914923"/>
-            <a:ext cx="4823460" cy="2554545"/>
-          </a:xfrm>
-          <a:prstGeom prst="rect">
-            <a:avLst/>
-          </a:prstGeom>
-          <a:noFill/>
-        </p:spPr>
-        <p:txBody>
-          <a:bodyPr wrap="square" rtlCol="0">
-            <a:spAutoFit/>
-          </a:bodyPr>
-          <a:lstStyle/>
-          <a:p>
-            <a:r>
-              <a:rPr lang="pt-BR" sz="4000" dirty="0">
-                <a:solidFill>
-                  <a:srgbClr val="EBDA06"/>
-                </a:solidFill>
-                <a:latin typeface="Arial Rounded MT Bold" panose="020F0704030504030204" pitchFamily="34" charset="0"/>
-                <a:ea typeface="STCaiyun" panose="020B0503020204020204" pitchFamily="2" charset="-122"/>
-              </a:rPr>
-              <a:t>Não muito tempo atrás, em uma galáxia não muito distante...</a:t>
-            </a:r>
-            <a:endParaRPr lang="pt-BR" sz="3200" dirty="0">
-              <a:solidFill>
-                <a:srgbClr val="EBDA06"/>
-              </a:solidFill>
-              <a:latin typeface="Arial Rounded MT Bold" panose="020F0704030504030204" pitchFamily="34" charset="0"/>
-              <a:ea typeface="STCaiyun" panose="020B0503020204020204" pitchFamily="2" charset="-122"/>
-            </a:endParaRPr>
-          </a:p>
-        </p:txBody>
-      </p:sp>
-    </p:spTree>
-    <p:extLst>
-      <p:ext uri="{BB962C8B-B14F-4D97-AF65-F5344CB8AC3E}">
-        <p14:creationId xmlns:p14="http://schemas.microsoft.com/office/powerpoint/2010/main" val="3714189288"/>
-      </p:ext>
-    </p:extLst>
-  </p:cSld>
-  <p:clrMapOvr>
-    <a:masterClrMapping/>
-  </p:clrMapOvr>
-  <p:timing>
-    <p:tnLst>
-      <p:par>
-        <p:cTn id="1" dur="indefinite" restart="never" nodeType="tmRoot">
-          <p:childTnLst>
-            <p:seq concurrent="1" nextAc="seek">
-              <p:cTn id="2" dur="indefinite" nodeType="mainSeq">
-                <p:childTnLst>
-                  <p:par>
-                    <p:cTn id="3" fill="hold">
-                      <p:stCondLst>
-                        <p:cond delay="indefinite"/>
-                        <p:cond evt="onBegin" delay="0">
-                          <p:tn val="2"/>
-                        </p:cond>
-                      </p:stCondLst>
-                      <p:childTnLst>
-                        <p:par>
-                          <p:cTn id="4" fill="hold">
-                            <p:stCondLst>
-                              <p:cond delay="0"/>
-                            </p:stCondLst>
-                            <p:childTnLst>
-                              <p:par>
-                                <p:cTn id="5" presetID="2" presetClass="entr" presetSubtype="4" fill="hold" grpId="0" nodeType="withEffect">
-                                  <p:stCondLst>
-                                    <p:cond delay="0"/>
-                                  </p:stCondLst>
-                                  <p:childTnLst>
-                                    <p:set>
-                                      <p:cBhvr>
-                                        <p:cTn id="6" dur="1" fill="hold">
-                                          <p:stCondLst>
-                                            <p:cond delay="0"/>
-                                          </p:stCondLst>
-                                        </p:cTn>
-                                        <p:tgtEl>
-                                          <p:spTgt spid="5"/>
-                                        </p:tgtEl>
-                                        <p:attrNameLst>
-                                          <p:attrName>style.visibility</p:attrName>
-                                        </p:attrNameLst>
-                                      </p:cBhvr>
-                                      <p:to>
-                                        <p:strVal val="visible"/>
-                                      </p:to>
-                                    </p:set>
-                                    <p:anim calcmode="lin" valueType="num">
-                                      <p:cBhvr additive="base">
-                                        <p:cTn id="7" dur="3750" fill="hold"/>
-                                        <p:tgtEl>
-                                          <p:spTgt spid="5"/>
-                                        </p:tgtEl>
-                                        <p:attrNameLst>
-                                          <p:attrName>ppt_x</p:attrName>
-                                        </p:attrNameLst>
-                                      </p:cBhvr>
-                                      <p:tavLst>
-                                        <p:tav tm="0">
-                                          <p:val>
-                                            <p:strVal val="#ppt_x"/>
-                                          </p:val>
-                                        </p:tav>
-                                        <p:tav tm="100000">
-                                          <p:val>
-                                            <p:strVal val="#ppt_x"/>
-                                          </p:val>
-                                        </p:tav>
-                                      </p:tavLst>
-                                    </p:anim>
-                                    <p:anim calcmode="lin" valueType="num">
-                                      <p:cBhvr additive="base">
-                                        <p:cTn id="8" dur="3750" fill="hold"/>
-                                        <p:tgtEl>
-                                          <p:spTgt spid="5"/>
-                                        </p:tgtEl>
-                                        <p:attrNameLst>
-                                          <p:attrName>ppt_y</p:attrName>
-                                        </p:attrNameLst>
-                                      </p:cBhvr>
-                                      <p:tavLst>
-                                        <p:tav tm="0">
-                                          <p:val>
-                                            <p:strVal val="1+#ppt_h/2"/>
-                                          </p:val>
-                                        </p:tav>
-                                        <p:tav tm="100000">
-                                          <p:val>
-                                            <p:strVal val="#ppt_y"/>
-                                          </p:val>
-                                        </p:tav>
-                                      </p:tavLst>
-                                    </p:anim>
-                                  </p:childTnLst>
-                                </p:cTn>
-                              </p:par>
-                            </p:childTnLst>
-                          </p:cTn>
-                        </p:par>
-                      </p:childTnLst>
-                    </p:cTn>
-                  </p:par>
-                </p:childTnLst>
-              </p:cTn>
-              <p:prevCondLst>
-                <p:cond evt="onPrev" delay="0">
-                  <p:tgtEl>
-                    <p:sldTgt/>
-                  </p:tgtEl>
-                </p:cond>
-              </p:prevCondLst>
-              <p:nextCondLst>
-                <p:cond evt="onNext" delay="0">
-                  <p:tgtEl>
-                    <p:sldTgt/>
-                  </p:tgtEl>
-                </p:cond>
-              </p:nextCondLst>
-            </p:seq>
-          </p:childTnLst>
-        </p:cTn>
-      </p:par>
-    </p:tnLst>
-    <p:bldLst>
-      <p:bldP spid="5" grpId="0"/>
-    </p:bldLst>
-  </p:timing>
-</p:sld>
-</file>
-
-<file path=ppt/slides/slide20.xml><?xml version="1.0" encoding="utf-8"?>
-<p:sld xmlns:a="http://schemas.openxmlformats.org/drawingml/2006/main" xmlns:r="http://schemas.openxmlformats.org/officeDocument/2006/relationships" xmlns:p="http://schemas.openxmlformats.org/presentationml/2006/main">
-  <p:cSld>
-    <p:spTree>
-      <p:nvGrpSpPr>
-        <p:cNvPr id="1" name=""/>
-        <p:cNvGrpSpPr/>
-        <p:nvPr/>
-      </p:nvGrpSpPr>
-      <p:grpSpPr>
-        <a:xfrm>
-          <a:off x="0" y="0"/>
-          <a:ext cx="0" cy="0"/>
-          <a:chOff x="0" y="0"/>
-          <a:chExt cx="0" cy="0"/>
-        </a:xfrm>
-      </p:grpSpPr>
-      <p:pic>
-        <p:nvPicPr>
-          <p:cNvPr id="11" name="Imagem 10">
-            <a:extLst>
-              <a:ext uri="{FF2B5EF4-FFF2-40B4-BE49-F238E27FC236}">
-                <a16:creationId xmlns:a16="http://schemas.microsoft.com/office/drawing/2014/main" id="{05D3473F-572F-49FC-A409-F3B40EA4AD7B}"/>
-              </a:ext>
-            </a:extLst>
-          </p:cNvPr>
-          <p:cNvPicPr>
-            <a:picLocks noChangeAspect="1"/>
-          </p:cNvPicPr>
-          <p:nvPr/>
-        </p:nvPicPr>
-        <p:blipFill>
-          <a:blip r:embed="rId2">
-            <a:extLst>
-              <a:ext uri="{28A0092B-C50C-407E-A947-70E740481C1C}">
-                <a14:useLocalDpi xmlns:a14="http://schemas.microsoft.com/office/drawing/2010/main" val="0"/>
-              </a:ext>
-            </a:extLst>
-          </a:blip>
-          <a:stretch>
-            <a:fillRect/>
-          </a:stretch>
-        </p:blipFill>
-        <p:spPr>
-          <a:xfrm>
-            <a:off x="0" y="-1876"/>
-            <a:ext cx="12192000" cy="6874964"/>
-          </a:xfrm>
-          <a:prstGeom prst="rect">
-            <a:avLst/>
-          </a:prstGeom>
-        </p:spPr>
-      </p:pic>
-      <p:pic>
-        <p:nvPicPr>
-          <p:cNvPr id="13" name="Imagem 12">
-            <a:extLst>
-              <a:ext uri="{FF2B5EF4-FFF2-40B4-BE49-F238E27FC236}">
-                <a16:creationId xmlns:a16="http://schemas.microsoft.com/office/drawing/2014/main" id="{BDB2F508-2445-4F28-B7CB-A25EDAAF8D92}"/>
-              </a:ext>
-            </a:extLst>
-          </p:cNvPr>
-          <p:cNvPicPr>
-            <a:picLocks noChangeAspect="1"/>
-          </p:cNvPicPr>
-          <p:nvPr/>
-        </p:nvPicPr>
-        <p:blipFill>
-          <a:blip r:embed="rId3">
-            <a:extLst>
-              <a:ext uri="{28A0092B-C50C-407E-A947-70E740481C1C}">
-                <a14:useLocalDpi xmlns:a14="http://schemas.microsoft.com/office/drawing/2010/main" val="0"/>
-              </a:ext>
-            </a:extLst>
-          </a:blip>
-          <a:stretch>
-            <a:fillRect/>
-          </a:stretch>
-        </p:blipFill>
-        <p:spPr>
-          <a:xfrm>
-            <a:off x="-5257373" y="940694"/>
-            <a:ext cx="6858000" cy="6858000"/>
-          </a:xfrm>
-          <a:prstGeom prst="rect">
-            <a:avLst/>
-          </a:prstGeom>
-        </p:spPr>
-      </p:pic>
-      <p:sp>
-        <p:nvSpPr>
-          <p:cNvPr id="5" name="CaixaDeTexto 4">
-            <a:extLst>
-              <a:ext uri="{FF2B5EF4-FFF2-40B4-BE49-F238E27FC236}">
-                <a16:creationId xmlns:a16="http://schemas.microsoft.com/office/drawing/2014/main" id="{2F688032-9C9A-4AFA-AA19-CEC11F82B129}"/>
-              </a:ext>
-            </a:extLst>
-          </p:cNvPr>
-          <p:cNvSpPr txBox="1"/>
-          <p:nvPr/>
-        </p:nvSpPr>
-        <p:spPr>
-          <a:xfrm>
-            <a:off x="3149167" y="365125"/>
-            <a:ext cx="9338554" cy="7294305"/>
-          </a:xfrm>
-          <a:prstGeom prst="rect">
-            <a:avLst/>
-          </a:prstGeom>
-          <a:noFill/>
-        </p:spPr>
-        <p:txBody>
-          <a:bodyPr wrap="square" numCol="2" rtlCol="0">
-            <a:spAutoFit/>
-          </a:bodyPr>
-          <a:lstStyle/>
-          <a:p>
-            <a:r>
-              <a:rPr lang="pt-BR" sz="1600" dirty="0">
-                <a:latin typeface="Trajan Pro" panose="02020502050506020301" pitchFamily="18" charset="0"/>
-              </a:rPr>
-              <a:t>BCR_BIO_CON_ROB (</a:t>
-            </a:r>
-            <a:r>
-              <a:rPr lang="pt-BR" sz="1600" b="1" u="sng" dirty="0">
-                <a:solidFill>
-                  <a:srgbClr val="C00000"/>
-                </a:solidFill>
-                <a:latin typeface="Trajan Pro" panose="02020502050506020301" pitchFamily="18" charset="0"/>
-              </a:rPr>
-              <a:t>PER_BIO_ID</a:t>
-            </a:r>
-            <a:r>
-              <a:rPr lang="pt-BR" sz="1600" dirty="0">
-                <a:latin typeface="Trajan Pro" panose="02020502050506020301" pitchFamily="18" charset="0"/>
-              </a:rPr>
-              <a:t>, </a:t>
-            </a:r>
-            <a:r>
-              <a:rPr lang="pt-BR" sz="1600" b="1" u="sng" dirty="0">
-                <a:solidFill>
-                  <a:srgbClr val="C00000"/>
-                </a:solidFill>
-                <a:latin typeface="Trajan Pro" panose="02020502050506020301" pitchFamily="18" charset="0"/>
-              </a:rPr>
-              <a:t>PER_ROB_ID</a:t>
-            </a:r>
-            <a:r>
-              <a:rPr lang="pt-BR" sz="1600" dirty="0">
-                <a:latin typeface="Trajan Pro" panose="02020502050506020301" pitchFamily="18" charset="0"/>
-              </a:rPr>
-              <a:t>) </a:t>
-            </a:r>
-          </a:p>
-          <a:p>
-            <a:pPr marL="285750" indent="-285750">
-              <a:buFont typeface="Arial" panose="020B0604020202020204" pitchFamily="34" charset="0"/>
-              <a:buChar char="•"/>
-            </a:pPr>
-            <a:endParaRPr lang="pt-BR" sz="1600" dirty="0">
-              <a:latin typeface="Trajan Pro" panose="02020502050506020301" pitchFamily="18" charset="0"/>
-            </a:endParaRPr>
-          </a:p>
-          <a:p>
-            <a:r>
-              <a:rPr lang="pt-BR" sz="1600" dirty="0">
-                <a:latin typeface="Trajan Pro" panose="02020502050506020301" pitchFamily="18" charset="0"/>
-              </a:rPr>
-              <a:t>ROB_EQU (</a:t>
-            </a:r>
-            <a:r>
-              <a:rPr lang="pt-BR" sz="1600" b="1" u="sng" dirty="0">
-                <a:solidFill>
-                  <a:srgbClr val="C00000"/>
-                </a:solidFill>
-                <a:latin typeface="Trajan Pro" panose="02020502050506020301" pitchFamily="18" charset="0"/>
-              </a:rPr>
-              <a:t>PER_ROB_ID</a:t>
-            </a:r>
-            <a:r>
-              <a:rPr lang="pt-BR" sz="1600" b="1" dirty="0">
-                <a:latin typeface="Trajan Pro" panose="02020502050506020301" pitchFamily="18" charset="0"/>
-              </a:rPr>
-              <a:t>, </a:t>
-            </a:r>
-            <a:r>
-              <a:rPr lang="pt-BR" sz="1600" b="1" u="sng" dirty="0">
-                <a:solidFill>
-                  <a:srgbClr val="C00000"/>
-                </a:solidFill>
-                <a:latin typeface="Trajan Pro" panose="02020502050506020301" pitchFamily="18" charset="0"/>
-              </a:rPr>
-              <a:t>EQU_NOME</a:t>
-            </a:r>
-            <a:r>
-              <a:rPr lang="pt-BR" sz="1600" dirty="0">
-                <a:latin typeface="Trajan Pro" panose="02020502050506020301" pitchFamily="18" charset="0"/>
-              </a:rPr>
-              <a:t>)</a:t>
-            </a:r>
-          </a:p>
-          <a:p>
-            <a:pPr marL="285750" indent="-285750">
-              <a:buFont typeface="Arial" panose="020B0604020202020204" pitchFamily="34" charset="0"/>
-              <a:buChar char="•"/>
-            </a:pPr>
-            <a:endParaRPr lang="pt-BR" sz="1600" dirty="0">
-              <a:latin typeface="Trajan Pro" panose="02020502050506020301" pitchFamily="18" charset="0"/>
-            </a:endParaRPr>
-          </a:p>
-          <a:p>
-            <a:r>
-              <a:rPr lang="pt-BR" sz="1600" dirty="0">
-                <a:latin typeface="Trajan Pro" panose="02020502050506020301" pitchFamily="18" charset="0"/>
-              </a:rPr>
-              <a:t>TRE_TREINA (</a:t>
-            </a:r>
-            <a:r>
-              <a:rPr lang="pt-BR" sz="1600" b="1" u="sng" dirty="0">
-                <a:solidFill>
-                  <a:srgbClr val="C00000"/>
-                </a:solidFill>
-                <a:latin typeface="Trajan Pro" panose="02020502050506020301" pitchFamily="18" charset="0"/>
-              </a:rPr>
-              <a:t>PER_BIO_TRE_MESTRE_ID</a:t>
-            </a:r>
-            <a:r>
-              <a:rPr lang="pt-BR" sz="1600" dirty="0">
-                <a:solidFill>
-                  <a:srgbClr val="C00000"/>
-                </a:solidFill>
-                <a:latin typeface="Trajan Pro" panose="02020502050506020301" pitchFamily="18" charset="0"/>
-              </a:rPr>
-              <a:t>, </a:t>
-            </a:r>
-            <a:r>
-              <a:rPr lang="pt-BR" sz="1600" b="1" u="sng" dirty="0">
-                <a:solidFill>
-                  <a:srgbClr val="C00000"/>
-                </a:solidFill>
-                <a:latin typeface="Trajan Pro" panose="02020502050506020301" pitchFamily="18" charset="0"/>
-              </a:rPr>
-              <a:t>PER_BIO_TRE_APRENDIZ_ID</a:t>
-            </a:r>
-            <a:r>
-              <a:rPr lang="pt-BR" sz="1600" dirty="0">
-                <a:latin typeface="Trajan Pro" panose="02020502050506020301" pitchFamily="18" charset="0"/>
-              </a:rPr>
-              <a:t>) </a:t>
-            </a:r>
-          </a:p>
-          <a:p>
-            <a:pPr marL="285750" indent="-285750">
-              <a:buFont typeface="Arial" panose="020B0604020202020204" pitchFamily="34" charset="0"/>
-              <a:buChar char="•"/>
-            </a:pPr>
-            <a:endParaRPr lang="pt-BR" sz="1600" dirty="0">
-              <a:latin typeface="Trajan Pro" panose="02020502050506020301" pitchFamily="18" charset="0"/>
-            </a:endParaRPr>
-          </a:p>
-          <a:p>
-            <a:r>
-              <a:rPr lang="pt-BR" sz="1600" dirty="0">
-                <a:latin typeface="Trajan Pro" panose="02020502050506020301" pitchFamily="18" charset="0"/>
-              </a:rPr>
-              <a:t>PRO_PROXIMIDADE (</a:t>
-            </a:r>
-            <a:r>
-              <a:rPr lang="pt-BR" sz="1600" b="1" u="sng" dirty="0">
-                <a:solidFill>
-                  <a:srgbClr val="C00000"/>
-                </a:solidFill>
-                <a:latin typeface="Trajan Pro" panose="02020502050506020301" pitchFamily="18" charset="0"/>
-              </a:rPr>
-              <a:t>PER_PR0_ID</a:t>
-            </a:r>
-            <a:r>
-              <a:rPr lang="pt-BR" sz="1600" b="1" dirty="0">
-                <a:latin typeface="Trajan Pro" panose="02020502050506020301" pitchFamily="18" charset="0"/>
-              </a:rPr>
-              <a:t>, </a:t>
-            </a:r>
-            <a:r>
-              <a:rPr lang="pt-BR" sz="1600" b="1" u="sng" dirty="0">
-                <a:solidFill>
-                  <a:srgbClr val="C00000"/>
-                </a:solidFill>
-                <a:latin typeface="Trajan Pro" panose="02020502050506020301" pitchFamily="18" charset="0"/>
-              </a:rPr>
-              <a:t>PER_PRO2_ID</a:t>
-            </a:r>
-            <a:r>
-              <a:rPr lang="pt-BR" sz="1600" b="1" dirty="0">
-                <a:latin typeface="Trajan Pro" panose="02020502050506020301" pitchFamily="18" charset="0"/>
-              </a:rPr>
-              <a:t>, </a:t>
-            </a:r>
-            <a:r>
-              <a:rPr lang="pt-BR" sz="1600" dirty="0">
-                <a:latin typeface="Trajan Pro" panose="02020502050506020301" pitchFamily="18" charset="0"/>
-              </a:rPr>
-              <a:t>PRO_TIPO_REL) </a:t>
-            </a:r>
-          </a:p>
-          <a:p>
-            <a:pPr marL="285750" indent="-285750">
-              <a:buFont typeface="Arial" panose="020B0604020202020204" pitchFamily="34" charset="0"/>
-              <a:buChar char="•"/>
-            </a:pPr>
-            <a:endParaRPr lang="pt-BR" sz="1600" dirty="0">
-              <a:latin typeface="Trajan Pro" panose="02020502050506020301" pitchFamily="18" charset="0"/>
-            </a:endParaRPr>
-          </a:p>
-          <a:p>
-            <a:r>
-              <a:rPr lang="pt-BR" sz="1600" dirty="0">
-                <a:latin typeface="Trajan Pro" panose="02020502050506020301" pitchFamily="18" charset="0"/>
-              </a:rPr>
-              <a:t>POS_PER_VEI (</a:t>
-            </a:r>
-            <a:r>
-              <a:rPr lang="pt-BR" sz="1600" b="1" u="sng" dirty="0">
-                <a:solidFill>
-                  <a:srgbClr val="C00000"/>
-                </a:solidFill>
-                <a:latin typeface="Trajan Pro" panose="02020502050506020301" pitchFamily="18" charset="0"/>
-              </a:rPr>
-              <a:t>PER_POS_ID</a:t>
-            </a:r>
-            <a:r>
-              <a:rPr lang="pt-BR" sz="1600" b="1" dirty="0">
-                <a:latin typeface="Trajan Pro" panose="02020502050506020301" pitchFamily="18" charset="0"/>
-              </a:rPr>
-              <a:t>, </a:t>
-            </a:r>
-            <a:r>
-              <a:rPr lang="pt-BR" sz="1600" b="1" u="sng" dirty="0">
-                <a:solidFill>
-                  <a:srgbClr val="C00000"/>
-                </a:solidFill>
-                <a:latin typeface="Trajan Pro" panose="02020502050506020301" pitchFamily="18" charset="0"/>
-              </a:rPr>
-              <a:t>PER_VEI_MODELO</a:t>
-            </a:r>
-            <a:r>
-              <a:rPr lang="pt-BR" sz="1600" dirty="0">
-                <a:latin typeface="Trajan Pro" panose="02020502050506020301" pitchFamily="18" charset="0"/>
-              </a:rPr>
-              <a:t>)</a:t>
-            </a:r>
-          </a:p>
-          <a:p>
-            <a:pPr marL="285750" indent="-285750">
-              <a:buFont typeface="Arial" panose="020B0604020202020204" pitchFamily="34" charset="0"/>
-              <a:buChar char="•"/>
-            </a:pPr>
-            <a:endParaRPr lang="pt-BR" sz="1600" dirty="0">
-              <a:latin typeface="Trajan Pro" panose="02020502050506020301" pitchFamily="18" charset="0"/>
-            </a:endParaRPr>
-          </a:p>
-          <a:p>
-            <a:r>
-              <a:rPr lang="pt-BR" sz="1600" dirty="0">
-                <a:latin typeface="Trajan Pro" panose="02020502050506020301" pitchFamily="18" charset="0"/>
-              </a:rPr>
-              <a:t>CON_ARM_VEI (</a:t>
-            </a:r>
-            <a:r>
-              <a:rPr lang="pt-BR" sz="1600" b="1" u="sng" dirty="0">
-                <a:solidFill>
-                  <a:srgbClr val="C00000"/>
-                </a:solidFill>
-                <a:latin typeface="Trajan Pro" panose="02020502050506020301" pitchFamily="18" charset="0"/>
-              </a:rPr>
-              <a:t>VEI_CON_MODELO</a:t>
-            </a:r>
-            <a:r>
-              <a:rPr lang="pt-BR" sz="1600" b="1" dirty="0">
-                <a:latin typeface="Trajan Pro" panose="02020502050506020301" pitchFamily="18" charset="0"/>
-              </a:rPr>
-              <a:t>, </a:t>
-            </a:r>
-            <a:r>
-              <a:rPr lang="pt-BR" sz="1600" b="1" u="sng" dirty="0">
-                <a:solidFill>
-                  <a:srgbClr val="C00000"/>
-                </a:solidFill>
-                <a:latin typeface="Trajan Pro" panose="02020502050506020301" pitchFamily="18" charset="0"/>
-              </a:rPr>
-              <a:t>ARM_CON_NOME</a:t>
-            </a:r>
-            <a:r>
-              <a:rPr lang="pt-BR" sz="1600" dirty="0">
-                <a:latin typeface="Trajan Pro" panose="02020502050506020301" pitchFamily="18" charset="0"/>
-              </a:rPr>
-              <a:t>) </a:t>
-            </a:r>
-          </a:p>
-          <a:p>
-            <a:pPr marL="285750" indent="-285750">
-              <a:buFont typeface="Arial" panose="020B0604020202020204" pitchFamily="34" charset="0"/>
-              <a:buChar char="•"/>
-            </a:pPr>
-            <a:endParaRPr lang="pt-BR" sz="1600" dirty="0">
-              <a:latin typeface="Trajan Pro" panose="02020502050506020301" pitchFamily="18" charset="0"/>
-            </a:endParaRPr>
-          </a:p>
-          <a:p>
-            <a:r>
-              <a:rPr lang="pt-BR" sz="1600" dirty="0">
-                <a:latin typeface="Trajan Pro" panose="02020502050506020301" pitchFamily="18" charset="0"/>
-              </a:rPr>
-              <a:t>TEM_PER_ARM (</a:t>
-            </a:r>
-            <a:r>
-              <a:rPr lang="pt-BR" sz="1600" b="1" u="sng" dirty="0">
-                <a:solidFill>
-                  <a:srgbClr val="C00000"/>
-                </a:solidFill>
-                <a:latin typeface="Trajan Pro" panose="02020502050506020301" pitchFamily="18" charset="0"/>
-              </a:rPr>
-              <a:t>ARM_TEM_NOME</a:t>
-            </a:r>
-            <a:r>
-              <a:rPr lang="pt-BR" sz="1600" b="1" dirty="0">
-                <a:latin typeface="Trajan Pro" panose="02020502050506020301" pitchFamily="18" charset="0"/>
-              </a:rPr>
-              <a:t>, </a:t>
-            </a:r>
-            <a:r>
-              <a:rPr lang="pt-BR" sz="1600" b="1" u="sng" dirty="0">
-                <a:solidFill>
-                  <a:srgbClr val="C00000"/>
-                </a:solidFill>
-                <a:latin typeface="Trajan Pro" panose="02020502050506020301" pitchFamily="18" charset="0"/>
-              </a:rPr>
-              <a:t>PER_TEM_ID</a:t>
-            </a:r>
-            <a:r>
-              <a:rPr lang="pt-BR" sz="1600" dirty="0">
-                <a:latin typeface="Trajan Pro" panose="02020502050506020301" pitchFamily="18" charset="0"/>
-              </a:rPr>
-              <a:t>) </a:t>
-            </a:r>
-          </a:p>
-          <a:p>
-            <a:endParaRPr lang="pt-BR" sz="1600" dirty="0">
-              <a:latin typeface="Trajan Pro" panose="02020502050506020301" pitchFamily="18" charset="0"/>
-            </a:endParaRPr>
-          </a:p>
-          <a:p>
-            <a:endParaRPr lang="pt-BR" sz="1600" dirty="0">
-              <a:latin typeface="Trajan Pro" panose="02020502050506020301" pitchFamily="18" charset="0"/>
-            </a:endParaRPr>
-          </a:p>
-          <a:p>
-            <a:endParaRPr lang="pt-BR" sz="1600" dirty="0">
-              <a:latin typeface="Trajan Pro" panose="02020502050506020301" pitchFamily="18" charset="0"/>
-            </a:endParaRPr>
-          </a:p>
-          <a:p>
-            <a:endParaRPr lang="pt-BR" sz="1600" dirty="0">
-              <a:latin typeface="Trajan Pro" panose="02020502050506020301" pitchFamily="18" charset="0"/>
-            </a:endParaRPr>
-          </a:p>
-          <a:p>
-            <a:endParaRPr lang="pt-BR" sz="1600" dirty="0">
-              <a:latin typeface="Trajan Pro" panose="02020502050506020301" pitchFamily="18" charset="0"/>
-            </a:endParaRPr>
-          </a:p>
-          <a:p>
-            <a:endParaRPr lang="pt-BR" sz="1600" dirty="0">
-              <a:latin typeface="Trajan Pro" panose="02020502050506020301" pitchFamily="18" charset="0"/>
-            </a:endParaRPr>
-          </a:p>
-          <a:p>
-            <a:endParaRPr lang="pt-BR" sz="1600" dirty="0">
-              <a:latin typeface="Trajan Pro" panose="02020502050506020301" pitchFamily="18" charset="0"/>
-            </a:endParaRPr>
-          </a:p>
-          <a:p>
-            <a:endParaRPr lang="pt-BR" sz="1600" dirty="0">
-              <a:latin typeface="Trajan Pro" panose="02020502050506020301" pitchFamily="18" charset="0"/>
-            </a:endParaRPr>
-          </a:p>
-          <a:p>
-            <a:endParaRPr lang="pt-BR" sz="1600" dirty="0">
-              <a:latin typeface="Trajan Pro" panose="02020502050506020301" pitchFamily="18" charset="0"/>
-            </a:endParaRPr>
-          </a:p>
-          <a:p>
-            <a:endParaRPr lang="pt-BR" sz="1600" dirty="0">
-              <a:latin typeface="Trajan Pro" panose="02020502050506020301" pitchFamily="18" charset="0"/>
-            </a:endParaRPr>
-          </a:p>
-          <a:p>
-            <a:r>
-              <a:rPr lang="pt-BR" sz="1600" dirty="0">
-                <a:latin typeface="Trajan Pro" panose="02020502050506020301" pitchFamily="18" charset="0"/>
-              </a:rPr>
-              <a:t>PRO_PRODUZIDA (</a:t>
-            </a:r>
-            <a:r>
-              <a:rPr lang="pt-BR" sz="1600" b="1" u="sng" dirty="0">
-                <a:solidFill>
-                  <a:srgbClr val="C00000"/>
-                </a:solidFill>
-                <a:latin typeface="Trajan Pro" panose="02020502050506020301" pitchFamily="18" charset="0"/>
-              </a:rPr>
-              <a:t>MAT_PRO_NOME</a:t>
-            </a:r>
-            <a:r>
-              <a:rPr lang="pt-BR" sz="1600" b="1" dirty="0">
-                <a:latin typeface="Trajan Pro" panose="02020502050506020301" pitchFamily="18" charset="0"/>
-              </a:rPr>
-              <a:t>, </a:t>
-            </a:r>
-            <a:r>
-              <a:rPr lang="pt-BR" sz="1600" b="1" u="sng" dirty="0">
-                <a:solidFill>
-                  <a:srgbClr val="C00000"/>
-                </a:solidFill>
-                <a:latin typeface="Trajan Pro" panose="02020502050506020301" pitchFamily="18" charset="0"/>
-              </a:rPr>
-              <a:t>ARM_BRA_PRO_NOME</a:t>
-            </a:r>
-            <a:r>
-              <a:rPr lang="pt-BR" sz="1600" dirty="0">
-                <a:latin typeface="Trajan Pro" panose="02020502050506020301" pitchFamily="18" charset="0"/>
-              </a:rPr>
-              <a:t>)</a:t>
-            </a:r>
-          </a:p>
-          <a:p>
-            <a:pPr marL="285750" indent="-285750">
-              <a:buFont typeface="Arial" panose="020B0604020202020204" pitchFamily="34" charset="0"/>
-              <a:buChar char="•"/>
-            </a:pPr>
-            <a:endParaRPr lang="pt-BR" sz="1600" dirty="0">
-              <a:latin typeface="Trajan Pro" panose="02020502050506020301" pitchFamily="18" charset="0"/>
-            </a:endParaRPr>
-          </a:p>
-          <a:p>
-            <a:r>
-              <a:rPr lang="pt-BR" sz="1600" dirty="0">
-                <a:latin typeface="Trajan Pro" panose="02020502050506020301" pitchFamily="18" charset="0"/>
-              </a:rPr>
-              <a:t>MOD_ARM_FOR (</a:t>
-            </a:r>
-            <a:r>
-              <a:rPr lang="pt-BR" sz="1600" b="1" u="sng" dirty="0">
-                <a:solidFill>
-                  <a:srgbClr val="C00000"/>
-                </a:solidFill>
-                <a:latin typeface="Trajan Pro" panose="02020502050506020301" pitchFamily="18" charset="0"/>
-              </a:rPr>
-              <a:t>ARM_MOD_NOME</a:t>
-            </a:r>
-            <a:r>
-              <a:rPr lang="pt-BR" sz="1600" b="1" dirty="0">
-                <a:latin typeface="Trajan Pro" panose="02020502050506020301" pitchFamily="18" charset="0"/>
-              </a:rPr>
-              <a:t>, </a:t>
-            </a:r>
-            <a:r>
-              <a:rPr lang="pt-BR" sz="1600" b="1" u="sng" dirty="0">
-                <a:solidFill>
-                  <a:srgbClr val="C00000"/>
-                </a:solidFill>
-                <a:latin typeface="Trajan Pro" panose="02020502050506020301" pitchFamily="18" charset="0"/>
-              </a:rPr>
-              <a:t>FOR_MOD_MODELO</a:t>
-            </a:r>
-            <a:r>
-              <a:rPr lang="pt-BR" sz="1600" dirty="0">
-                <a:latin typeface="Trajan Pro" panose="02020502050506020301" pitchFamily="18" charset="0"/>
-              </a:rPr>
-              <a:t>) </a:t>
-            </a:r>
-          </a:p>
-          <a:p>
-            <a:pPr marL="285750" indent="-285750">
-              <a:buFont typeface="Arial" panose="020B0604020202020204" pitchFamily="34" charset="0"/>
-              <a:buChar char="•"/>
-            </a:pPr>
-            <a:endParaRPr lang="pt-BR" sz="1600" dirty="0">
-              <a:latin typeface="Trajan Pro" panose="02020502050506020301" pitchFamily="18" charset="0"/>
-            </a:endParaRPr>
-          </a:p>
-          <a:p>
-            <a:r>
-              <a:rPr lang="pt-BR" sz="1600" dirty="0">
-                <a:latin typeface="Trajan Pro" panose="02020502050506020301" pitchFamily="18" charset="0"/>
-              </a:rPr>
-              <a:t>APE_AFI_PER (</a:t>
-            </a:r>
-            <a:r>
-              <a:rPr lang="pt-BR" sz="1600" b="1" u="sng" dirty="0">
-                <a:solidFill>
-                  <a:srgbClr val="C00000"/>
-                </a:solidFill>
-                <a:latin typeface="Trajan Pro" panose="02020502050506020301" pitchFamily="18" charset="0"/>
-              </a:rPr>
-              <a:t>AFI_APE_NOME</a:t>
-            </a:r>
-            <a:r>
-              <a:rPr lang="pt-BR" sz="1600" b="1" dirty="0">
-                <a:latin typeface="Trajan Pro" panose="02020502050506020301" pitchFamily="18" charset="0"/>
-              </a:rPr>
-              <a:t>, </a:t>
-            </a:r>
-            <a:r>
-              <a:rPr lang="pt-BR" sz="1600" b="1" u="sng" dirty="0">
-                <a:solidFill>
-                  <a:srgbClr val="C00000"/>
-                </a:solidFill>
-                <a:latin typeface="Trajan Pro" panose="02020502050506020301" pitchFamily="18" charset="0"/>
-              </a:rPr>
-              <a:t>PER_APE_ID</a:t>
-            </a:r>
-            <a:r>
-              <a:rPr lang="pt-BR" sz="1600" dirty="0">
-                <a:latin typeface="Trajan Pro" panose="02020502050506020301" pitchFamily="18" charset="0"/>
-              </a:rPr>
-              <a:t>)</a:t>
-            </a:r>
-          </a:p>
-          <a:p>
-            <a:pPr marL="285750" indent="-285750">
-              <a:buFont typeface="Arial" panose="020B0604020202020204" pitchFamily="34" charset="0"/>
-              <a:buChar char="•"/>
-            </a:pPr>
-            <a:endParaRPr lang="pt-BR" sz="1600" dirty="0">
-              <a:latin typeface="Trajan Pro" panose="02020502050506020301" pitchFamily="18" charset="0"/>
-            </a:endParaRPr>
-          </a:p>
-          <a:p>
-            <a:r>
-              <a:rPr lang="pt-BR" sz="1600" dirty="0">
-                <a:latin typeface="Trajan Pro" panose="02020502050506020301" pitchFamily="18" charset="0"/>
-              </a:rPr>
-              <a:t>APL_AFI_PLA (</a:t>
-            </a:r>
-            <a:r>
-              <a:rPr lang="pt-BR" sz="1600" b="1" u="sng" dirty="0">
-                <a:solidFill>
-                  <a:srgbClr val="C00000"/>
-                </a:solidFill>
-                <a:latin typeface="Trajan Pro" panose="02020502050506020301" pitchFamily="18" charset="0"/>
-              </a:rPr>
-              <a:t>AFI_APL_NOME</a:t>
-            </a:r>
-            <a:r>
-              <a:rPr lang="pt-BR" sz="1600" b="1" dirty="0">
-                <a:latin typeface="Trajan Pro" panose="02020502050506020301" pitchFamily="18" charset="0"/>
-              </a:rPr>
-              <a:t>, </a:t>
-            </a:r>
-            <a:r>
-              <a:rPr lang="pt-BR" sz="1600" b="1" u="sng" dirty="0">
-                <a:solidFill>
-                  <a:srgbClr val="C00000"/>
-                </a:solidFill>
-                <a:latin typeface="Trajan Pro" panose="02020502050506020301" pitchFamily="18" charset="0"/>
-              </a:rPr>
-              <a:t>PLA_APL_NOME</a:t>
-            </a:r>
-            <a:r>
-              <a:rPr lang="pt-BR" sz="1600" dirty="0">
-                <a:latin typeface="Trajan Pro" panose="02020502050506020301" pitchFamily="18" charset="0"/>
-              </a:rPr>
-              <a:t>) AVE_AFI_VEI (</a:t>
-            </a:r>
-            <a:r>
-              <a:rPr lang="pt-BR" sz="1600" b="1" u="sng" dirty="0">
-                <a:solidFill>
-                  <a:srgbClr val="C00000"/>
-                </a:solidFill>
-                <a:latin typeface="Trajan Pro" panose="02020502050506020301" pitchFamily="18" charset="0"/>
-              </a:rPr>
-              <a:t>AFI_AVE_NOME</a:t>
-            </a:r>
-            <a:r>
-              <a:rPr lang="pt-BR" sz="1600" b="1" dirty="0">
-                <a:latin typeface="Trajan Pro" panose="02020502050506020301" pitchFamily="18" charset="0"/>
-              </a:rPr>
-              <a:t>, </a:t>
-            </a:r>
-            <a:r>
-              <a:rPr lang="pt-BR" sz="1600" b="1" u="sng" dirty="0">
-                <a:solidFill>
-                  <a:srgbClr val="C00000"/>
-                </a:solidFill>
-                <a:latin typeface="Trajan Pro" panose="02020502050506020301" pitchFamily="18" charset="0"/>
-              </a:rPr>
-              <a:t>VEI_AVE_MODELO</a:t>
-            </a:r>
-            <a:r>
-              <a:rPr lang="pt-BR" sz="1600" dirty="0">
-                <a:latin typeface="Trajan Pro" panose="02020502050506020301" pitchFamily="18" charset="0"/>
-              </a:rPr>
-              <a:t>) </a:t>
-            </a:r>
-          </a:p>
-          <a:p>
-            <a:pPr marL="285750" indent="-285750">
-              <a:buFont typeface="Arial" panose="020B0604020202020204" pitchFamily="34" charset="0"/>
-              <a:buChar char="•"/>
-            </a:pPr>
-            <a:endParaRPr lang="pt-BR" sz="1600" dirty="0">
-              <a:latin typeface="Trajan Pro" panose="02020502050506020301" pitchFamily="18" charset="0"/>
-            </a:endParaRPr>
-          </a:p>
-          <a:p>
-            <a:r>
-              <a:rPr lang="pt-BR" sz="1600" dirty="0">
-                <a:latin typeface="Trajan Pro" panose="02020502050506020301" pitchFamily="18" charset="0"/>
-              </a:rPr>
-              <a:t>AAR_AFI_ARM (</a:t>
-            </a:r>
-            <a:r>
-              <a:rPr lang="pt-BR" sz="1600" b="1" u="sng" dirty="0">
-                <a:solidFill>
-                  <a:srgbClr val="C00000"/>
-                </a:solidFill>
-                <a:latin typeface="Trajan Pro" panose="02020502050506020301" pitchFamily="18" charset="0"/>
-              </a:rPr>
-              <a:t>AFI_AAR</a:t>
-            </a:r>
-            <a:r>
-              <a:rPr lang="pt-BR" b="1" u="sng" dirty="0">
-                <a:solidFill>
-                  <a:srgbClr val="C00000"/>
-                </a:solidFill>
-                <a:latin typeface="Trajan Pro" panose="02020502050506020301" pitchFamily="18" charset="0"/>
-              </a:rPr>
-              <a:t>_NOME</a:t>
-            </a:r>
-            <a:r>
-              <a:rPr lang="pt-BR" b="1" dirty="0">
-                <a:latin typeface="Trajan Pro" panose="02020502050506020301" pitchFamily="18" charset="0"/>
-              </a:rPr>
-              <a:t>, </a:t>
-            </a:r>
-            <a:r>
-              <a:rPr lang="pt-BR" b="1" u="sng" dirty="0">
-                <a:solidFill>
-                  <a:srgbClr val="C00000"/>
-                </a:solidFill>
-                <a:latin typeface="Trajan Pro" panose="02020502050506020301" pitchFamily="18" charset="0"/>
-              </a:rPr>
-              <a:t>ARM_AAR_NOME</a:t>
-            </a:r>
-            <a:r>
-              <a:rPr lang="pt-BR" dirty="0">
-                <a:latin typeface="Trajan Pro" panose="02020502050506020301" pitchFamily="18" charset="0"/>
-              </a:rPr>
-              <a:t>)</a:t>
-            </a:r>
-          </a:p>
-          <a:p>
-            <a:endParaRPr lang="pt-BR" dirty="0"/>
-          </a:p>
-        </p:txBody>
-      </p:sp>
-      <p:sp>
-        <p:nvSpPr>
-          <p:cNvPr id="8" name="CaixaDeTexto 7">
-            <a:extLst>
-              <a:ext uri="{FF2B5EF4-FFF2-40B4-BE49-F238E27FC236}">
-                <a16:creationId xmlns:a16="http://schemas.microsoft.com/office/drawing/2014/main" id="{26E59EB2-0A3B-409E-9967-E6CFE36F4362}"/>
-              </a:ext>
-            </a:extLst>
-          </p:cNvPr>
-          <p:cNvSpPr txBox="1"/>
-          <p:nvPr/>
-        </p:nvSpPr>
-        <p:spPr>
-          <a:xfrm>
-            <a:off x="153172" y="7490"/>
-            <a:ext cx="1813510" cy="800219"/>
-          </a:xfrm>
-          <a:prstGeom prst="rect">
-            <a:avLst/>
-          </a:prstGeom>
-          <a:noFill/>
-        </p:spPr>
-        <p:txBody>
-          <a:bodyPr wrap="none" rtlCol="0">
-            <a:spAutoFit/>
-          </a:bodyPr>
-          <a:lstStyle/>
-          <a:p>
-            <a:r>
-              <a:rPr lang="pt-BR" sz="1400" dirty="0">
-                <a:solidFill>
-                  <a:srgbClr val="FF0000"/>
-                </a:solidFill>
-              </a:rPr>
-              <a:t>Vermelho</a:t>
-            </a:r>
-            <a:r>
-              <a:rPr lang="pt-BR" sz="1400" dirty="0"/>
-              <a:t>: Foreign </a:t>
-            </a:r>
-            <a:r>
-              <a:rPr lang="pt-BR" sz="1400" dirty="0" err="1"/>
-              <a:t>key</a:t>
-            </a:r>
-            <a:endParaRPr lang="pt-BR" sz="1400" dirty="0"/>
-          </a:p>
-          <a:p>
-            <a:r>
-              <a:rPr lang="pt-BR" sz="1400" b="1" dirty="0"/>
-              <a:t>Negrito: </a:t>
-            </a:r>
-            <a:r>
-              <a:rPr lang="pt-BR" sz="1400" dirty="0"/>
-              <a:t>Primary </a:t>
-            </a:r>
-            <a:r>
-              <a:rPr lang="pt-BR" sz="1400" dirty="0" err="1"/>
-              <a:t>key</a:t>
-            </a:r>
-            <a:endParaRPr lang="pt-BR" sz="1400" dirty="0"/>
-          </a:p>
-          <a:p>
-            <a:endParaRPr lang="pt-BR" dirty="0"/>
-          </a:p>
-        </p:txBody>
-      </p:sp>
-    </p:spTree>
-    <p:extLst>
-      <p:ext uri="{BB962C8B-B14F-4D97-AF65-F5344CB8AC3E}">
-        <p14:creationId xmlns:p14="http://schemas.microsoft.com/office/powerpoint/2010/main" val="3014933844"/>
-      </p:ext>
-    </p:extLst>
-  </p:cSld>
-  <p:clrMapOvr>
-    <a:masterClrMapping/>
-  </p:clrMapOvr>
-  <p:timing>
-    <p:tnLst>
-      <p:par>
-        <p:cTn id="1" dur="indefinite" restart="never" nodeType="tmRoot">
-          <p:childTnLst>
-            <p:seq concurrent="1" nextAc="seek">
-              <p:cTn id="2" dur="indefinite" nodeType="mainSeq">
-                <p:childTnLst>
-                  <p:par>
-                    <p:cTn id="3" fill="hold">
-                      <p:stCondLst>
-                        <p:cond delay="indefinite"/>
-                        <p:cond evt="onBegin" delay="0">
-                          <p:tn val="2"/>
-                        </p:cond>
-                      </p:stCondLst>
-                      <p:childTnLst>
-                        <p:par>
-                          <p:cTn id="4" fill="hold">
-                            <p:stCondLst>
-                              <p:cond delay="0"/>
-                            </p:stCondLst>
-                            <p:childTnLst>
-                              <p:par>
-                                <p:cTn id="5" presetID="22" presetClass="entr" presetSubtype="1" fill="hold" grpId="0" nodeType="withEffect">
-                                  <p:stCondLst>
-                                    <p:cond delay="0"/>
-                                  </p:stCondLst>
-                                  <p:childTnLst>
-                                    <p:set>
-                                      <p:cBhvr>
-                                        <p:cTn id="6" dur="1" fill="hold">
-                                          <p:stCondLst>
-                                            <p:cond delay="0"/>
-                                          </p:stCondLst>
-                                        </p:cTn>
-                                        <p:tgtEl>
-                                          <p:spTgt spid="5"/>
-                                        </p:tgtEl>
-                                        <p:attrNameLst>
-                                          <p:attrName>style.visibility</p:attrName>
-                                        </p:attrNameLst>
-                                      </p:cBhvr>
-                                      <p:to>
-                                        <p:strVal val="visible"/>
-                                      </p:to>
-                                    </p:set>
-                                    <p:animEffect transition="in" filter="wipe(up)">
-                                      <p:cBhvr>
-                                        <p:cTn id="7" dur="2250"/>
-                                        <p:tgtEl>
-                                          <p:spTgt spid="5"/>
-                                        </p:tgtEl>
-                                      </p:cBhvr>
-                                    </p:animEffect>
-                                  </p:childTnLst>
-                                </p:cTn>
-                              </p:par>
-                              <p:par>
-                                <p:cTn id="8" presetID="22" presetClass="entr" presetSubtype="1" fill="hold" grpId="0" nodeType="withEffect">
-                                  <p:stCondLst>
-                                    <p:cond delay="0"/>
-                                  </p:stCondLst>
-                                  <p:childTnLst>
-                                    <p:set>
-                                      <p:cBhvr>
-                                        <p:cTn id="9" dur="1" fill="hold">
-                                          <p:stCondLst>
-                                            <p:cond delay="0"/>
-                                          </p:stCondLst>
-                                        </p:cTn>
-                                        <p:tgtEl>
-                                          <p:spTgt spid="8"/>
-                                        </p:tgtEl>
-                                        <p:attrNameLst>
-                                          <p:attrName>style.visibility</p:attrName>
-                                        </p:attrNameLst>
-                                      </p:cBhvr>
-                                      <p:to>
-                                        <p:strVal val="visible"/>
-                                      </p:to>
-                                    </p:set>
-                                    <p:animEffect transition="in" filter="wipe(up)">
-                                      <p:cBhvr>
-                                        <p:cTn id="10" dur="2250"/>
-                                        <p:tgtEl>
-                                          <p:spTgt spid="8"/>
-                                        </p:tgtEl>
-                                      </p:cBhvr>
-                                    </p:animEffect>
-                                  </p:childTnLst>
-                                </p:cTn>
-                              </p:par>
-                              <p:par>
-                                <p:cTn id="11" presetID="42" presetClass="path" presetSubtype="0" accel="50000" decel="50000" fill="hold" nodeType="withEffect">
-                                  <p:stCondLst>
-                                    <p:cond delay="0"/>
-                                  </p:stCondLst>
-                                  <p:childTnLst>
-                                    <p:animMotion origin="layout" path="M -2.77556E-17 1.48148E-6 L 0.30195 -0.01111 " pathEditMode="relative" rAng="0" ptsTypes="AA">
-                                      <p:cBhvr>
-                                        <p:cTn id="12" dur="3000" fill="hold"/>
-                                        <p:tgtEl>
-                                          <p:spTgt spid="13"/>
-                                        </p:tgtEl>
-                                        <p:attrNameLst>
-                                          <p:attrName>ppt_x</p:attrName>
-                                          <p:attrName>ppt_y</p:attrName>
-                                        </p:attrNameLst>
-                                      </p:cBhvr>
-                                      <p:rCtr x="15091" y="-556"/>
-                                    </p:animMotion>
-                                  </p:childTnLst>
-                                </p:cTn>
-                              </p:par>
-                            </p:childTnLst>
-                          </p:cTn>
-                        </p:par>
-                      </p:childTnLst>
-                    </p:cTn>
-                  </p:par>
-                </p:childTnLst>
-              </p:cTn>
-              <p:prevCondLst>
-                <p:cond evt="onPrev" delay="0">
-                  <p:tgtEl>
-                    <p:sldTgt/>
-                  </p:tgtEl>
-                </p:cond>
-              </p:prevCondLst>
-              <p:nextCondLst>
-                <p:cond evt="onNext" delay="0">
-                  <p:tgtEl>
-                    <p:sldTgt/>
-                  </p:tgtEl>
-                </p:cond>
-              </p:nextCondLst>
-            </p:seq>
-          </p:childTnLst>
-        </p:cTn>
-      </p:par>
-    </p:tnLst>
-    <p:bldLst>
-      <p:bldP spid="5" grpId="0"/>
-      <p:bldP spid="8" grpId="0"/>
-    </p:bldLst>
-  </p:timing>
-</p:sld>
-</file>
-
-<file path=ppt/slides/slide21.xml><?xml version="1.0" encoding="utf-8"?>
-<p:sld xmlns:a="http://schemas.openxmlformats.org/drawingml/2006/main" xmlns:r="http://schemas.openxmlformats.org/officeDocument/2006/relationships" xmlns:p="http://schemas.openxmlformats.org/presentationml/2006/main">
-  <p:cSld>
-    <p:spTree>
-      <p:nvGrpSpPr>
-        <p:cNvPr id="1" name=""/>
-        <p:cNvGrpSpPr/>
-        <p:nvPr/>
-      </p:nvGrpSpPr>
-      <p:grpSpPr>
-        <a:xfrm>
-          <a:off x="0" y="0"/>
-          <a:ext cx="0" cy="0"/>
-          <a:chOff x="0" y="0"/>
-          <a:chExt cx="0" cy="0"/>
-        </a:xfrm>
-      </p:grpSpPr>
-      <p:pic>
-        <p:nvPicPr>
-          <p:cNvPr id="8" name="Imagem 7">
-            <a:extLst>
-              <a:ext uri="{FF2B5EF4-FFF2-40B4-BE49-F238E27FC236}">
-                <a16:creationId xmlns:a16="http://schemas.microsoft.com/office/drawing/2014/main" id="{BE900A1E-1A83-47A0-9846-800283B63DAC}"/>
-              </a:ext>
-            </a:extLst>
-          </p:cNvPr>
-          <p:cNvPicPr>
-            <a:picLocks noChangeAspect="1"/>
-          </p:cNvPicPr>
-          <p:nvPr/>
-        </p:nvPicPr>
-        <p:blipFill>
-          <a:blip r:embed="rId2">
-            <a:extLst>
-              <a:ext uri="{28A0092B-C50C-407E-A947-70E740481C1C}">
-                <a14:useLocalDpi xmlns:a14="http://schemas.microsoft.com/office/drawing/2010/main" val="0"/>
-              </a:ext>
-            </a:extLst>
-          </a:blip>
-          <a:stretch>
-            <a:fillRect/>
-          </a:stretch>
-        </p:blipFill>
-        <p:spPr>
-          <a:xfrm>
-            <a:off x="0" y="-6841"/>
-            <a:ext cx="12179864" cy="6864841"/>
-          </a:xfrm>
-          <a:prstGeom prst="rect">
-            <a:avLst/>
-          </a:prstGeom>
-        </p:spPr>
-      </p:pic>
-      <p:sp>
-        <p:nvSpPr>
-          <p:cNvPr id="6" name="CaixaDeTexto 5">
-            <a:extLst>
-              <a:ext uri="{FF2B5EF4-FFF2-40B4-BE49-F238E27FC236}">
-                <a16:creationId xmlns:a16="http://schemas.microsoft.com/office/drawing/2014/main" id="{4A07AF52-7599-4C67-9E0D-441B0A263FC7}"/>
-              </a:ext>
-            </a:extLst>
-          </p:cNvPr>
-          <p:cNvSpPr txBox="1"/>
-          <p:nvPr/>
-        </p:nvSpPr>
-        <p:spPr>
-          <a:xfrm>
-            <a:off x="2422358" y="0"/>
-            <a:ext cx="9609223" cy="6401753"/>
-          </a:xfrm>
-          <a:prstGeom prst="rect">
-            <a:avLst/>
-          </a:prstGeom>
-          <a:noFill/>
-        </p:spPr>
-        <p:txBody>
-          <a:bodyPr wrap="square" rtlCol="0">
-            <a:spAutoFit/>
-          </a:bodyPr>
-          <a:lstStyle/>
-          <a:p>
-            <a:pPr marL="285750" indent="-285750" fontAlgn="ctr">
-              <a:buFont typeface="Arial" panose="020B0604020202020204" pitchFamily="34" charset="0"/>
-              <a:buChar char="•"/>
-            </a:pPr>
-            <a:r>
-              <a:rPr lang="pt-BR" sz="2800" dirty="0"/>
-              <a:t>Para os personagens devemos armazenar: ID, nome, lado da força e bordão</a:t>
-            </a:r>
-          </a:p>
-          <a:p>
-            <a:pPr marL="285750" indent="-285750" fontAlgn="ctr">
-              <a:buFont typeface="Arial" panose="020B0604020202020204" pitchFamily="34" charset="0"/>
-              <a:buChar char="•"/>
-            </a:pPr>
-            <a:r>
-              <a:rPr lang="pt-BR" sz="2800" dirty="0"/>
-              <a:t>Os personagens são divididos em dois grupos: biológicos e robóticos</a:t>
-            </a:r>
-          </a:p>
-          <a:p>
-            <a:pPr marL="285750" indent="-285750" fontAlgn="ctr">
-              <a:buFont typeface="Arial" panose="020B0604020202020204" pitchFamily="34" charset="0"/>
-              <a:buChar char="•"/>
-            </a:pPr>
-            <a:r>
-              <a:rPr lang="pt-BR" sz="2800" dirty="0"/>
-              <a:t>Personagens biológicos possuem: cor do cabelo, morte, raça, gênero, cor da pele, ocupação e cor dos olhos.</a:t>
-            </a:r>
-          </a:p>
-          <a:p>
-            <a:pPr marL="285750" indent="-285750" fontAlgn="ctr">
-              <a:buFont typeface="Arial" panose="020B0604020202020204" pitchFamily="34" charset="0"/>
-              <a:buChar char="•"/>
-            </a:pPr>
-            <a:r>
-              <a:rPr lang="pt-BR" sz="2800" dirty="0"/>
-              <a:t>Personagens robóticos possuem modelo, classe, serie e cor da lataria.</a:t>
-            </a:r>
-          </a:p>
-          <a:p>
-            <a:pPr marL="285750" indent="-285750" fontAlgn="ctr">
-              <a:buFont typeface="Arial" panose="020B0604020202020204" pitchFamily="34" charset="0"/>
-              <a:buChar char="•"/>
-            </a:pPr>
-            <a:r>
-              <a:rPr lang="pt-BR" sz="2800" dirty="0"/>
-              <a:t>Personagens biológicos podem criar robôs</a:t>
-            </a:r>
-          </a:p>
-          <a:p>
-            <a:pPr marL="285750" indent="-285750" fontAlgn="ctr">
-              <a:buFont typeface="Arial" panose="020B0604020202020204" pitchFamily="34" charset="0"/>
-              <a:buChar char="•"/>
-            </a:pPr>
-            <a:r>
-              <a:rPr lang="pt-BR" sz="2800" dirty="0"/>
-              <a:t>Personagens podem se relacionar com outros personagens.</a:t>
-            </a:r>
-          </a:p>
-          <a:p>
-            <a:pPr marL="285750" indent="-285750" fontAlgn="ctr">
-              <a:buFont typeface="Arial" panose="020B0604020202020204" pitchFamily="34" charset="0"/>
-              <a:buChar char="•"/>
-            </a:pPr>
-            <a:r>
-              <a:rPr lang="pt-BR" sz="2800" dirty="0"/>
-              <a:t>Os personagens robóticos podem possuir um ou mais equipamentos, que possuem nome e id.</a:t>
-            </a:r>
-          </a:p>
-          <a:p>
-            <a:pPr marL="285750" indent="-285750" fontAlgn="ctr">
-              <a:buFont typeface="Arial" panose="020B0604020202020204" pitchFamily="34" charset="0"/>
-              <a:buChar char="•"/>
-            </a:pPr>
-            <a:r>
-              <a:rPr lang="pt-BR" sz="2800" dirty="0"/>
-              <a:t>Todo personagem pertence a um lado da força, podendo mudar de lado quando quiser</a:t>
-            </a:r>
-          </a:p>
-          <a:p>
-            <a:pPr fontAlgn="ctr"/>
-            <a:endParaRPr lang="pt-BR" dirty="0"/>
-          </a:p>
-        </p:txBody>
-      </p:sp>
-      <p:pic>
-        <p:nvPicPr>
-          <p:cNvPr id="5" name="Imagem 4">
-            <a:extLst>
-              <a:ext uri="{FF2B5EF4-FFF2-40B4-BE49-F238E27FC236}">
-                <a16:creationId xmlns:a16="http://schemas.microsoft.com/office/drawing/2014/main" id="{1C91DF97-AFDB-41D6-8349-A4061088336A}"/>
-              </a:ext>
-            </a:extLst>
-          </p:cNvPr>
-          <p:cNvPicPr>
-            <a:picLocks noChangeAspect="1"/>
-          </p:cNvPicPr>
-          <p:nvPr/>
-        </p:nvPicPr>
-        <p:blipFill>
-          <a:blip r:embed="rId3">
-            <a:extLst>
-              <a:ext uri="{28A0092B-C50C-407E-A947-70E740481C1C}">
-                <a14:useLocalDpi xmlns:a14="http://schemas.microsoft.com/office/drawing/2010/main" val="0"/>
-              </a:ext>
-            </a:extLst>
-          </a:blip>
-          <a:stretch>
-            <a:fillRect/>
-          </a:stretch>
-        </p:blipFill>
-        <p:spPr>
-          <a:xfrm>
-            <a:off x="-5003403" y="3191028"/>
-            <a:ext cx="3666972" cy="3666972"/>
-          </a:xfrm>
-          <a:prstGeom prst="rect">
-            <a:avLst/>
-          </a:prstGeom>
-        </p:spPr>
-      </p:pic>
-    </p:spTree>
-    <p:extLst>
-      <p:ext uri="{BB962C8B-B14F-4D97-AF65-F5344CB8AC3E}">
-        <p14:creationId xmlns:p14="http://schemas.microsoft.com/office/powerpoint/2010/main" val="215319696"/>
-      </p:ext>
-    </p:extLst>
-  </p:cSld>
-  <p:clrMapOvr>
-    <a:masterClrMapping/>
-  </p:clrMapOvr>
-  <p:timing>
-    <p:tnLst>
-      <p:par>
-        <p:cTn id="1" dur="indefinite" restart="never" nodeType="tmRoot">
-          <p:childTnLst>
-            <p:seq concurrent="1" nextAc="seek">
-              <p:cTn id="2" dur="indefinite" nodeType="mainSeq">
-                <p:childTnLst>
-                  <p:par>
-                    <p:cTn id="3" fill="hold">
-                      <p:stCondLst>
-                        <p:cond delay="indefinite"/>
-                        <p:cond evt="onBegin" delay="0">
-                          <p:tn val="2"/>
-                        </p:cond>
-                      </p:stCondLst>
-                      <p:childTnLst>
-                        <p:par>
-                          <p:cTn id="4" fill="hold">
-                            <p:stCondLst>
-                              <p:cond delay="0"/>
-                            </p:stCondLst>
-                            <p:childTnLst>
-                              <p:par>
-                                <p:cTn id="5" presetID="22" presetClass="entr" presetSubtype="1" fill="hold" grpId="0" nodeType="withEffect">
-                                  <p:stCondLst>
-                                    <p:cond delay="0"/>
-                                  </p:stCondLst>
-                                  <p:childTnLst>
-                                    <p:set>
-                                      <p:cBhvr>
-                                        <p:cTn id="6" dur="1" fill="hold">
-                                          <p:stCondLst>
-                                            <p:cond delay="0"/>
-                                          </p:stCondLst>
-                                        </p:cTn>
-                                        <p:tgtEl>
-                                          <p:spTgt spid="6"/>
-                                        </p:tgtEl>
-                                        <p:attrNameLst>
-                                          <p:attrName>style.visibility</p:attrName>
-                                        </p:attrNameLst>
-                                      </p:cBhvr>
-                                      <p:to>
-                                        <p:strVal val="visible"/>
-                                      </p:to>
-                                    </p:set>
-                                    <p:animEffect transition="in" filter="wipe(up)">
-                                      <p:cBhvr>
-                                        <p:cTn id="7" dur="1500"/>
-                                        <p:tgtEl>
-                                          <p:spTgt spid="6"/>
-                                        </p:tgtEl>
-                                      </p:cBhvr>
-                                    </p:animEffect>
-                                  </p:childTnLst>
-                                </p:cTn>
-                              </p:par>
-                              <p:par>
-                                <p:cTn id="8" presetID="42" presetClass="path" presetSubtype="0" accel="50000" decel="50000" fill="hold" nodeType="withEffect">
-                                  <p:stCondLst>
-                                    <p:cond delay="0"/>
-                                  </p:stCondLst>
-                                  <p:childTnLst>
-                                    <p:animMotion origin="layout" path="M 0.16198 -0.00093 L 0.48112 -0.03171 " pathEditMode="relative" rAng="0" ptsTypes="AA">
-                                      <p:cBhvr>
-                                        <p:cTn id="9" dur="5000" fill="hold"/>
-                                        <p:tgtEl>
-                                          <p:spTgt spid="5"/>
-                                        </p:tgtEl>
-                                        <p:attrNameLst>
-                                          <p:attrName>ppt_x</p:attrName>
-                                          <p:attrName>ppt_y</p:attrName>
-                                        </p:attrNameLst>
-                                      </p:cBhvr>
-                                      <p:rCtr x="15951" y="-1551"/>
-                                    </p:animMotion>
-                                  </p:childTnLst>
-                                </p:cTn>
-                              </p:par>
-                            </p:childTnLst>
-                          </p:cTn>
-                        </p:par>
-                      </p:childTnLst>
-                    </p:cTn>
-                  </p:par>
-                </p:childTnLst>
-              </p:cTn>
-              <p:prevCondLst>
-                <p:cond evt="onPrev" delay="0">
-                  <p:tgtEl>
-                    <p:sldTgt/>
-                  </p:tgtEl>
-                </p:cond>
-              </p:prevCondLst>
-              <p:nextCondLst>
-                <p:cond evt="onNext" delay="0">
-                  <p:tgtEl>
-                    <p:sldTgt/>
-                  </p:tgtEl>
-                </p:cond>
-              </p:nextCondLst>
-            </p:seq>
-          </p:childTnLst>
-        </p:cTn>
-      </p:par>
-    </p:tnLst>
-    <p:bldLst>
-      <p:bldP spid="6" grpId="0"/>
-    </p:bldLst>
-  </p:timing>
-</p:sld>
-</file>
-
 <file path=ppt/slides/slide3.xml><?xml version="1.0" encoding="utf-8"?>
 <p:sld xmlns:a="http://schemas.openxmlformats.org/drawingml/2006/main" xmlns:r="http://schemas.openxmlformats.org/officeDocument/2006/relationships" xmlns:p="http://schemas.openxmlformats.org/presentationml/2006/main">
   <p:cSld>
@@ -8898,8 +9837,8 @@
         </p:nvSpPr>
         <p:spPr>
           <a:xfrm>
-            <a:off x="3833028" y="1306574"/>
-            <a:ext cx="4220403" cy="1015663"/>
+            <a:off x="3116272" y="1288286"/>
+            <a:ext cx="5959455" cy="1015663"/>
           </a:xfrm>
           <a:prstGeom prst="rect">
             <a:avLst/>
@@ -8935,8 +9874,8 @@
         </p:nvSpPr>
         <p:spPr>
           <a:xfrm>
-            <a:off x="4889381" y="2539924"/>
-            <a:ext cx="1559322" cy="461665"/>
+            <a:off x="4889380" y="2539924"/>
+            <a:ext cx="2700139" cy="461665"/>
           </a:xfrm>
           <a:prstGeom prst="rect">
             <a:avLst/>
@@ -9270,7 +10209,7 @@
         </p:nvSpPr>
         <p:spPr>
           <a:xfrm>
-            <a:off x="977497" y="1318704"/>
+            <a:off x="1794319" y="1295225"/>
             <a:ext cx="9190170" cy="3108543"/>
           </a:xfrm>
           <a:prstGeom prst="rect">
@@ -9285,100 +10224,58 @@
           <a:lstStyle/>
           <a:p>
             <a:r>
-              <a:rPr lang="pt-BR" sz="2800" b="1" dirty="0">
-                <a:latin typeface="Trajan Pro" panose="02020502050506020301"/>
+              <a:rPr lang="pt-BR" sz="2800" dirty="0">
+                <a:latin typeface="+mj-lt"/>
               </a:rPr>
-              <a:t>I   </a:t>
+              <a:t>Objetivo</a:t>
             </a:r>
+          </a:p>
+          <a:p>
             <a:r>
               <a:rPr lang="pt-BR" sz="2800" dirty="0">
-                <a:latin typeface="Trajan Pro" panose="02020502050506020301"/>
-              </a:rPr>
-              <a:t> Objetivo</a:t>
-            </a:r>
-          </a:p>
-          <a:p>
-            <a:r>
-              <a:rPr lang="pt-BR" sz="2800" b="1" dirty="0">
-                <a:latin typeface="Trajan Pro" panose="02020502050506020301"/>
-              </a:rPr>
-              <a:t>II   </a:t>
-            </a:r>
-            <a:r>
-              <a:rPr lang="pt-BR" sz="2800" dirty="0">
-                <a:latin typeface="Trajan Pro" panose="02020502050506020301"/>
+                <a:latin typeface="+mj-lt"/>
               </a:rPr>
               <a:t>Requisitos e regras de negócio</a:t>
             </a:r>
           </a:p>
           <a:p>
             <a:r>
-              <a:rPr lang="pt-BR" sz="2800" b="1" dirty="0">
-                <a:latin typeface="Trajan Pro" panose="02020502050506020301"/>
+              <a:rPr lang="pt-BR" sz="2800" dirty="0">
+                <a:latin typeface="+mj-lt"/>
               </a:rPr>
-              <a:t>III </a:t>
+              <a:t>Modelo conceitual</a:t>
             </a:r>
+          </a:p>
+          <a:p>
             <a:r>
               <a:rPr lang="pt-BR" sz="2800" dirty="0">
-                <a:latin typeface="Trajan Pro" panose="02020502050506020301"/>
-              </a:rPr>
-              <a:t> Modelo conceitual</a:t>
-            </a:r>
-          </a:p>
-          <a:p>
-            <a:r>
-              <a:rPr lang="pt-BR" sz="2800" b="1" dirty="0">
-                <a:latin typeface="Trajan Pro" panose="02020502050506020301"/>
-              </a:rPr>
-              <a:t>IV  </a:t>
-            </a:r>
-            <a:r>
-              <a:rPr lang="pt-BR" sz="2800" dirty="0">
-                <a:latin typeface="Trajan Pro" panose="02020502050506020301"/>
+                <a:latin typeface="+mj-lt"/>
               </a:rPr>
               <a:t>Modelo lógico</a:t>
             </a:r>
           </a:p>
           <a:p>
             <a:r>
-              <a:rPr lang="pt-BR" sz="2800" b="1" dirty="0">
-                <a:latin typeface="Trajan Pro" panose="02020502050506020301"/>
-              </a:rPr>
-              <a:t>V   </a:t>
-            </a:r>
-            <a:r>
               <a:rPr lang="pt-BR" sz="2800" dirty="0">
-                <a:latin typeface="Trajan Pro" panose="02020502050506020301"/>
+                <a:latin typeface="+mj-lt"/>
               </a:rPr>
               <a:t>Consultas</a:t>
             </a:r>
           </a:p>
           <a:p>
             <a:r>
-              <a:rPr lang="pt-BR" sz="2800" b="1" dirty="0">
-                <a:latin typeface="Trajan Pro" panose="02020502050506020301"/>
+              <a:rPr lang="pt-BR" sz="2800" dirty="0">
+                <a:latin typeface="+mj-lt"/>
               </a:rPr>
-              <a:t>VI </a:t>
+              <a:t>Trigger</a:t>
             </a:r>
+          </a:p>
+          <a:p>
             <a:r>
               <a:rPr lang="pt-BR" sz="2800" dirty="0">
-                <a:latin typeface="Trajan Pro" panose="02020502050506020301"/>
+                <a:latin typeface="+mj-lt"/>
               </a:rPr>
-              <a:t> Trigger</a:t>
-            </a:r>
-          </a:p>
-          <a:p>
-            <a:r>
-              <a:rPr lang="pt-BR" sz="2800" b="1" dirty="0">
-                <a:latin typeface="Trajan Pro" panose="02020502050506020301"/>
-              </a:rPr>
-              <a:t>VII</a:t>
-            </a:r>
-            <a:r>
-              <a:rPr lang="pt-BR" sz="2800" dirty="0">
-                <a:latin typeface="Trajan Pro" panose="02020502050506020301"/>
-              </a:rPr>
-              <a:t> Conclusão</a:t>
+              <a:t>Conclusão</a:t>
             </a:r>
           </a:p>
         </p:txBody>
@@ -9415,6 +10312,130 @@
               <a:rPr lang="pt-BR" sz="6000" dirty="0"/>
               <a:t>R o t e i r o</a:t>
             </a:r>
+          </a:p>
+        </p:txBody>
+      </p:sp>
+      <p:sp>
+        <p:nvSpPr>
+          <p:cNvPr id="5" name="CaixaDeTexto 4">
+            <a:extLst>
+              <a:ext uri="{FF2B5EF4-FFF2-40B4-BE49-F238E27FC236}">
+                <a16:creationId xmlns:a16="http://schemas.microsoft.com/office/drawing/2014/main" id="{145D6360-6B61-43EC-BDC8-85EF8243FCC6}"/>
+              </a:ext>
+            </a:extLst>
+          </p:cNvPr>
+          <p:cNvSpPr txBox="1"/>
+          <p:nvPr/>
+        </p:nvSpPr>
+        <p:spPr>
+          <a:xfrm>
+            <a:off x="1114319" y="1318704"/>
+            <a:ext cx="797013" cy="3570208"/>
+          </a:xfrm>
+          <a:prstGeom prst="rect">
+            <a:avLst/>
+          </a:prstGeom>
+          <a:noFill/>
+        </p:spPr>
+        <p:txBody>
+          <a:bodyPr wrap="none" rtlCol="0">
+            <a:spAutoFit/>
+          </a:bodyPr>
+          <a:lstStyle/>
+          <a:p>
+            <a:pPr algn="ctr">
+              <a:spcAft>
+                <a:spcPts val="600"/>
+              </a:spcAft>
+            </a:pPr>
+            <a:r>
+              <a:rPr lang="pt-BR" sz="2800" b="1" dirty="0">
+                <a:latin typeface="Trajan Pro" panose="02020502050506020301"/>
+              </a:rPr>
+              <a:t>I</a:t>
+            </a:r>
+            <a:endParaRPr lang="pt-BR" sz="2800" dirty="0"/>
+          </a:p>
+          <a:p>
+            <a:pPr algn="ctr">
+              <a:spcAft>
+                <a:spcPts val="600"/>
+              </a:spcAft>
+            </a:pPr>
+            <a:r>
+              <a:rPr lang="pt-BR" sz="2800" b="1" dirty="0">
+                <a:latin typeface="Trajan Pro" panose="02020502050506020301"/>
+              </a:rPr>
+              <a:t>II</a:t>
+            </a:r>
+            <a:endParaRPr lang="pt-BR" sz="2800" dirty="0">
+              <a:latin typeface="Trajan Pro" panose="02020502050506020301"/>
+            </a:endParaRPr>
+          </a:p>
+          <a:p>
+            <a:pPr algn="ctr">
+              <a:spcAft>
+                <a:spcPts val="600"/>
+              </a:spcAft>
+            </a:pPr>
+            <a:r>
+              <a:rPr lang="pt-BR" sz="2800" b="1" dirty="0">
+                <a:latin typeface="Trajan Pro" panose="02020502050506020301"/>
+              </a:rPr>
+              <a:t>III</a:t>
+            </a:r>
+            <a:endParaRPr lang="pt-BR" sz="2800" dirty="0">
+              <a:latin typeface="Trajan Pro" panose="02020502050506020301"/>
+            </a:endParaRPr>
+          </a:p>
+          <a:p>
+            <a:pPr algn="ctr">
+              <a:spcAft>
+                <a:spcPts val="600"/>
+              </a:spcAft>
+            </a:pPr>
+            <a:r>
+              <a:rPr lang="pt-BR" sz="2800" b="1" dirty="0">
+                <a:latin typeface="Trajan Pro" panose="02020502050506020301"/>
+              </a:rPr>
+              <a:t>V</a:t>
+            </a:r>
+            <a:endParaRPr lang="pt-BR" sz="2800" dirty="0">
+              <a:latin typeface="Trajan Pro" panose="02020502050506020301"/>
+            </a:endParaRPr>
+          </a:p>
+          <a:p>
+            <a:pPr algn="ctr">
+              <a:spcAft>
+                <a:spcPts val="600"/>
+              </a:spcAft>
+            </a:pPr>
+            <a:r>
+              <a:rPr lang="pt-BR" sz="2800" b="1" dirty="0">
+                <a:latin typeface="Trajan Pro" panose="02020502050506020301"/>
+              </a:rPr>
+              <a:t>VI</a:t>
+            </a:r>
+          </a:p>
+          <a:p>
+            <a:pPr algn="ctr">
+              <a:spcAft>
+                <a:spcPts val="600"/>
+              </a:spcAft>
+            </a:pPr>
+            <a:r>
+              <a:rPr lang="pt-BR" sz="2800" b="1" dirty="0">
+                <a:latin typeface="Trajan Pro" panose="02020502050506020301"/>
+              </a:rPr>
+              <a:t>VII</a:t>
+            </a:r>
+            <a:endParaRPr lang="pt-BR" sz="2800" dirty="0">
+              <a:latin typeface="Trajan Pro" panose="02020502050506020301"/>
+            </a:endParaRPr>
+          </a:p>
+          <a:p>
+            <a:pPr algn="ctr"/>
+            <a:endParaRPr lang="pt-BR" sz="2800" dirty="0"/>
           </a:p>
         </p:txBody>
       </p:sp>
@@ -9647,6 +10668,87 @@
                                   </p:childTnLst>
                                 </p:cTn>
                               </p:par>
+                              <p:par>
+                                <p:cTn id="21" presetID="42" presetClass="entr" presetSubtype="0" fill="hold" grpId="0" nodeType="withEffect">
+                                  <p:stCondLst>
+                                    <p:cond delay="0"/>
+                                  </p:stCondLst>
+                                  <p:childTnLst>
+                                    <p:set>
+                                      <p:cBhvr>
+                                        <p:cTn id="22" dur="1" fill="hold">
+                                          <p:stCondLst>
+                                            <p:cond delay="0"/>
+                                          </p:stCondLst>
+                                        </p:cTn>
+                                        <p:tgtEl>
+                                          <p:spTgt spid="5"/>
+                                        </p:tgtEl>
+                                        <p:attrNameLst>
+                                          <p:attrName>style.visibility</p:attrName>
+                                        </p:attrNameLst>
+                                      </p:cBhvr>
+                                      <p:to>
+                                        <p:strVal val="visible"/>
+                                      </p:to>
+                                    </p:set>
+                                    <p:animEffect transition="in" filter="fade">
+                                      <p:cBhvr>
+                                        <p:cTn id="23" dur="1000"/>
+                                        <p:tgtEl>
+                                          <p:spTgt spid="5"/>
+                                        </p:tgtEl>
+                                      </p:cBhvr>
+                                    </p:animEffect>
+                                    <p:anim calcmode="lin" valueType="num">
+                                      <p:cBhvr>
+                                        <p:cTn id="24" dur="1000" fill="hold"/>
+                                        <p:tgtEl>
+                                          <p:spTgt spid="5"/>
+                                        </p:tgtEl>
+                                        <p:attrNameLst>
+                                          <p:attrName>ppt_x</p:attrName>
+                                        </p:attrNameLst>
+                                      </p:cBhvr>
+                                      <p:tavLst>
+                                        <p:tav tm="0">
+                                          <p:val>
+                                            <p:strVal val="#ppt_x"/>
+                                          </p:val>
+                                        </p:tav>
+                                        <p:tav tm="100000">
+                                          <p:val>
+                                            <p:strVal val="#ppt_x"/>
+                                          </p:val>
+                                        </p:tav>
+                                      </p:tavLst>
+                                    </p:anim>
+                                    <p:anim calcmode="lin" valueType="num">
+                                      <p:cBhvr>
+                                        <p:cTn id="25" dur="1000" fill="hold"/>
+                                        <p:tgtEl>
+                                          <p:spTgt spid="5"/>
+                                        </p:tgtEl>
+                                        <p:attrNameLst>
+                                          <p:attrName>ppt_y</p:attrName>
+                                        </p:attrNameLst>
+                                      </p:cBhvr>
+                                      <p:tavLst>
+                                        <p:tav tm="0">
+                                          <p:val>
+                                            <p:strVal val="#ppt_y+.1"/>
+                                          </p:val>
+                                        </p:tav>
+                                        <p:tav tm="100000">
+                                          <p:val>
+                                            <p:strVal val="#ppt_y"/>
+                                          </p:val>
+                                        </p:tav>
+                                      </p:tavLst>
+                                    </p:anim>
+                                  </p:childTnLst>
+                                </p:cTn>
+                              </p:par>
                             </p:childTnLst>
                           </p:cTn>
                         </p:par>
@@ -9677,6 +10779,7 @@
     <p:bldLst>
       <p:bldP spid="7" grpId="0"/>
       <p:bldP spid="8" grpId="0"/>
+      <p:bldP spid="5" grpId="0"/>
     </p:bldLst>
   </p:timing>
 </p:sld>
@@ -9743,8 +10846,8 @@
         </p:nvSpPr>
         <p:spPr>
           <a:xfrm>
-            <a:off x="4202513" y="1291902"/>
-            <a:ext cx="4656261" cy="1015663"/>
+            <a:off x="3296336" y="1319334"/>
+            <a:ext cx="6207014" cy="1015663"/>
           </a:xfrm>
           <a:prstGeom prst="rect">
             <a:avLst/>
@@ -9780,8 +10883,8 @@
         </p:nvSpPr>
         <p:spPr>
           <a:xfrm>
-            <a:off x="3543393" y="2420839"/>
-            <a:ext cx="5712901" cy="461665"/>
+            <a:off x="1977597" y="2503135"/>
+            <a:ext cx="8250454" cy="461665"/>
           </a:xfrm>
           <a:prstGeom prst="rect">
             <a:avLst/>
@@ -10008,7 +11111,7 @@
           <p:nvPr/>
         </p:nvPicPr>
         <p:blipFill>
-          <a:blip r:embed="rId2">
+          <a:blip r:embed="rId3">
             <a:extLst>
               <a:ext uri="{28A0092B-C50C-407E-A947-70E740481C1C}">
                 <a14:useLocalDpi xmlns:a14="http://schemas.microsoft.com/office/drawing/2010/main" val="0"/>
@@ -10043,8 +11146,8 @@
         </p:nvSpPr>
         <p:spPr>
           <a:xfrm>
-            <a:off x="0" y="319178"/>
-            <a:ext cx="9609223" cy="6401753"/>
+            <a:off x="0" y="431150"/>
+            <a:ext cx="9609223" cy="5539978"/>
           </a:xfrm>
           <a:prstGeom prst="rect">
             <a:avLst/>
@@ -10062,7 +11165,9 @@
               <a:buChar char="•"/>
             </a:pPr>
             <a:r>
-              <a:rPr lang="pt-BR" sz="2800" dirty="0"/>
+              <a:rPr lang="pt-BR" sz="2800" dirty="0">
+                <a:latin typeface="+mj-lt"/>
+              </a:rPr>
               <a:t>Para os personagens devemos armazenar: ID, nome, lado da força e bordão</a:t>
             </a:r>
           </a:p>
@@ -10072,7 +11177,9 @@
               <a:buChar char="•"/>
             </a:pPr>
             <a:r>
-              <a:rPr lang="pt-BR" sz="2800" dirty="0"/>
+              <a:rPr lang="pt-BR" sz="2800" dirty="0">
+                <a:latin typeface="+mj-lt"/>
+              </a:rPr>
               <a:t>Os personagens são divididos em dois grupos: biológicos e robóticos</a:t>
             </a:r>
           </a:p>
@@ -10082,7 +11189,9 @@
               <a:buChar char="•"/>
             </a:pPr>
             <a:r>
-              <a:rPr lang="pt-BR" sz="2800" dirty="0"/>
+              <a:rPr lang="pt-BR" sz="2800" dirty="0">
+                <a:latin typeface="+mj-lt"/>
+              </a:rPr>
               <a:t>Personagens biológicos possuem: cor do cabelo, morte, raça, gênero, cor da pele, ocupação e cor dos olhos.</a:t>
             </a:r>
           </a:p>
@@ -10092,7 +11201,9 @@
               <a:buChar char="•"/>
             </a:pPr>
             <a:r>
-              <a:rPr lang="pt-BR" sz="2800" dirty="0"/>
+              <a:rPr lang="pt-BR" sz="2800" dirty="0">
+                <a:latin typeface="+mj-lt"/>
+              </a:rPr>
               <a:t>Personagens robóticos possuem modelo, classe, serie e cor da lataria.</a:t>
             </a:r>
           </a:p>
@@ -10102,7 +11213,9 @@
               <a:buChar char="•"/>
             </a:pPr>
             <a:r>
-              <a:rPr lang="pt-BR" sz="2800" dirty="0"/>
+              <a:rPr lang="pt-BR" sz="2800" dirty="0">
+                <a:latin typeface="+mj-lt"/>
+              </a:rPr>
               <a:t>Personagens biológicos podem criar robôs</a:t>
             </a:r>
           </a:p>
@@ -10112,7 +11225,9 @@
               <a:buChar char="•"/>
             </a:pPr>
             <a:r>
-              <a:rPr lang="pt-BR" sz="2800" dirty="0"/>
+              <a:rPr lang="pt-BR" sz="2800" dirty="0">
+                <a:latin typeface="+mj-lt"/>
+              </a:rPr>
               <a:t>Personagens podem se relacionar com outros personagens.</a:t>
             </a:r>
           </a:p>
@@ -10122,23 +11237,17 @@
               <a:buChar char="•"/>
             </a:pPr>
             <a:r>
-              <a:rPr lang="pt-BR" sz="2800" dirty="0"/>
+              <a:rPr lang="pt-BR" sz="2800" dirty="0">
+                <a:latin typeface="+mj-lt"/>
+              </a:rPr>
               <a:t>Os personagens robóticos podem possuir um ou mais equipamentos, que possuem nome e id.</a:t>
             </a:r>
           </a:p>
           <a:p>
-            <a:pPr marL="285750" indent="-285750" fontAlgn="ctr">
-              <a:buFont typeface="Arial" panose="020B0604020202020204" pitchFamily="34" charset="0"/>
-              <a:buChar char="•"/>
-            </a:pPr>
-            <a:r>
-              <a:rPr lang="pt-BR" sz="2800" dirty="0"/>
-              <a:t>Todo personagem pertence a um lado da força, podendo mudar de lado quando quiser</a:t>
-            </a:r>
-          </a:p>
-          <a:p>
             <a:pPr fontAlgn="ctr"/>
-            <a:endParaRPr lang="pt-BR" dirty="0"/>
+            <a:endParaRPr lang="pt-BR" dirty="0">
+              <a:latin typeface="+mj-lt"/>
+            </a:endParaRPr>
           </a:p>
         </p:txBody>
       </p:sp>
@@ -10358,7 +11467,7 @@
         <p:spPr>
           <a:xfrm>
             <a:off x="118887" y="208027"/>
-            <a:ext cx="9245601" cy="4832092"/>
+            <a:ext cx="9245601" cy="5262979"/>
           </a:xfrm>
           <a:prstGeom prst="rect">
             <a:avLst/>
@@ -10374,7 +11483,12 @@
               <a:buFont typeface="Arial" panose="020B0604020202020204" pitchFamily="34" charset="0"/>
               <a:buChar char="•"/>
             </a:pPr>
-            <a:endParaRPr lang="pt-BR" sz="2800" dirty="0"/>
+            <a:r>
+              <a:rPr lang="pt-BR" sz="2800" dirty="0">
+                <a:latin typeface="+mj-lt"/>
+              </a:rPr>
+              <a:t>Todo personagem pertence a um lado da força, podendo mudar de lado quando quiser</a:t>
+            </a:r>
           </a:p>
           <a:p>
             <a:pPr marL="285750" indent="-285750" fontAlgn="ctr">
@@ -10382,7 +11496,9 @@
               <a:buChar char="•"/>
             </a:pPr>
             <a:r>
-              <a:rPr lang="pt-BR" sz="2800" dirty="0"/>
+              <a:rPr lang="pt-BR" sz="2800" dirty="0">
+                <a:latin typeface="+mj-lt"/>
+              </a:rPr>
               <a:t>Todo personagem mora em um planeta.</a:t>
             </a:r>
           </a:p>
@@ -10392,7 +11508,9 @@
               <a:buChar char="•"/>
             </a:pPr>
             <a:r>
-              <a:rPr lang="pt-BR" sz="2800" dirty="0"/>
+              <a:rPr lang="pt-BR" sz="2800" dirty="0">
+                <a:latin typeface="+mj-lt"/>
+              </a:rPr>
               <a:t>Todo planeta possui: id, sistema, atmosfera, quantidade de luas, quantidade de sois, setor, nome e região.</a:t>
             </a:r>
           </a:p>
@@ -10401,7 +11519,9 @@
               <a:buFont typeface="Arial" panose="020B0604020202020204" pitchFamily="34" charset="0"/>
               <a:buChar char="•"/>
             </a:pPr>
-            <a:endParaRPr lang="pt-BR" sz="2800" dirty="0"/>
+            <a:endParaRPr lang="pt-BR" sz="2800" dirty="0">
+              <a:latin typeface="+mj-lt"/>
+            </a:endParaRPr>
           </a:p>
           <a:p>
             <a:pPr marL="285750" indent="-285750" fontAlgn="ctr">
@@ -10409,7 +11529,9 @@
               <a:buChar char="•"/>
             </a:pPr>
             <a:r>
-              <a:rPr lang="pt-BR" sz="2800" dirty="0"/>
+              <a:rPr lang="pt-BR" sz="2800" dirty="0">
+                <a:latin typeface="+mj-lt"/>
+              </a:rPr>
               <a:t>Personagens possuir um ou mais: veículos e armas</a:t>
             </a:r>
           </a:p>
@@ -10419,7 +11541,9 @@
               <a:buChar char="•"/>
             </a:pPr>
             <a:r>
-              <a:rPr lang="pt-BR" sz="2800" dirty="0"/>
+              <a:rPr lang="pt-BR" sz="2800" dirty="0">
+                <a:latin typeface="+mj-lt"/>
+              </a:rPr>
               <a:t>Veículos possuem: id, tripulação, fabricante, modelo, classe e nome.</a:t>
             </a:r>
           </a:p>
@@ -10429,7 +11553,9 @@
               <a:buChar char="•"/>
             </a:pPr>
             <a:r>
-              <a:rPr lang="pt-BR" sz="2800" dirty="0"/>
+              <a:rPr lang="pt-BR" sz="2800" dirty="0">
+                <a:latin typeface="+mj-lt"/>
+              </a:rPr>
               <a:t>Toda arma possui id, nome, fabricante, proposito, alcance e criador</a:t>
             </a:r>
           </a:p>
@@ -10439,7 +11565,9 @@
               <a:buChar char="•"/>
             </a:pPr>
             <a:r>
-              <a:rPr lang="pt-BR" sz="2800" dirty="0"/>
+              <a:rPr lang="pt-BR" sz="2800" dirty="0">
+                <a:latin typeface="+mj-lt"/>
+              </a:rPr>
               <a:t> Veículos também podem possuir armas.</a:t>
             </a:r>
           </a:p>
@@ -10680,8 +11808,8 @@
         </p:nvSpPr>
         <p:spPr>
           <a:xfrm>
-            <a:off x="2145906" y="1504001"/>
-            <a:ext cx="4698921" cy="1015663"/>
+            <a:off x="1242487" y="1536085"/>
+            <a:ext cx="6515643" cy="1015663"/>
           </a:xfrm>
           <a:prstGeom prst="rect">
             <a:avLst/>
@@ -10717,8 +11845,8 @@
         </p:nvSpPr>
         <p:spPr>
           <a:xfrm>
-            <a:off x="2680030" y="2551748"/>
-            <a:ext cx="3640559" cy="461665"/>
+            <a:off x="1884081" y="2561464"/>
+            <a:ext cx="5232454" cy="461665"/>
           </a:xfrm>
           <a:prstGeom prst="rect">
             <a:avLst/>
@@ -10799,7 +11927,7 @@
                                     </p:set>
                                     <p:animEffect transition="in" filter="circle(in)">
                                       <p:cBhvr>
-                                        <p:cTn id="7" dur="3250"/>
+                                        <p:cTn id="7" dur="3000"/>
                                         <p:tgtEl>
                                           <p:spTgt spid="5"/>
                                         </p:tgtEl>
@@ -10834,7 +11962,7 @@
                                     </p:set>
                                     <p:animEffect transition="in" filter="circle(in)">
                                       <p:cBhvr>
-                                        <p:cTn id="10" dur="3250"/>
+                                        <p:cTn id="10" dur="3000"/>
                                         <p:tgtEl>
                                           <p:spTgt spid="4"/>
                                         </p:tgtEl>
@@ -10869,7 +11997,7 @@
                                     </p:set>
                                     <p:animEffect transition="in" filter="circle(in)">
                                       <p:cBhvr>
-                                        <p:cTn id="13" dur="2000"/>
+                                        <p:cTn id="13" dur="3000"/>
                                         <p:tgtEl>
                                           <p:spTgt spid="7"/>
                                         </p:tgtEl>
@@ -10967,10 +12095,10 @@
       </p:pic>
       <p:pic>
         <p:nvPicPr>
-          <p:cNvPr id="5" name="Imagem 4" descr="Uma imagem contendo texto, mapa&#10;&#10;Descrição gerada automaticamente">
-            <a:extLst>
-              <a:ext uri="{FF2B5EF4-FFF2-40B4-BE49-F238E27FC236}">
-                <a16:creationId xmlns:a16="http://schemas.microsoft.com/office/drawing/2014/main" id="{EF9CE764-24DE-4425-9407-B72B7D63521F}"/>
+          <p:cNvPr id="3" name="Imagem 2">
+            <a:extLst>
+              <a:ext uri="{FF2B5EF4-FFF2-40B4-BE49-F238E27FC236}">
+                <a16:creationId xmlns:a16="http://schemas.microsoft.com/office/drawing/2014/main" id="{8CFC4B8F-E8F5-453C-AA07-5432C0CE4674}"/>
               </a:ext>
             </a:extLst>
           </p:cNvPr>
@@ -10980,43 +12108,7 @@
           <p:nvPr/>
         </p:nvPicPr>
         <p:blipFill>
-          <a:blip r:embed="rId3">
-            <a:extLst>
-              <a:ext uri="{28A0092B-C50C-407E-A947-70E740481C1C}">
-                <a14:useLocalDpi xmlns:a14="http://schemas.microsoft.com/office/drawing/2010/main" val="0"/>
-              </a:ext>
-            </a:extLst>
-          </a:blip>
-          <a:stretch>
-            <a:fillRect/>
-          </a:stretch>
-        </p:blipFill>
-        <p:spPr>
-          <a:xfrm>
-            <a:off x="3760578" y="-240761"/>
-            <a:ext cx="8454868" cy="6605366"/>
-          </a:xfrm>
-          <a:prstGeom prst="rect">
-            <a:avLst/>
-          </a:prstGeom>
-        </p:spPr>
-      </p:pic>
-      <p:pic>
-        <p:nvPicPr>
-          <p:cNvPr id="3" name="Imagem 2">
-            <a:extLst>
-              <a:ext uri="{FF2B5EF4-FFF2-40B4-BE49-F238E27FC236}">
-                <a16:creationId xmlns:a16="http://schemas.microsoft.com/office/drawing/2014/main" id="{8CFC4B8F-E8F5-453C-AA07-5432C0CE4674}"/>
-              </a:ext>
-            </a:extLst>
-          </p:cNvPr>
-          <p:cNvPicPr>
-            <a:picLocks noChangeAspect="1"/>
-          </p:cNvPicPr>
-          <p:nvPr/>
-        </p:nvPicPr>
-        <p:blipFill>
-          <a:blip r:embed="rId4"/>
+          <a:blip r:embed="rId3"/>
           <a:stretch>
             <a:fillRect/>
           </a:stretch>
@@ -11046,7 +12138,7 @@
           <p:nvPr/>
         </p:nvPicPr>
         <p:blipFill>
-          <a:blip r:embed="rId5"/>
+          <a:blip r:embed="rId4"/>
           <a:stretch>
             <a:fillRect/>
           </a:stretch>
@@ -11055,6 +12147,42 @@
           <a:xfrm>
             <a:off x="-726831" y="6364605"/>
             <a:ext cx="1793631" cy="874395"/>
+          </a:xfrm>
+          <a:prstGeom prst="rect">
+            <a:avLst/>
+          </a:prstGeom>
+        </p:spPr>
+      </p:pic>
+      <p:pic>
+        <p:nvPicPr>
+          <p:cNvPr id="8" name="Imagem 7" descr="Uma imagem contendo texto, mapa&#10;&#10;Descrição gerada automaticamente">
+            <a:extLst>
+              <a:ext uri="{FF2B5EF4-FFF2-40B4-BE49-F238E27FC236}">
+                <a16:creationId xmlns:a16="http://schemas.microsoft.com/office/drawing/2014/main" id="{F70DF389-0977-437B-868B-3760CF5D7E4B}"/>
+              </a:ext>
+            </a:extLst>
+          </p:cNvPr>
+          <p:cNvPicPr>
+            <a:picLocks noChangeAspect="1"/>
+          </p:cNvPicPr>
+          <p:nvPr/>
+        </p:nvPicPr>
+        <p:blipFill>
+          <a:blip r:embed="rId5">
+            <a:extLst>
+              <a:ext uri="{28A0092B-C50C-407E-A947-70E740481C1C}">
+                <a14:useLocalDpi xmlns:a14="http://schemas.microsoft.com/office/drawing/2010/main" val="0"/>
+              </a:ext>
+            </a:extLst>
+          </a:blip>
+          <a:stretch>
+            <a:fillRect/>
+          </a:stretch>
+        </p:blipFill>
+        <p:spPr>
+          <a:xfrm>
+            <a:off x="4521200" y="1241"/>
+            <a:ext cx="5865628" cy="6363364"/>
           </a:xfrm>
           <a:prstGeom prst="rect">
             <a:avLst/>

--- a/3º Semestre/Programação em Banco de Dados/Projeto/Apresentação.pptx
+++ b/3º Semestre/Programação em Banco de Dados/Projeto/Apresentação.pptx
@@ -4381,7 +4381,7 @@
               <a:rPr lang="pt-BR" sz="800" dirty="0">
                 <a:latin typeface="Star Jedi" panose="040B0000000000000000" pitchFamily="82" charset="0"/>
               </a:rPr>
-              <a:t>RA </a:t>
+              <a:t>RA 1460281813004</a:t>
             </a:r>
             <a:endParaRPr lang="pt-BR" sz="1400" dirty="0">
               <a:latin typeface="Star Jedi" panose="040B0000000000000000" pitchFamily="82" charset="0"/>
@@ -11532,7 +11532,7 @@
               <a:rPr lang="pt-BR" sz="2800" dirty="0">
                 <a:latin typeface="+mj-lt"/>
               </a:rPr>
-              <a:t>Personagens possuir um ou mais: veículos e armas</a:t>
+              <a:t>Personagens podem possuir um ou mais: veículos e armas</a:t>
             </a:r>
           </a:p>
           <a:p>
@@ -12155,10 +12155,10 @@
       </p:pic>
       <p:pic>
         <p:nvPicPr>
-          <p:cNvPr id="8" name="Imagem 7" descr="Uma imagem contendo texto, mapa&#10;&#10;Descrição gerada automaticamente">
-            <a:extLst>
-              <a:ext uri="{FF2B5EF4-FFF2-40B4-BE49-F238E27FC236}">
-                <a16:creationId xmlns:a16="http://schemas.microsoft.com/office/drawing/2014/main" id="{F70DF389-0977-437B-868B-3760CF5D7E4B}"/>
+          <p:cNvPr id="5" name="Imagem 4" descr="Uma imagem contendo texto, mapa&#10;&#10;Descrição gerada automaticamente">
+            <a:extLst>
+              <a:ext uri="{FF2B5EF4-FFF2-40B4-BE49-F238E27FC236}">
+                <a16:creationId xmlns:a16="http://schemas.microsoft.com/office/drawing/2014/main" id="{74F6FC2D-ECC7-4C49-9A46-D522590C78BC}"/>
               </a:ext>
             </a:extLst>
           </p:cNvPr>
@@ -12181,8 +12181,8 @@
         </p:blipFill>
         <p:spPr>
           <a:xfrm>
-            <a:off x="4521200" y="1241"/>
-            <a:ext cx="5865628" cy="6363364"/>
+            <a:off x="4521200" y="26760"/>
+            <a:ext cx="7727517" cy="6267199"/>
           </a:xfrm>
           <a:prstGeom prst="rect">
             <a:avLst/>

--- a/3º Semestre/Programação em Banco de Dados/Projeto/Apresentação.pptx
+++ b/3º Semestre/Programação em Banco de Dados/Projeto/Apresentação.pptx
@@ -5,7 +5,7 @@
     <p:sldMasterId id="2147483648" r:id="rId1"/>
   </p:sldMasterIdLst>
   <p:notesMasterIdLst>
-    <p:notesMasterId r:id="rId24"/>
+    <p:notesMasterId r:id="rId25"/>
   </p:notesMasterIdLst>
   <p:sldIdLst>
     <p:sldId id="256" r:id="rId2"/>
@@ -26,10 +26,11 @@
     <p:sldId id="278" r:id="rId17"/>
     <p:sldId id="277" r:id="rId18"/>
     <p:sldId id="276" r:id="rId19"/>
-    <p:sldId id="279" r:id="rId20"/>
-    <p:sldId id="259" r:id="rId21"/>
-    <p:sldId id="280" r:id="rId22"/>
-    <p:sldId id="274" r:id="rId23"/>
+    <p:sldId id="273" r:id="rId20"/>
+    <p:sldId id="279" r:id="rId21"/>
+    <p:sldId id="259" r:id="rId22"/>
+    <p:sldId id="280" r:id="rId23"/>
+    <p:sldId id="274" r:id="rId24"/>
   </p:sldIdLst>
   <p:sldSz cx="12192000" cy="6858000"/>
   <p:notesSz cx="6858000" cy="9144000"/>
@@ -230,7 +231,7 @@
           <a:p>
             <a:fld id="{42E64E69-AB36-4ED5-9FE5-0E304ABA64BE}" type="datetimeFigureOut">
               <a:rPr lang="pt-BR" smtClean="0"/>
-              <a:t>30/05/2019</a:t>
+              <a:t>31/05/2019</a:t>
             </a:fld>
             <a:endParaRPr lang="pt-BR"/>
           </a:p>
@@ -562,7 +563,7 @@
           <a:p>
             <a:fld id="{CC85C75B-A51A-4BB7-9521-66362B2D4920}" type="slidenum">
               <a:rPr lang="pt-BR" smtClean="0"/>
-              <a:t>6</a:t>
+              <a:t>4</a:t>
             </a:fld>
             <a:endParaRPr lang="pt-BR"/>
           </a:p>
@@ -571,7 +572,7 @@
     </p:spTree>
     <p:extLst>
       <p:ext uri="{BB962C8B-B14F-4D97-AF65-F5344CB8AC3E}">
-        <p14:creationId xmlns:p14="http://schemas.microsoft.com/office/powerpoint/2010/main" val="1656858478"/>
+        <p14:creationId xmlns:p14="http://schemas.microsoft.com/office/powerpoint/2010/main" val="3907548102"/>
       </p:ext>
     </p:extLst>
   </p:cSld>
@@ -646,7 +647,7 @@
           <a:p>
             <a:fld id="{CC85C75B-A51A-4BB7-9521-66362B2D4920}" type="slidenum">
               <a:rPr lang="pt-BR" smtClean="0"/>
-              <a:t>11</a:t>
+              <a:t>6</a:t>
             </a:fld>
             <a:endParaRPr lang="pt-BR"/>
           </a:p>
@@ -655,7 +656,7 @@
     </p:spTree>
     <p:extLst>
       <p:ext uri="{BB962C8B-B14F-4D97-AF65-F5344CB8AC3E}">
-        <p14:creationId xmlns:p14="http://schemas.microsoft.com/office/powerpoint/2010/main" val="551998052"/>
+        <p14:creationId xmlns:p14="http://schemas.microsoft.com/office/powerpoint/2010/main" val="1656858478"/>
       </p:ext>
     </p:extLst>
   </p:cSld>
@@ -730,7 +731,7 @@
           <a:p>
             <a:fld id="{CC85C75B-A51A-4BB7-9521-66362B2D4920}" type="slidenum">
               <a:rPr lang="pt-BR" smtClean="0"/>
-              <a:t>12</a:t>
+              <a:t>11</a:t>
             </a:fld>
             <a:endParaRPr lang="pt-BR"/>
           </a:p>
@@ -739,7 +740,7 @@
     </p:spTree>
     <p:extLst>
       <p:ext uri="{BB962C8B-B14F-4D97-AF65-F5344CB8AC3E}">
-        <p14:creationId xmlns:p14="http://schemas.microsoft.com/office/powerpoint/2010/main" val="187386086"/>
+        <p14:creationId xmlns:p14="http://schemas.microsoft.com/office/powerpoint/2010/main" val="551998052"/>
       </p:ext>
     </p:extLst>
   </p:cSld>
@@ -814,7 +815,7 @@
           <a:p>
             <a:fld id="{CC85C75B-A51A-4BB7-9521-66362B2D4920}" type="slidenum">
               <a:rPr lang="pt-BR" smtClean="0"/>
-              <a:t>14</a:t>
+              <a:t>12</a:t>
             </a:fld>
             <a:endParaRPr lang="pt-BR"/>
           </a:p>
@@ -823,7 +824,7 @@
     </p:spTree>
     <p:extLst>
       <p:ext uri="{BB962C8B-B14F-4D97-AF65-F5344CB8AC3E}">
-        <p14:creationId xmlns:p14="http://schemas.microsoft.com/office/powerpoint/2010/main" val="2426602861"/>
+        <p14:creationId xmlns:p14="http://schemas.microsoft.com/office/powerpoint/2010/main" val="187386086"/>
       </p:ext>
     </p:extLst>
   </p:cSld>
@@ -898,7 +899,7 @@
           <a:p>
             <a:fld id="{CC85C75B-A51A-4BB7-9521-66362B2D4920}" type="slidenum">
               <a:rPr lang="pt-BR" smtClean="0"/>
-              <a:t>15</a:t>
+              <a:t>14</a:t>
             </a:fld>
             <a:endParaRPr lang="pt-BR"/>
           </a:p>
@@ -907,7 +908,7 @@
     </p:spTree>
     <p:extLst>
       <p:ext uri="{BB962C8B-B14F-4D97-AF65-F5344CB8AC3E}">
-        <p14:creationId xmlns:p14="http://schemas.microsoft.com/office/powerpoint/2010/main" val="2034653021"/>
+        <p14:creationId xmlns:p14="http://schemas.microsoft.com/office/powerpoint/2010/main" val="2426602861"/>
       </p:ext>
     </p:extLst>
   </p:cSld>
@@ -982,7 +983,7 @@
           <a:p>
             <a:fld id="{CC85C75B-A51A-4BB7-9521-66362B2D4920}" type="slidenum">
               <a:rPr lang="pt-BR" smtClean="0"/>
-              <a:t>16</a:t>
+              <a:t>15</a:t>
             </a:fld>
             <a:endParaRPr lang="pt-BR"/>
           </a:p>
@@ -991,7 +992,7 @@
     </p:spTree>
     <p:extLst>
       <p:ext uri="{BB962C8B-B14F-4D97-AF65-F5344CB8AC3E}">
-        <p14:creationId xmlns:p14="http://schemas.microsoft.com/office/powerpoint/2010/main" val="1238585715"/>
+        <p14:creationId xmlns:p14="http://schemas.microsoft.com/office/powerpoint/2010/main" val="2034653021"/>
       </p:ext>
     </p:extLst>
   </p:cSld>
@@ -1066,7 +1067,91 @@
           <a:p>
             <a:fld id="{CC85C75B-A51A-4BB7-9521-66362B2D4920}" type="slidenum">
               <a:rPr lang="pt-BR" smtClean="0"/>
-              <a:t>21</a:t>
+              <a:t>16</a:t>
+            </a:fld>
+            <a:endParaRPr lang="pt-BR"/>
+          </a:p>
+        </p:txBody>
+      </p:sp>
+    </p:spTree>
+    <p:extLst>
+      <p:ext uri="{BB962C8B-B14F-4D97-AF65-F5344CB8AC3E}">
+        <p14:creationId xmlns:p14="http://schemas.microsoft.com/office/powerpoint/2010/main" val="1238585715"/>
+      </p:ext>
+    </p:extLst>
+  </p:cSld>
+  <p:clrMapOvr>
+    <a:masterClrMapping/>
+  </p:clrMapOvr>
+</p:notes>
+</file>
+
+<file path=ppt/notesSlides/notesSlide8.xml><?xml version="1.0" encoding="utf-8"?>
+<p:notes xmlns:a="http://schemas.openxmlformats.org/drawingml/2006/main" xmlns:r="http://schemas.openxmlformats.org/officeDocument/2006/relationships" xmlns:p="http://schemas.openxmlformats.org/presentationml/2006/main">
+  <p:cSld>
+    <p:spTree>
+      <p:nvGrpSpPr>
+        <p:cNvPr id="1" name=""/>
+        <p:cNvGrpSpPr/>
+        <p:nvPr/>
+      </p:nvGrpSpPr>
+      <p:grpSpPr>
+        <a:xfrm>
+          <a:off x="0" y="0"/>
+          <a:ext cx="0" cy="0"/>
+          <a:chOff x="0" y="0"/>
+          <a:chExt cx="0" cy="0"/>
+        </a:xfrm>
+      </p:grpSpPr>
+      <p:sp>
+        <p:nvSpPr>
+          <p:cNvPr id="2" name="Espaço Reservado para Imagem de Slide 1"/>
+          <p:cNvSpPr>
+            <a:spLocks noGrp="1" noRot="1" noChangeAspect="1"/>
+          </p:cNvSpPr>
+          <p:nvPr>
+            <p:ph type="sldImg"/>
+          </p:nvPr>
+        </p:nvSpPr>
+        <p:spPr/>
+      </p:sp>
+      <p:sp>
+        <p:nvSpPr>
+          <p:cNvPr id="3" name="Espaço Reservado para Anotações 2"/>
+          <p:cNvSpPr>
+            <a:spLocks noGrp="1"/>
+          </p:cNvSpPr>
+          <p:nvPr>
+            <p:ph type="body" idx="1"/>
+          </p:nvPr>
+        </p:nvSpPr>
+        <p:spPr/>
+        <p:txBody>
+          <a:bodyPr/>
+          <a:lstStyle/>
+          <a:p>
+            <a:endParaRPr lang="pt-BR" dirty="0"/>
+          </a:p>
+        </p:txBody>
+      </p:sp>
+      <p:sp>
+        <p:nvSpPr>
+          <p:cNvPr id="4" name="Espaço Reservado para Número de Slide 3"/>
+          <p:cNvSpPr>
+            <a:spLocks noGrp="1"/>
+          </p:cNvSpPr>
+          <p:nvPr>
+            <p:ph type="sldNum" sz="quarter" idx="5"/>
+          </p:nvPr>
+        </p:nvSpPr>
+        <p:spPr/>
+        <p:txBody>
+          <a:bodyPr/>
+          <a:lstStyle/>
+          <a:p>
+            <a:fld id="{CC85C75B-A51A-4BB7-9521-66362B2D4920}" type="slidenum">
+              <a:rPr lang="pt-BR" smtClean="0"/>
+              <a:t>22</a:t>
             </a:fld>
             <a:endParaRPr lang="pt-BR"/>
           </a:p>
@@ -1232,7 +1317,7 @@
           <a:p>
             <a:fld id="{372EE6C8-D507-47FC-B932-52EEF7233B7C}" type="datetimeFigureOut">
               <a:rPr lang="pt-BR" smtClean="0"/>
-              <a:t>30/05/2019</a:t>
+              <a:t>31/05/2019</a:t>
             </a:fld>
             <a:endParaRPr lang="pt-BR"/>
           </a:p>
@@ -1430,7 +1515,7 @@
           <a:p>
             <a:fld id="{372EE6C8-D507-47FC-B932-52EEF7233B7C}" type="datetimeFigureOut">
               <a:rPr lang="pt-BR" smtClean="0"/>
-              <a:t>30/05/2019</a:t>
+              <a:t>31/05/2019</a:t>
             </a:fld>
             <a:endParaRPr lang="pt-BR"/>
           </a:p>
@@ -1638,7 +1723,7 @@
           <a:p>
             <a:fld id="{372EE6C8-D507-47FC-B932-52EEF7233B7C}" type="datetimeFigureOut">
               <a:rPr lang="pt-BR" smtClean="0"/>
-              <a:t>30/05/2019</a:t>
+              <a:t>31/05/2019</a:t>
             </a:fld>
             <a:endParaRPr lang="pt-BR"/>
           </a:p>
@@ -1836,7 +1921,7 @@
           <a:p>
             <a:fld id="{372EE6C8-D507-47FC-B932-52EEF7233B7C}" type="datetimeFigureOut">
               <a:rPr lang="pt-BR" smtClean="0"/>
-              <a:t>30/05/2019</a:t>
+              <a:t>31/05/2019</a:t>
             </a:fld>
             <a:endParaRPr lang="pt-BR"/>
           </a:p>
@@ -2111,7 +2196,7 @@
           <a:p>
             <a:fld id="{372EE6C8-D507-47FC-B932-52EEF7233B7C}" type="datetimeFigureOut">
               <a:rPr lang="pt-BR" smtClean="0"/>
-              <a:t>30/05/2019</a:t>
+              <a:t>31/05/2019</a:t>
             </a:fld>
             <a:endParaRPr lang="pt-BR"/>
           </a:p>
@@ -2376,7 +2461,7 @@
           <a:p>
             <a:fld id="{372EE6C8-D507-47FC-B932-52EEF7233B7C}" type="datetimeFigureOut">
               <a:rPr lang="pt-BR" smtClean="0"/>
-              <a:t>30/05/2019</a:t>
+              <a:t>31/05/2019</a:t>
             </a:fld>
             <a:endParaRPr lang="pt-BR"/>
           </a:p>
@@ -2788,7 +2873,7 @@
           <a:p>
             <a:fld id="{372EE6C8-D507-47FC-B932-52EEF7233B7C}" type="datetimeFigureOut">
               <a:rPr lang="pt-BR" smtClean="0"/>
-              <a:t>30/05/2019</a:t>
+              <a:t>31/05/2019</a:t>
             </a:fld>
             <a:endParaRPr lang="pt-BR"/>
           </a:p>
@@ -2929,7 +3014,7 @@
           <a:p>
             <a:fld id="{372EE6C8-D507-47FC-B932-52EEF7233B7C}" type="datetimeFigureOut">
               <a:rPr lang="pt-BR" smtClean="0"/>
-              <a:t>30/05/2019</a:t>
+              <a:t>31/05/2019</a:t>
             </a:fld>
             <a:endParaRPr lang="pt-BR"/>
           </a:p>
@@ -3042,7 +3127,7 @@
           <a:p>
             <a:fld id="{372EE6C8-D507-47FC-B932-52EEF7233B7C}" type="datetimeFigureOut">
               <a:rPr lang="pt-BR" smtClean="0"/>
-              <a:t>30/05/2019</a:t>
+              <a:t>31/05/2019</a:t>
             </a:fld>
             <a:endParaRPr lang="pt-BR"/>
           </a:p>
@@ -3353,7 +3438,7 @@
           <a:p>
             <a:fld id="{372EE6C8-D507-47FC-B932-52EEF7233B7C}" type="datetimeFigureOut">
               <a:rPr lang="pt-BR" smtClean="0"/>
-              <a:t>30/05/2019</a:t>
+              <a:t>31/05/2019</a:t>
             </a:fld>
             <a:endParaRPr lang="pt-BR"/>
           </a:p>
@@ -3641,7 +3726,7 @@
           <a:p>
             <a:fld id="{372EE6C8-D507-47FC-B932-52EEF7233B7C}" type="datetimeFigureOut">
               <a:rPr lang="pt-BR" smtClean="0"/>
-              <a:t>30/05/2019</a:t>
+              <a:t>31/05/2019</a:t>
             </a:fld>
             <a:endParaRPr lang="pt-BR"/>
           </a:p>
@@ -3882,7 +3967,7 @@
           <a:p>
             <a:fld id="{372EE6C8-D507-47FC-B932-52EEF7233B7C}" type="datetimeFigureOut">
               <a:rPr lang="pt-BR" smtClean="0"/>
-              <a:t>30/05/2019</a:t>
+              <a:t>31/05/2019</a:t>
             </a:fld>
             <a:endParaRPr lang="pt-BR"/>
           </a:p>
@@ -7633,10 +7718,10 @@
       </p:pic>
       <p:pic>
         <p:nvPicPr>
-          <p:cNvPr id="3" name="Imagem 2">
-            <a:extLst>
-              <a:ext uri="{FF2B5EF4-FFF2-40B4-BE49-F238E27FC236}">
-                <a16:creationId xmlns:a16="http://schemas.microsoft.com/office/drawing/2014/main" id="{86C86FF6-0C71-43C1-A0E1-C1999B29D201}"/>
+          <p:cNvPr id="5" name="Imagem 4">
+            <a:extLst>
+              <a:ext uri="{FF2B5EF4-FFF2-40B4-BE49-F238E27FC236}">
+                <a16:creationId xmlns:a16="http://schemas.microsoft.com/office/drawing/2014/main" id="{620DA717-7224-49DF-BD9D-7FB9F8A6EC06}"/>
               </a:ext>
             </a:extLst>
           </p:cNvPr>
@@ -7652,9 +7737,9 @@
           </a:stretch>
         </p:blipFill>
         <p:spPr>
-          <a:xfrm flipH="1">
-            <a:off x="12415765" y="1218067"/>
-            <a:ext cx="2265680" cy="5186490"/>
+          <a:xfrm>
+            <a:off x="697482" y="1378339"/>
+            <a:ext cx="6000750" cy="3514725"/>
           </a:xfrm>
           <a:prstGeom prst="rect">
             <a:avLst/>
@@ -7663,10 +7748,45 @@
       </p:pic>
       <p:pic>
         <p:nvPicPr>
-          <p:cNvPr id="6" name="Imagem 5">
-            <a:extLst>
-              <a:ext uri="{FF2B5EF4-FFF2-40B4-BE49-F238E27FC236}">
-                <a16:creationId xmlns:a16="http://schemas.microsoft.com/office/drawing/2014/main" id="{78FABD38-C2A8-4495-9DCD-0A207E5EC8F4}"/>
+          <p:cNvPr id="9" name="Espaço Reservado para Conteúdo 4">
+            <a:extLst>
+              <a:ext uri="{FF2B5EF4-FFF2-40B4-BE49-F238E27FC236}">
+                <a16:creationId xmlns:a16="http://schemas.microsoft.com/office/drawing/2014/main" id="{4B806BCF-4875-4537-8A8D-17DBF763B1A6}"/>
+              </a:ext>
+            </a:extLst>
+          </p:cNvPr>
+          <p:cNvPicPr>
+            <a:picLocks noGrp="1" noChangeAspect="1"/>
+          </p:cNvPicPr>
+          <p:nvPr>
+            <p:ph idx="1"/>
+          </p:nvPr>
+        </p:nvPicPr>
+        <p:blipFill>
+          <a:blip r:embed="rId4">
+            <a:extLst>
+              <a:ext uri="{28A0092B-C50C-407E-A947-70E740481C1C}">
+                <a14:useLocalDpi xmlns:a14="http://schemas.microsoft.com/office/drawing/2010/main" val="0"/>
+              </a:ext>
+            </a:extLst>
+          </a:blip>
+          <a:stretch>
+            <a:fillRect/>
+          </a:stretch>
+        </p:blipFill>
+        <p:spPr>
+          <a:xfrm>
+            <a:off x="0" y="333112"/>
+            <a:ext cx="12192000" cy="6601088"/>
+          </a:xfrm>
+        </p:spPr>
+      </p:pic>
+      <p:pic>
+        <p:nvPicPr>
+          <p:cNvPr id="10" name="Imagem 9">
+            <a:extLst>
+              <a:ext uri="{FF2B5EF4-FFF2-40B4-BE49-F238E27FC236}">
+                <a16:creationId xmlns:a16="http://schemas.microsoft.com/office/drawing/2014/main" id="{96AABFB4-55C8-45B3-ADEA-3CB3D27A3D43}"/>
               </a:ext>
             </a:extLst>
           </p:cNvPr>
@@ -7676,15 +7796,15 @@
           <p:nvPr/>
         </p:nvPicPr>
         <p:blipFill>
-          <a:blip r:embed="rId4"/>
+          <a:blip r:embed="rId5"/>
           <a:stretch>
             <a:fillRect/>
           </a:stretch>
         </p:blipFill>
         <p:spPr>
           <a:xfrm>
-            <a:off x="485775" y="23446"/>
-            <a:ext cx="5610225" cy="6248400"/>
+            <a:off x="1360098" y="255198"/>
+            <a:ext cx="5886450" cy="5105400"/>
           </a:xfrm>
           <a:prstGeom prst="rect">
             <a:avLst/>
@@ -7725,42 +7845,20 @@
                             </p:stCondLst>
                             <p:childTnLst>
                               <p:par>
-                                <p:cTn id="5" presetID="42" presetClass="path" presetSubtype="0" accel="50000" decel="50000" fill="hold" nodeType="afterEffect">
-                                  <p:stCondLst>
-                                    <p:cond delay="0"/>
-                                  </p:stCondLst>
-                                  <p:childTnLst>
-                                    <p:animMotion origin="layout" path="M 2.08333E-6 4.44444E-6 L -0.27852 0.01412 " pathEditMode="relative" rAng="0" ptsTypes="AA">
-                                      <p:cBhvr>
-                                        <p:cTn id="6" dur="2000" fill="hold"/>
-                                        <p:tgtEl>
-                                          <p:spTgt spid="3"/>
-                                        </p:tgtEl>
-                                        <p:attrNameLst>
-                                          <p:attrName>ppt_x</p:attrName>
-                                          <p:attrName>ppt_y</p:attrName>
-                                        </p:attrNameLst>
-                                      </p:cBhvr>
-                                      <p:rCtr x="-13932" y="694"/>
-                                    </p:animMotion>
-                                  </p:childTnLst>
-                                </p:cTn>
-                              </p:par>
-                              <p:par>
-                                <p:cTn id="7" presetID="22" presetClass="entr" presetSubtype="4" fill="hold" nodeType="withEffect">
+                                <p:cTn id="5" presetID="22" presetClass="entr" presetSubtype="4" fill="hold" nodeType="withEffect">
                                   <p:stCondLst>
                                     <p:cond delay="0"/>
                                   </p:stCondLst>
                                   <p:childTnLst>
                                     <p:set>
                                       <p:cBhvr>
-                                        <p:cTn id="8" dur="1" fill="hold">
+                                        <p:cTn id="6" dur="1" fill="hold">
                                           <p:stCondLst>
                                             <p:cond delay="0"/>
                                           </p:stCondLst>
                                         </p:cTn>
                                         <p:tgtEl>
-                                          <p:spTgt spid="6"/>
+                                          <p:spTgt spid="10"/>
                                         </p:tgtEl>
                                         <p:attrNameLst>
                                           <p:attrName>style.visibility</p:attrName>
@@ -7772,9 +7870,9 @@
                                     </p:set>
                                     <p:animEffect transition="in" filter="wipe(down)">
                                       <p:cBhvr>
-                                        <p:cTn id="9" dur="2250"/>
+                                        <p:cTn id="7" dur="3000"/>
                                         <p:tgtEl>
-                                          <p:spTgt spid="6"/>
+                                          <p:spTgt spid="10"/>
                                         </p:tgtEl>
                                       </p:cBhvr>
                                     </p:animEffect>
@@ -7813,6 +7911,440 @@
 </file>
 
 <file path=ppt/slides/slide19.xml><?xml version="1.0" encoding="utf-8"?>
+<p:sld xmlns:a="http://schemas.openxmlformats.org/drawingml/2006/main" xmlns:r="http://schemas.openxmlformats.org/officeDocument/2006/relationships" xmlns:p="http://schemas.openxmlformats.org/presentationml/2006/main">
+  <p:cSld>
+    <p:spTree>
+      <p:nvGrpSpPr>
+        <p:cNvPr id="1" name=""/>
+        <p:cNvGrpSpPr/>
+        <p:nvPr/>
+      </p:nvGrpSpPr>
+      <p:grpSpPr>
+        <a:xfrm>
+          <a:off x="0" y="0"/>
+          <a:ext cx="0" cy="0"/>
+          <a:chOff x="0" y="0"/>
+          <a:chExt cx="0" cy="0"/>
+        </a:xfrm>
+      </p:grpSpPr>
+      <p:pic>
+        <p:nvPicPr>
+          <p:cNvPr id="13" name="Imagem 12">
+            <a:extLst>
+              <a:ext uri="{FF2B5EF4-FFF2-40B4-BE49-F238E27FC236}">
+                <a16:creationId xmlns:a16="http://schemas.microsoft.com/office/drawing/2014/main" id="{BDB2F508-2445-4F28-B7CB-A25EDAAF8D92}"/>
+              </a:ext>
+            </a:extLst>
+          </p:cNvPr>
+          <p:cNvPicPr>
+            <a:picLocks noChangeAspect="1"/>
+          </p:cNvPicPr>
+          <p:nvPr/>
+        </p:nvPicPr>
+        <p:blipFill>
+          <a:blip r:embed="rId2">
+            <a:extLst>
+              <a:ext uri="{28A0092B-C50C-407E-A947-70E740481C1C}">
+                <a14:useLocalDpi xmlns:a14="http://schemas.microsoft.com/office/drawing/2010/main" val="0"/>
+              </a:ext>
+            </a:extLst>
+          </a:blip>
+          <a:stretch>
+            <a:fillRect/>
+          </a:stretch>
+        </p:blipFill>
+        <p:spPr>
+          <a:xfrm>
+            <a:off x="-5257373" y="940694"/>
+            <a:ext cx="6858000" cy="6858000"/>
+          </a:xfrm>
+          <a:prstGeom prst="rect">
+            <a:avLst/>
+          </a:prstGeom>
+        </p:spPr>
+      </p:pic>
+      <p:pic>
+        <p:nvPicPr>
+          <p:cNvPr id="2" name="Imagem 1">
+            <a:extLst>
+              <a:ext uri="{FF2B5EF4-FFF2-40B4-BE49-F238E27FC236}">
+                <a16:creationId xmlns:a16="http://schemas.microsoft.com/office/drawing/2014/main" id="{40334683-BA6C-46E0-B5F5-2D85E5C92C2B}"/>
+              </a:ext>
+            </a:extLst>
+          </p:cNvPr>
+          <p:cNvPicPr>
+            <a:picLocks noChangeAspect="1"/>
+          </p:cNvPicPr>
+          <p:nvPr/>
+        </p:nvPicPr>
+        <p:blipFill>
+          <a:blip r:embed="rId3"/>
+          <a:stretch>
+            <a:fillRect/>
+          </a:stretch>
+        </p:blipFill>
+        <p:spPr>
+          <a:xfrm>
+            <a:off x="6096000" y="686519"/>
+            <a:ext cx="5886450" cy="5105400"/>
+          </a:xfrm>
+          <a:prstGeom prst="rect">
+            <a:avLst/>
+          </a:prstGeom>
+        </p:spPr>
+      </p:pic>
+    </p:spTree>
+    <p:extLst>
+      <p:ext uri="{BB962C8B-B14F-4D97-AF65-F5344CB8AC3E}">
+        <p14:creationId xmlns:p14="http://schemas.microsoft.com/office/powerpoint/2010/main" val="3014933844"/>
+      </p:ext>
+    </p:extLst>
+  </p:cSld>
+  <p:clrMapOvr>
+    <a:masterClrMapping/>
+  </p:clrMapOvr>
+  <p:timing>
+    <p:tnLst>
+      <p:par>
+        <p:cTn id="1" dur="indefinite" restart="never" nodeType="tmRoot">
+          <p:childTnLst>
+            <p:seq concurrent="1" nextAc="seek">
+              <p:cTn id="2" dur="indefinite" nodeType="mainSeq">
+                <p:childTnLst>
+                  <p:par>
+                    <p:cTn id="3" fill="hold">
+                      <p:stCondLst>
+                        <p:cond delay="indefinite"/>
+                        <p:cond evt="onBegin" delay="0">
+                          <p:tn val="2"/>
+                        </p:cond>
+                      </p:stCondLst>
+                      <p:childTnLst>
+                        <p:par>
+                          <p:cTn id="4" fill="hold">
+                            <p:stCondLst>
+                              <p:cond delay="0"/>
+                            </p:stCondLst>
+                            <p:childTnLst>
+                              <p:par>
+                                <p:cTn id="5" presetID="42" presetClass="path" presetSubtype="0" accel="50000" decel="50000" fill="hold" nodeType="withEffect">
+                                  <p:stCondLst>
+                                    <p:cond delay="0"/>
+                                  </p:stCondLst>
+                                  <p:childTnLst>
+                                    <p:animMotion origin="layout" path="M -2.77556E-17 1.48148E-6 L 0.30195 -0.01111 " pathEditMode="relative" rAng="0" ptsTypes="AA">
+                                      <p:cBhvr>
+                                        <p:cTn id="6" dur="3000" fill="hold"/>
+                                        <p:tgtEl>
+                                          <p:spTgt spid="13"/>
+                                        </p:tgtEl>
+                                        <p:attrNameLst>
+                                          <p:attrName>ppt_x</p:attrName>
+                                          <p:attrName>ppt_y</p:attrName>
+                                        </p:attrNameLst>
+                                      </p:cBhvr>
+                                      <p:rCtr x="15091" y="-556"/>
+                                    </p:animMotion>
+                                  </p:childTnLst>
+                                </p:cTn>
+                              </p:par>
+                            </p:childTnLst>
+                          </p:cTn>
+                        </p:par>
+                      </p:childTnLst>
+                    </p:cTn>
+                  </p:par>
+                </p:childTnLst>
+              </p:cTn>
+              <p:prevCondLst>
+                <p:cond evt="onPrev" delay="0">
+                  <p:tgtEl>
+                    <p:sldTgt/>
+                  </p:tgtEl>
+                </p:cond>
+              </p:prevCondLst>
+              <p:nextCondLst>
+                <p:cond evt="onNext" delay="0">
+                  <p:tgtEl>
+                    <p:sldTgt/>
+                  </p:tgtEl>
+                </p:cond>
+              </p:nextCondLst>
+            </p:seq>
+          </p:childTnLst>
+        </p:cTn>
+      </p:par>
+    </p:tnLst>
+  </p:timing>
+</p:sld>
+</file>
+
+<file path=ppt/slides/slide2.xml><?xml version="1.0" encoding="utf-8"?>
+<p:sld xmlns:a="http://schemas.openxmlformats.org/drawingml/2006/main" xmlns:r="http://schemas.openxmlformats.org/officeDocument/2006/relationships" xmlns:p="http://schemas.openxmlformats.org/presentationml/2006/main">
+  <p:cSld>
+    <p:spTree>
+      <p:nvGrpSpPr>
+        <p:cNvPr id="1" name=""/>
+        <p:cNvGrpSpPr/>
+        <p:nvPr/>
+      </p:nvGrpSpPr>
+      <p:grpSpPr>
+        <a:xfrm>
+          <a:off x="0" y="0"/>
+          <a:ext cx="0" cy="0"/>
+          <a:chOff x="0" y="0"/>
+          <a:chExt cx="0" cy="0"/>
+        </a:xfrm>
+      </p:grpSpPr>
+      <p:sp>
+        <p:nvSpPr>
+          <p:cNvPr id="2" name="Título 1">
+            <a:extLst>
+              <a:ext uri="{FF2B5EF4-FFF2-40B4-BE49-F238E27FC236}">
+                <a16:creationId xmlns:a16="http://schemas.microsoft.com/office/drawing/2014/main" id="{41A22105-A310-4B0D-B829-3236520A5FFE}"/>
+              </a:ext>
+            </a:extLst>
+          </p:cNvPr>
+          <p:cNvSpPr>
+            <a:spLocks noGrp="1"/>
+          </p:cNvSpPr>
+          <p:nvPr>
+            <p:ph type="title"/>
+          </p:nvPr>
+        </p:nvSpPr>
+        <p:spPr/>
+        <p:txBody>
+          <a:bodyPr/>
+          <a:lstStyle/>
+          <a:p>
+            <a:endParaRPr lang="pt-BR"/>
+          </a:p>
+        </p:txBody>
+      </p:sp>
+      <p:pic>
+        <p:nvPicPr>
+          <p:cNvPr id="7" name="Espaço Reservado para Conteúdo 6">
+            <a:extLst>
+              <a:ext uri="{FF2B5EF4-FFF2-40B4-BE49-F238E27FC236}">
+                <a16:creationId xmlns:a16="http://schemas.microsoft.com/office/drawing/2014/main" id="{878403BA-2989-437D-B616-AE23B30F8689}"/>
+              </a:ext>
+            </a:extLst>
+          </p:cNvPr>
+          <p:cNvPicPr>
+            <a:picLocks noGrp="1" noChangeAspect="1"/>
+          </p:cNvPicPr>
+          <p:nvPr>
+            <p:ph idx="1"/>
+          </p:nvPr>
+        </p:nvPicPr>
+        <p:blipFill>
+          <a:blip r:embed="rId2">
+            <a:extLst>
+              <a:ext uri="{28A0092B-C50C-407E-A947-70E740481C1C}">
+                <a14:useLocalDpi xmlns:a14="http://schemas.microsoft.com/office/drawing/2010/main" val="0"/>
+              </a:ext>
+            </a:extLst>
+          </a:blip>
+          <a:stretch>
+            <a:fillRect/>
+          </a:stretch>
+        </p:blipFill>
+        <p:spPr>
+          <a:xfrm>
+            <a:off x="-142623" y="-522923"/>
+            <a:ext cx="13121640" cy="7380923"/>
+          </a:xfrm>
+        </p:spPr>
+      </p:pic>
+      <p:sp>
+        <p:nvSpPr>
+          <p:cNvPr id="5" name="CaixaDeTexto 4">
+            <a:extLst>
+              <a:ext uri="{FF2B5EF4-FFF2-40B4-BE49-F238E27FC236}">
+                <a16:creationId xmlns:a16="http://schemas.microsoft.com/office/drawing/2014/main" id="{F103F647-F7EC-45DC-8265-E919FF0E12E6}"/>
+              </a:ext>
+            </a:extLst>
+          </p:cNvPr>
+          <p:cNvSpPr txBox="1"/>
+          <p:nvPr/>
+        </p:nvSpPr>
+        <p:spPr>
+          <a:xfrm>
+            <a:off x="6530341" y="1914923"/>
+            <a:ext cx="4823460" cy="2554545"/>
+          </a:xfrm>
+          <a:prstGeom prst="rect">
+            <a:avLst/>
+          </a:prstGeom>
+          <a:noFill/>
+        </p:spPr>
+        <p:txBody>
+          <a:bodyPr wrap="square" rtlCol="0">
+            <a:spAutoFit/>
+          </a:bodyPr>
+          <a:lstStyle/>
+          <a:p>
+            <a:r>
+              <a:rPr lang="pt-BR" sz="4000" dirty="0">
+                <a:solidFill>
+                  <a:srgbClr val="EBDA06"/>
+                </a:solidFill>
+                <a:latin typeface="Arial Rounded MT Bold" panose="020F0704030504030204" pitchFamily="34" charset="0"/>
+                <a:ea typeface="STCaiyun" panose="020B0503020204020204" pitchFamily="2" charset="-122"/>
+              </a:rPr>
+              <a:t>Não muito tempo atrás, em uma galáxia não muito distante...</a:t>
+            </a:r>
+            <a:endParaRPr lang="pt-BR" sz="3200" dirty="0">
+              <a:solidFill>
+                <a:srgbClr val="EBDA06"/>
+              </a:solidFill>
+              <a:latin typeface="Arial Rounded MT Bold" panose="020F0704030504030204" pitchFamily="34" charset="0"/>
+              <a:ea typeface="STCaiyun" panose="020B0503020204020204" pitchFamily="2" charset="-122"/>
+            </a:endParaRPr>
+          </a:p>
+        </p:txBody>
+      </p:sp>
+    </p:spTree>
+    <p:extLst>
+      <p:ext uri="{BB962C8B-B14F-4D97-AF65-F5344CB8AC3E}">
+        <p14:creationId xmlns:p14="http://schemas.microsoft.com/office/powerpoint/2010/main" val="3714189288"/>
+      </p:ext>
+    </p:extLst>
+  </p:cSld>
+  <p:clrMapOvr>
+    <a:masterClrMapping/>
+  </p:clrMapOvr>
+  <p:timing>
+    <p:tnLst>
+      <p:par>
+        <p:cTn id="1" dur="indefinite" restart="never" nodeType="tmRoot">
+          <p:childTnLst>
+            <p:seq concurrent="1" nextAc="seek">
+              <p:cTn id="2" dur="indefinite" nodeType="mainSeq">
+                <p:childTnLst>
+                  <p:par>
+                    <p:cTn id="3" fill="hold">
+                      <p:stCondLst>
+                        <p:cond delay="indefinite"/>
+                        <p:cond evt="onBegin" delay="0">
+                          <p:tn val="2"/>
+                        </p:cond>
+                      </p:stCondLst>
+                      <p:childTnLst>
+                        <p:par>
+                          <p:cTn id="4" fill="hold">
+                            <p:stCondLst>
+                              <p:cond delay="0"/>
+                            </p:stCondLst>
+                            <p:childTnLst>
+                              <p:par>
+                                <p:cTn id="5" presetID="2" presetClass="entr" presetSubtype="4" fill="hold" grpId="0" nodeType="withEffect">
+                                  <p:stCondLst>
+                                    <p:cond delay="0"/>
+                                  </p:stCondLst>
+                                  <p:childTnLst>
+                                    <p:set>
+                                      <p:cBhvr>
+                                        <p:cTn id="6" dur="1" fill="hold">
+                                          <p:stCondLst>
+                                            <p:cond delay="0"/>
+                                          </p:stCondLst>
+                                        </p:cTn>
+                                        <p:tgtEl>
+                                          <p:spTgt spid="5"/>
+                                        </p:tgtEl>
+                                        <p:attrNameLst>
+                                          <p:attrName>style.visibility</p:attrName>
+                                        </p:attrNameLst>
+                                      </p:cBhvr>
+                                      <p:to>
+                                        <p:strVal val="visible"/>
+                                      </p:to>
+                                    </p:set>
+                                    <p:anim calcmode="lin" valueType="num">
+                                      <p:cBhvr additive="base">
+                                        <p:cTn id="7" dur="3750" fill="hold"/>
+                                        <p:tgtEl>
+                                          <p:spTgt spid="5"/>
+                                        </p:tgtEl>
+                                        <p:attrNameLst>
+                                          <p:attrName>ppt_x</p:attrName>
+                                        </p:attrNameLst>
+                                      </p:cBhvr>
+                                      <p:tavLst>
+                                        <p:tav tm="0">
+                                          <p:val>
+                                            <p:strVal val="#ppt_x"/>
+                                          </p:val>
+                                        </p:tav>
+                                        <p:tav tm="100000">
+                                          <p:val>
+                                            <p:strVal val="#ppt_x"/>
+                                          </p:val>
+                                        </p:tav>
+                                      </p:tavLst>
+                                    </p:anim>
+                                    <p:anim calcmode="lin" valueType="num">
+                                      <p:cBhvr additive="base">
+                                        <p:cTn id="8" dur="3750" fill="hold"/>
+                                        <p:tgtEl>
+                                          <p:spTgt spid="5"/>
+                                        </p:tgtEl>
+                                        <p:attrNameLst>
+                                          <p:attrName>ppt_y</p:attrName>
+                                        </p:attrNameLst>
+                                      </p:cBhvr>
+                                      <p:tavLst>
+                                        <p:tav tm="0">
+                                          <p:val>
+                                            <p:strVal val="1+#ppt_h/2"/>
+                                          </p:val>
+                                        </p:tav>
+                                        <p:tav tm="100000">
+                                          <p:val>
+                                            <p:strVal val="#ppt_y"/>
+                                          </p:val>
+                                        </p:tav>
+                                      </p:tavLst>
+                                    </p:anim>
+                                  </p:childTnLst>
+                                </p:cTn>
+                              </p:par>
+                            </p:childTnLst>
+                          </p:cTn>
+                        </p:par>
+                      </p:childTnLst>
+                    </p:cTn>
+                  </p:par>
+                </p:childTnLst>
+              </p:cTn>
+              <p:prevCondLst>
+                <p:cond evt="onPrev" delay="0">
+                  <p:tgtEl>
+                    <p:sldTgt/>
+                  </p:tgtEl>
+                </p:cond>
+              </p:prevCondLst>
+              <p:nextCondLst>
+                <p:cond evt="onNext" delay="0">
+                  <p:tgtEl>
+                    <p:sldTgt/>
+                  </p:tgtEl>
+                </p:cond>
+              </p:nextCondLst>
+            </p:seq>
+          </p:childTnLst>
+        </p:cTn>
+      </p:par>
+    </p:tnLst>
+    <p:bldLst>
+      <p:bldP spid="5" grpId="0"/>
+    </p:bldLst>
+  </p:timing>
+</p:sld>
+</file>
+
+<file path=ppt/slides/slide20.xml><?xml version="1.0" encoding="utf-8"?>
 <p:sld xmlns:a="http://schemas.openxmlformats.org/drawingml/2006/main" xmlns:r="http://schemas.openxmlformats.org/officeDocument/2006/relationships" xmlns:p="http://schemas.openxmlformats.org/presentationml/2006/main">
   <p:cSld>
     <p:spTree>
@@ -8171,272 +8703,7 @@
 </p:sld>
 </file>
 
-<file path=ppt/slides/slide2.xml><?xml version="1.0" encoding="utf-8"?>
-<p:sld xmlns:a="http://schemas.openxmlformats.org/drawingml/2006/main" xmlns:r="http://schemas.openxmlformats.org/officeDocument/2006/relationships" xmlns:p="http://schemas.openxmlformats.org/presentationml/2006/main">
-  <p:cSld>
-    <p:spTree>
-      <p:nvGrpSpPr>
-        <p:cNvPr id="1" name=""/>
-        <p:cNvGrpSpPr/>
-        <p:nvPr/>
-      </p:nvGrpSpPr>
-      <p:grpSpPr>
-        <a:xfrm>
-          <a:off x="0" y="0"/>
-          <a:ext cx="0" cy="0"/>
-          <a:chOff x="0" y="0"/>
-          <a:chExt cx="0" cy="0"/>
-        </a:xfrm>
-      </p:grpSpPr>
-      <p:sp>
-        <p:nvSpPr>
-          <p:cNvPr id="2" name="Título 1">
-            <a:extLst>
-              <a:ext uri="{FF2B5EF4-FFF2-40B4-BE49-F238E27FC236}">
-                <a16:creationId xmlns:a16="http://schemas.microsoft.com/office/drawing/2014/main" id="{41A22105-A310-4B0D-B829-3236520A5FFE}"/>
-              </a:ext>
-            </a:extLst>
-          </p:cNvPr>
-          <p:cNvSpPr>
-            <a:spLocks noGrp="1"/>
-          </p:cNvSpPr>
-          <p:nvPr>
-            <p:ph type="title"/>
-          </p:nvPr>
-        </p:nvSpPr>
-        <p:spPr/>
-        <p:txBody>
-          <a:bodyPr/>
-          <a:lstStyle/>
-          <a:p>
-            <a:endParaRPr lang="pt-BR"/>
-          </a:p>
-        </p:txBody>
-      </p:sp>
-      <p:pic>
-        <p:nvPicPr>
-          <p:cNvPr id="7" name="Espaço Reservado para Conteúdo 6">
-            <a:extLst>
-              <a:ext uri="{FF2B5EF4-FFF2-40B4-BE49-F238E27FC236}">
-                <a16:creationId xmlns:a16="http://schemas.microsoft.com/office/drawing/2014/main" id="{878403BA-2989-437D-B616-AE23B30F8689}"/>
-              </a:ext>
-            </a:extLst>
-          </p:cNvPr>
-          <p:cNvPicPr>
-            <a:picLocks noGrp="1" noChangeAspect="1"/>
-          </p:cNvPicPr>
-          <p:nvPr>
-            <p:ph idx="1"/>
-          </p:nvPr>
-        </p:nvPicPr>
-        <p:blipFill>
-          <a:blip r:embed="rId2">
-            <a:extLst>
-              <a:ext uri="{28A0092B-C50C-407E-A947-70E740481C1C}">
-                <a14:useLocalDpi xmlns:a14="http://schemas.microsoft.com/office/drawing/2010/main" val="0"/>
-              </a:ext>
-            </a:extLst>
-          </a:blip>
-          <a:stretch>
-            <a:fillRect/>
-          </a:stretch>
-        </p:blipFill>
-        <p:spPr>
-          <a:xfrm>
-            <a:off x="-142623" y="-522923"/>
-            <a:ext cx="13121640" cy="7380923"/>
-          </a:xfrm>
-        </p:spPr>
-      </p:pic>
-      <p:sp>
-        <p:nvSpPr>
-          <p:cNvPr id="5" name="CaixaDeTexto 4">
-            <a:extLst>
-              <a:ext uri="{FF2B5EF4-FFF2-40B4-BE49-F238E27FC236}">
-                <a16:creationId xmlns:a16="http://schemas.microsoft.com/office/drawing/2014/main" id="{F103F647-F7EC-45DC-8265-E919FF0E12E6}"/>
-              </a:ext>
-            </a:extLst>
-          </p:cNvPr>
-          <p:cNvSpPr txBox="1"/>
-          <p:nvPr/>
-        </p:nvSpPr>
-        <p:spPr>
-          <a:xfrm>
-            <a:off x="6530341" y="1914923"/>
-            <a:ext cx="4823460" cy="2554545"/>
-          </a:xfrm>
-          <a:prstGeom prst="rect">
-            <a:avLst/>
-          </a:prstGeom>
-          <a:noFill/>
-        </p:spPr>
-        <p:txBody>
-          <a:bodyPr wrap="square" rtlCol="0">
-            <a:spAutoFit/>
-          </a:bodyPr>
-          <a:lstStyle/>
-          <a:p>
-            <a:r>
-              <a:rPr lang="pt-BR" sz="4000" dirty="0">
-                <a:solidFill>
-                  <a:srgbClr val="EBDA06"/>
-                </a:solidFill>
-                <a:latin typeface="Arial Rounded MT Bold" panose="020F0704030504030204" pitchFamily="34" charset="0"/>
-                <a:ea typeface="STCaiyun" panose="020B0503020204020204" pitchFamily="2" charset="-122"/>
-              </a:rPr>
-              <a:t>Não muito tempo atrás, em uma galáxia não muito distante...</a:t>
-            </a:r>
-            <a:endParaRPr lang="pt-BR" sz="3200" dirty="0">
-              <a:solidFill>
-                <a:srgbClr val="EBDA06"/>
-              </a:solidFill>
-              <a:latin typeface="Arial Rounded MT Bold" panose="020F0704030504030204" pitchFamily="34" charset="0"/>
-              <a:ea typeface="STCaiyun" panose="020B0503020204020204" pitchFamily="2" charset="-122"/>
-            </a:endParaRPr>
-          </a:p>
-        </p:txBody>
-      </p:sp>
-    </p:spTree>
-    <p:extLst>
-      <p:ext uri="{BB962C8B-B14F-4D97-AF65-F5344CB8AC3E}">
-        <p14:creationId xmlns:p14="http://schemas.microsoft.com/office/powerpoint/2010/main" val="3714189288"/>
-      </p:ext>
-    </p:extLst>
-  </p:cSld>
-  <p:clrMapOvr>
-    <a:masterClrMapping/>
-  </p:clrMapOvr>
-  <p:timing>
-    <p:tnLst>
-      <p:par>
-        <p:cTn id="1" dur="indefinite" restart="never" nodeType="tmRoot">
-          <p:childTnLst>
-            <p:seq concurrent="1" nextAc="seek">
-              <p:cTn id="2" dur="indefinite" nodeType="mainSeq">
-                <p:childTnLst>
-                  <p:par>
-                    <p:cTn id="3" fill="hold">
-                      <p:stCondLst>
-                        <p:cond delay="indefinite"/>
-                        <p:cond evt="onBegin" delay="0">
-                          <p:tn val="2"/>
-                        </p:cond>
-                      </p:stCondLst>
-                      <p:childTnLst>
-                        <p:par>
-                          <p:cTn id="4" fill="hold">
-                            <p:stCondLst>
-                              <p:cond delay="0"/>
-                            </p:stCondLst>
-                            <p:childTnLst>
-                              <p:par>
-                                <p:cTn id="5" presetID="2" presetClass="entr" presetSubtype="4" fill="hold" grpId="0" nodeType="withEffect">
-                                  <p:stCondLst>
-                                    <p:cond delay="0"/>
-                                  </p:stCondLst>
-                                  <p:childTnLst>
-                                    <p:set>
-                                      <p:cBhvr>
-                                        <p:cTn id="6" dur="1" fill="hold">
-                                          <p:stCondLst>
-                                            <p:cond delay="0"/>
-                                          </p:stCondLst>
-                                        </p:cTn>
-                                        <p:tgtEl>
-                                          <p:spTgt spid="5"/>
-                                        </p:tgtEl>
-                                        <p:attrNameLst>
-                                          <p:attrName>style.visibility</p:attrName>
-                                        </p:attrNameLst>
-                                      </p:cBhvr>
-                                      <p:to>
-                                        <p:strVal val="visible"/>
-                                      </p:to>
-                                    </p:set>
-                                    <p:anim calcmode="lin" valueType="num">
-                                      <p:cBhvr additive="base">
-                                        <p:cTn id="7" dur="3750" fill="hold"/>
-                                        <p:tgtEl>
-                                          <p:spTgt spid="5"/>
-                                        </p:tgtEl>
-                                        <p:attrNameLst>
-                                          <p:attrName>ppt_x</p:attrName>
-                                        </p:attrNameLst>
-                                      </p:cBhvr>
-                                      <p:tavLst>
-                                        <p:tav tm="0">
-                                          <p:val>
-                                            <p:strVal val="#ppt_x"/>
-                                          </p:val>
-                                        </p:tav>
-                                        <p:tav tm="100000">
-                                          <p:val>
-                                            <p:strVal val="#ppt_x"/>
-                                          </p:val>
-                                        </p:tav>
-                                      </p:tavLst>
-                                    </p:anim>
-                                    <p:anim calcmode="lin" valueType="num">
-                                      <p:cBhvr additive="base">
-                                        <p:cTn id="8" dur="3750" fill="hold"/>
-                                        <p:tgtEl>
-                                          <p:spTgt spid="5"/>
-                                        </p:tgtEl>
-                                        <p:attrNameLst>
-                                          <p:attrName>ppt_y</p:attrName>
-                                        </p:attrNameLst>
-                                      </p:cBhvr>
-                                      <p:tavLst>
-                                        <p:tav tm="0">
-                                          <p:val>
-                                            <p:strVal val="1+#ppt_h/2"/>
-                                          </p:val>
-                                        </p:tav>
-                                        <p:tav tm="100000">
-                                          <p:val>
-                                            <p:strVal val="#ppt_y"/>
-                                          </p:val>
-                                        </p:tav>
-                                      </p:tavLst>
-                                    </p:anim>
-                                  </p:childTnLst>
-                                </p:cTn>
-                              </p:par>
-                            </p:childTnLst>
-                          </p:cTn>
-                        </p:par>
-                      </p:childTnLst>
-                    </p:cTn>
-                  </p:par>
-                </p:childTnLst>
-              </p:cTn>
-              <p:prevCondLst>
-                <p:cond evt="onPrev" delay="0">
-                  <p:tgtEl>
-                    <p:sldTgt/>
-                  </p:tgtEl>
-                </p:cond>
-              </p:prevCondLst>
-              <p:nextCondLst>
-                <p:cond evt="onNext" delay="0">
-                  <p:tgtEl>
-                    <p:sldTgt/>
-                  </p:tgtEl>
-                </p:cond>
-              </p:nextCondLst>
-            </p:seq>
-          </p:childTnLst>
-        </p:cTn>
-      </p:par>
-    </p:tnLst>
-    <p:bldLst>
-      <p:bldP spid="5" grpId="0"/>
-    </p:bldLst>
-  </p:timing>
-</p:sld>
-</file>
-
-<file path=ppt/slides/slide20.xml><?xml version="1.0" encoding="utf-8"?>
+<file path=ppt/slides/slide21.xml><?xml version="1.0" encoding="utf-8"?>
 <p:sld xmlns:a="http://schemas.openxmlformats.org/drawingml/2006/main" xmlns:r="http://schemas.openxmlformats.org/officeDocument/2006/relationships" xmlns:p="http://schemas.openxmlformats.org/presentationml/2006/main">
   <p:cSld>
     <p:spTree>
@@ -8641,7 +8908,7 @@
 </p:sld>
 </file>
 
-<file path=ppt/slides/slide21.xml><?xml version="1.0" encoding="utf-8"?>
+<file path=ppt/slides/slide22.xml><?xml version="1.0" encoding="utf-8"?>
 <p:sld xmlns:a="http://schemas.openxmlformats.org/drawingml/2006/main" xmlns:r="http://schemas.openxmlformats.org/officeDocument/2006/relationships" xmlns:p="http://schemas.openxmlformats.org/presentationml/2006/main">
   <p:cSld>
     <p:spTree>
@@ -9222,7 +9489,7 @@
 </p:sld>
 </file>
 
-<file path=ppt/slides/slide22.xml><?xml version="1.0" encoding="utf-8"?>
+<file path=ppt/slides/slide23.xml><?xml version="1.0" encoding="utf-8"?>
 <p:sld xmlns:a="http://schemas.openxmlformats.org/drawingml/2006/main" xmlns:r="http://schemas.openxmlformats.org/officeDocument/2006/relationships" xmlns:p="http://schemas.openxmlformats.org/presentationml/2006/main">
   <p:cSld>
     <p:bg>
@@ -10102,7 +10369,7 @@
           <p:nvPr/>
         </p:nvPicPr>
         <p:blipFill>
-          <a:blip r:embed="rId2">
+          <a:blip r:embed="rId3">
             <a:extLst>
               <a:ext uri="{28A0092B-C50C-407E-A947-70E740481C1C}">
                 <a14:useLocalDpi xmlns:a14="http://schemas.microsoft.com/office/drawing/2010/main" val="0"/>
@@ -10138,7 +10405,7 @@
           <p:nvPr/>
         </p:nvPicPr>
         <p:blipFill>
-          <a:blip r:embed="rId3">
+          <a:blip r:embed="rId4">
             <a:extLst>
               <a:ext uri="{28A0092B-C50C-407E-A947-70E740481C1C}">
                 <a14:useLocalDpi xmlns:a14="http://schemas.microsoft.com/office/drawing/2010/main" val="0"/>
@@ -10174,7 +10441,7 @@
           <p:nvPr/>
         </p:nvPicPr>
         <p:blipFill>
-          <a:blip r:embed="rId3">
+          <a:blip r:embed="rId4">
             <a:extLst>
               <a:ext uri="{28A0092B-C50C-407E-A947-70E740481C1C}">
                 <a14:useLocalDpi xmlns:a14="http://schemas.microsoft.com/office/drawing/2010/main" val="0"/>
@@ -10209,7 +10476,7 @@
         </p:nvSpPr>
         <p:spPr>
           <a:xfrm>
-            <a:off x="1794319" y="1295225"/>
+            <a:off x="1012510" y="840989"/>
             <a:ext cx="9190170" cy="3108543"/>
           </a:xfrm>
           <a:prstGeom prst="rect">
@@ -10225,217 +10492,100 @@
           <a:p>
             <a:r>
               <a:rPr lang="pt-BR" sz="2800" dirty="0">
-                <a:latin typeface="+mj-lt"/>
+                <a:latin typeface="Trajan Pro" panose="02020502050506020301" pitchFamily="18" charset="0"/>
               </a:rPr>
-              <a:t>Objetivo</a:t>
+              <a:t>   I </a:t>
             </a:r>
-          </a:p>
-          <a:p>
             <a:r>
               <a:rPr lang="pt-BR" sz="2800" dirty="0">
                 <a:latin typeface="+mj-lt"/>
               </a:rPr>
-              <a:t>Requisitos e regras de negócio</a:t>
+              <a:t>  Objetivo</a:t>
             </a:r>
           </a:p>
           <a:p>
+            <a:r>
+              <a:rPr lang="pt-BR" sz="2800" dirty="0">
+                <a:latin typeface="Trajan Pro" panose="02020502050506020301" pitchFamily="18" charset="0"/>
+              </a:rPr>
+              <a:t>  II</a:t>
+            </a:r>
             <a:r>
               <a:rPr lang="pt-BR" sz="2800" dirty="0">
                 <a:latin typeface="+mj-lt"/>
               </a:rPr>
-              <a:t>Modelo conceitual</a:t>
+              <a:t>   Requisitos e regras de negócio</a:t>
             </a:r>
           </a:p>
           <a:p>
+            <a:r>
+              <a:rPr lang="pt-BR" sz="2800" dirty="0">
+                <a:latin typeface="Trajan Pro" panose="02020502050506020301" pitchFamily="18" charset="0"/>
+              </a:rPr>
+              <a:t> III</a:t>
+            </a:r>
             <a:r>
               <a:rPr lang="pt-BR" sz="2800" dirty="0">
                 <a:latin typeface="+mj-lt"/>
               </a:rPr>
-              <a:t>Modelo lógico</a:t>
+              <a:t>  Modelo conceitual</a:t>
             </a:r>
           </a:p>
           <a:p>
+            <a:r>
+              <a:rPr lang="pt-BR" sz="2800" dirty="0">
+                <a:latin typeface="Trajan Pro" panose="02020502050506020301" pitchFamily="18" charset="0"/>
+              </a:rPr>
+              <a:t> IV</a:t>
+            </a:r>
             <a:r>
               <a:rPr lang="pt-BR" sz="2800" dirty="0">
                 <a:latin typeface="+mj-lt"/>
               </a:rPr>
-              <a:t>Consultas</a:t>
+              <a:t>  Modelo lógico</a:t>
             </a:r>
           </a:p>
           <a:p>
+            <a:r>
+              <a:rPr lang="pt-BR" sz="2800" dirty="0">
+                <a:latin typeface="Trajan Pro" panose="02020502050506020301" pitchFamily="18" charset="0"/>
+              </a:rPr>
+              <a:t>  V</a:t>
+            </a:r>
             <a:r>
               <a:rPr lang="pt-BR" sz="2800" dirty="0">
                 <a:latin typeface="+mj-lt"/>
               </a:rPr>
-              <a:t>Trigger</a:t>
+              <a:t>   Consultas</a:t>
             </a:r>
           </a:p>
           <a:p>
+            <a:r>
+              <a:rPr lang="pt-BR" sz="2800" dirty="0">
+                <a:latin typeface="Trajan Pro" panose="02020502050506020301" pitchFamily="18" charset="0"/>
+              </a:rPr>
+              <a:t> VI</a:t>
+            </a:r>
             <a:r>
               <a:rPr lang="pt-BR" sz="2800" dirty="0">
                 <a:latin typeface="+mj-lt"/>
               </a:rPr>
-              <a:t>Conclusão</a:t>
+              <a:t>  Trigger</a:t>
             </a:r>
           </a:p>
-        </p:txBody>
-      </p:sp>
-      <p:sp>
-        <p:nvSpPr>
-          <p:cNvPr id="8" name="CaixaDeTexto 7">
-            <a:extLst>
-              <a:ext uri="{FF2B5EF4-FFF2-40B4-BE49-F238E27FC236}">
-                <a16:creationId xmlns:a16="http://schemas.microsoft.com/office/drawing/2014/main" id="{EFF63C85-3F9D-4829-A25A-E5F8A66D6F29}"/>
-              </a:ext>
-            </a:extLst>
-          </p:cNvPr>
-          <p:cNvSpPr txBox="1"/>
-          <p:nvPr/>
-        </p:nvSpPr>
-        <p:spPr>
-          <a:xfrm>
-            <a:off x="1794319" y="303041"/>
-            <a:ext cx="6514720" cy="1015663"/>
-          </a:xfrm>
-          <a:prstGeom prst="rect">
-            <a:avLst/>
-          </a:prstGeom>
-          <a:noFill/>
-        </p:spPr>
-        <p:txBody>
-          <a:bodyPr wrap="square" rtlCol="0">
-            <a:spAutoFit/>
-          </a:bodyPr>
-          <a:lstStyle/>
           <a:p>
             <a:r>
-              <a:rPr lang="pt-BR" sz="6000" dirty="0"/>
-              <a:t>R o t e i r o</a:t>
-            </a:r>
-          </a:p>
-        </p:txBody>
-      </p:sp>
-      <p:sp>
-        <p:nvSpPr>
-          <p:cNvPr id="5" name="CaixaDeTexto 4">
-            <a:extLst>
-              <a:ext uri="{FF2B5EF4-FFF2-40B4-BE49-F238E27FC236}">
-                <a16:creationId xmlns:a16="http://schemas.microsoft.com/office/drawing/2014/main" id="{145D6360-6B61-43EC-BDC8-85EF8243FCC6}"/>
-              </a:ext>
-            </a:extLst>
-          </p:cNvPr>
-          <p:cNvSpPr txBox="1"/>
-          <p:nvPr/>
-        </p:nvSpPr>
-        <p:spPr>
-          <a:xfrm>
-            <a:off x="1114319" y="1318704"/>
-            <a:ext cx="797013" cy="3570208"/>
-          </a:xfrm>
-          <a:prstGeom prst="rect">
-            <a:avLst/>
-          </a:prstGeom>
-          <a:noFill/>
-        </p:spPr>
-        <p:txBody>
-          <a:bodyPr wrap="none" rtlCol="0">
-            <a:spAutoFit/>
-          </a:bodyPr>
-          <a:lstStyle/>
-          <a:p>
-            <a:pPr algn="ctr">
-              <a:spcAft>
-                <a:spcPts val="600"/>
-              </a:spcAft>
-            </a:pPr>
-            <a:r>
-              <a:rPr lang="pt-BR" sz="2800" b="1" dirty="0">
-                <a:latin typeface="Trajan Pro" panose="02020502050506020301"/>
-              </a:rPr>
-              <a:t>I</a:t>
-            </a:r>
-            <a:endParaRPr lang="pt-BR" sz="2800" dirty="0"/>
-          </a:p>
-          <a:p>
-            <a:pPr algn="ctr">
-              <a:spcAft>
-                <a:spcPts val="600"/>
-              </a:spcAft>
-            </a:pPr>
-            <a:r>
-              <a:rPr lang="pt-BR" sz="2800" b="1" dirty="0">
-                <a:latin typeface="Trajan Pro" panose="02020502050506020301"/>
-              </a:rPr>
-              <a:t>II</a:t>
-            </a:r>
-            <a:endParaRPr lang="pt-BR" sz="2800" dirty="0">
-              <a:latin typeface="Trajan Pro" panose="02020502050506020301"/>
-            </a:endParaRPr>
-          </a:p>
-          <a:p>
-            <a:pPr algn="ctr">
-              <a:spcAft>
-                <a:spcPts val="600"/>
-              </a:spcAft>
-            </a:pPr>
-            <a:r>
-              <a:rPr lang="pt-BR" sz="2800" b="1" dirty="0">
-                <a:latin typeface="Trajan Pro" panose="02020502050506020301"/>
-              </a:rPr>
-              <a:t>III</a:t>
-            </a:r>
-            <a:endParaRPr lang="pt-BR" sz="2800" dirty="0">
-              <a:latin typeface="Trajan Pro" panose="02020502050506020301"/>
-            </a:endParaRPr>
-          </a:p>
-          <a:p>
-            <a:pPr algn="ctr">
-              <a:spcAft>
-                <a:spcPts val="600"/>
-              </a:spcAft>
-            </a:pPr>
-            <a:r>
-              <a:rPr lang="pt-BR" sz="2800" b="1" dirty="0">
-                <a:latin typeface="Trajan Pro" panose="02020502050506020301"/>
-              </a:rPr>
-              <a:t>V</a:t>
-            </a:r>
-            <a:endParaRPr lang="pt-BR" sz="2800" dirty="0">
-              <a:latin typeface="Trajan Pro" panose="02020502050506020301"/>
-            </a:endParaRPr>
-          </a:p>
-          <a:p>
-            <a:pPr algn="ctr">
-              <a:spcAft>
-                <a:spcPts val="600"/>
-              </a:spcAft>
-            </a:pPr>
-            <a:r>
-              <a:rPr lang="pt-BR" sz="2800" b="1" dirty="0">
-                <a:latin typeface="Trajan Pro" panose="02020502050506020301"/>
-              </a:rPr>
-              <a:t>VI</a:t>
-            </a:r>
-          </a:p>
-          <a:p>
-            <a:pPr algn="ctr">
-              <a:spcAft>
-                <a:spcPts val="600"/>
-              </a:spcAft>
-            </a:pPr>
-            <a:r>
-              <a:rPr lang="pt-BR" sz="2800" b="1" dirty="0">
-                <a:latin typeface="Trajan Pro" panose="02020502050506020301"/>
+              <a:rPr lang="pt-BR" sz="2800" dirty="0">
+                <a:latin typeface="Trajan Pro" panose="02020502050506020301" pitchFamily="18" charset="0"/>
               </a:rPr>
               <a:t>VII</a:t>
             </a:r>
-            <a:endParaRPr lang="pt-BR" sz="2800" dirty="0">
-              <a:latin typeface="Trajan Pro" panose="02020502050506020301"/>
-            </a:endParaRPr>
-          </a:p>
-          <a:p>
-            <a:pPr algn="ctr"/>
-            <a:endParaRPr lang="pt-BR" sz="2800" dirty="0"/>
+            <a:r>
+              <a:rPr lang="pt-BR" sz="2800" dirty="0">
+                <a:latin typeface="+mj-lt"/>
+              </a:rPr>
+              <a:t> Conclusão</a:t>
+            </a:r>
           </a:p>
         </p:txBody>
       </p:sp>
@@ -10633,122 +10783,6 @@
                                   </p:childTnLst>
                                 </p:cTn>
                               </p:par>
-                              <p:par>
-                                <p:cTn id="18" presetID="6" presetClass="entr" presetSubtype="16" fill="hold" grpId="0" nodeType="withEffect">
-                                  <p:stCondLst>
-                                    <p:cond delay="0"/>
-                                  </p:stCondLst>
-                                  <p:childTnLst>
-                                    <p:set>
-                                      <p:cBhvr>
-                                        <p:cTn id="19" dur="1" fill="hold">
-                                          <p:stCondLst>
-                                            <p:cond delay="0"/>
-                                          </p:stCondLst>
-                                        </p:cTn>
-                                        <p:tgtEl>
-                                          <p:spTgt spid="8"/>
-                                        </p:tgtEl>
-                                        <p:attrNameLst>
-                                          <p:attrName>style.visibility</p:attrName>
-                                        </p:attrNameLst>
-                                      </p:cBhvr>
-                                      <p:to>
-                                        <p:strVal val="visible"/>
-                                      </p:to>
-                                    </p:set>
-                                    <p:animEffect transition="in" filter="circle(in)">
-                                      <p:cBhvr>
-                                        <p:cTn id="20" dur="3000"/>
-                                        <p:tgtEl>
-                                          <p:spTgt spid="8"/>
-                                        </p:tgtEl>
-                                      </p:cBhvr>
-                                    </p:animEffect>
-                                  </p:childTnLst>
-                                </p:cTn>
-                              </p:par>
-                              <p:par>
-                                <p:cTn id="21" presetID="42" presetClass="entr" presetSubtype="0" fill="hold" grpId="0" nodeType="withEffect">
-                                  <p:stCondLst>
-                                    <p:cond delay="0"/>
-                                  </p:stCondLst>
-                                  <p:childTnLst>
-                                    <p:set>
-                                      <p:cBhvr>
-                                        <p:cTn id="22" dur="1" fill="hold">
-                                          <p:stCondLst>
-                                            <p:cond delay="0"/>
-                                          </p:stCondLst>
-                                        </p:cTn>
-                                        <p:tgtEl>
-                                          <p:spTgt spid="5"/>
-                                        </p:tgtEl>
-                                        <p:attrNameLst>
-                                          <p:attrName>style.visibility</p:attrName>
-                                        </p:attrNameLst>
-                                      </p:cBhvr>
-                                      <p:to>
-                                        <p:strVal val="visible"/>
-                                      </p:to>
-                                    </p:set>
-                                    <p:animEffect transition="in" filter="fade">
-                                      <p:cBhvr>
-                                        <p:cTn id="23" dur="1000"/>
-                                        <p:tgtEl>
-                                          <p:spTgt spid="5"/>
-                                        </p:tgtEl>
-                                      </p:cBhvr>
-                                    </p:animEffect>
-                                    <p:anim calcmode="lin" valueType="num">
-                                      <p:cBhvr>
-                                        <p:cTn id="24" dur="1000" fill="hold"/>
-                                        <p:tgtEl>
-                                          <p:spTgt spid="5"/>
-                                        </p:tgtEl>
-                                        <p:attrNameLst>
-                                          <p:attrName>ppt_x</p:attrName>
-                                        </p:attrNameLst>
-                                      </p:cBhvr>
-                                      <p:tavLst>
-                                        <p:tav tm="0">
-                                          <p:val>
-                                            <p:strVal val="#ppt_x"/>
-                                          </p:val>
-                                        </p:tav>
-                                        <p:tav tm="100000">
-                                          <p:val>
-                                            <p:strVal val="#ppt_x"/>
-                                          </p:val>
-                                        </p:tav>
-                                      </p:tavLst>
-                                    </p:anim>
-                                    <p:anim calcmode="lin" valueType="num">
-                                      <p:cBhvr>
-                                        <p:cTn id="25" dur="1000" fill="hold"/>
-                                        <p:tgtEl>
-                                          <p:spTgt spid="5"/>
-                                        </p:tgtEl>
-                                        <p:attrNameLst>
-                                          <p:attrName>ppt_y</p:attrName>
-                                        </p:attrNameLst>
-                                      </p:cBhvr>
-                                      <p:tavLst>
-                                        <p:tav tm="0">
-                                          <p:val>
-                                            <p:strVal val="#ppt_y+.1"/>
-                                          </p:val>
-                                        </p:tav>
-                                        <p:tav tm="100000">
-                                          <p:val>
-                                            <p:strVal val="#ppt_y"/>
-                                          </p:val>
-                                        </p:tav>
-                                      </p:tavLst>
-                                    </p:anim>
-                                  </p:childTnLst>
-                                </p:cTn>
-                              </p:par>
                             </p:childTnLst>
                           </p:cTn>
                         </p:par>
@@ -10778,8 +10812,6 @@
     </p:tnLst>
     <p:bldLst>
       <p:bldP spid="7" grpId="0"/>
-      <p:bldP spid="8" grpId="0"/>
-      <p:bldP spid="5" grpId="0"/>
     </p:bldLst>
   </p:timing>
 </p:sld>
@@ -10883,7 +10915,7 @@
         </p:nvSpPr>
         <p:spPr>
           <a:xfrm>
-            <a:off x="1977597" y="2503135"/>
+            <a:off x="2397047" y="2503135"/>
             <a:ext cx="8250454" cy="461665"/>
           </a:xfrm>
           <a:prstGeom prst="rect">
@@ -11466,8 +11498,8 @@
         </p:nvSpPr>
         <p:spPr>
           <a:xfrm>
-            <a:off x="118887" y="208027"/>
-            <a:ext cx="9245601" cy="5262979"/>
+            <a:off x="109557" y="54517"/>
+            <a:ext cx="9245601" cy="5693866"/>
           </a:xfrm>
           <a:prstGeom prst="rect">
             <a:avLst/>
@@ -11511,17 +11543,8 @@
               <a:rPr lang="pt-BR" sz="2800" dirty="0">
                 <a:latin typeface="+mj-lt"/>
               </a:rPr>
-              <a:t>Todo planeta possui: id, sistema, atmosfera, quantidade de luas, quantidade de sois, setor, nome e região.</a:t>
+              <a:t>Os planetas possuem: id, sistema, atmosfera, quantidade de luas, quantidade de sois, setor, nome e região.</a:t>
             </a:r>
-          </a:p>
-          <a:p>
-            <a:pPr marL="285750" indent="-285750" fontAlgn="ctr">
-              <a:buFont typeface="Arial" panose="020B0604020202020204" pitchFamily="34" charset="0"/>
-              <a:buChar char="•"/>
-            </a:pPr>
-            <a:endParaRPr lang="pt-BR" sz="2800" dirty="0">
-              <a:latin typeface="+mj-lt"/>
-            </a:endParaRPr>
           </a:p>
           <a:p>
             <a:pPr marL="285750" indent="-285750" fontAlgn="ctr">
@@ -11569,6 +11592,18 @@
                 <a:latin typeface="+mj-lt"/>
               </a:rPr>
               <a:t> Veículos também podem possuir armas.</a:t>
+            </a:r>
+          </a:p>
+          <a:p>
+            <a:pPr marL="285750" indent="-285750">
+              <a:buFont typeface="Arial" panose="020B0604020202020204" pitchFamily="34" charset="0"/>
+              <a:buChar char="•"/>
+            </a:pPr>
+            <a:r>
+              <a:rPr lang="pt-BR" sz="2800" dirty="0">
+                <a:latin typeface="+mj-lt"/>
+              </a:rPr>
+              <a:t>Personagens, veículos, armas e planetas possuem uma ou mais afiliações.</a:t>
             </a:r>
           </a:p>
         </p:txBody>
